--- a/Nixon Bohr.pptx
+++ b/Nixon Bohr.pptx
@@ -114,6 +114,11 @@
       </a:defRPr>
     </a:lvl9pPr>
   </p:defaultTextStyle>
+  <p:extLst>
+    <p:ext uri="{EFAFB233-063F-42B5-8137-9DF3F51BA10A}">
+      <p15:sldGuideLst xmlns:p15="http://schemas.microsoft.com/office/powerpoint/2012/main"/>
+    </p:ext>
+  </p:extLst>
 </p:presentation>
 </file>
 
@@ -174,7 +179,7 @@
           <a:noFill/>
           <a:extLst>
             <a:ext uri="{909E8E84-426E-40dd-AFC4-6F175D3DCCD1}">
-              <a14:hiddenFill xmlns:a14="http://schemas.microsoft.com/office/drawing/2010/main" xmlns="">
+              <a14:hiddenFill xmlns="" xmlns:a14="http://schemas.microsoft.com/office/drawing/2010/main">
                 <a:solidFill>
                   <a:srgbClr val="FFFFFF"/>
                 </a:solidFill>
@@ -233,7 +238,7 @@
             </a:ln>
             <a:extLst>
               <a:ext uri="{91240B29-F687-4f45-9708-019B960494DF}">
-                <a14:hiddenLine xmlns:a14="http://schemas.microsoft.com/office/drawing/2010/main" xmlns="" w="9525">
+                <a14:hiddenLine xmlns="" xmlns:a14="http://schemas.microsoft.com/office/drawing/2010/main" w="9525">
                   <a:solidFill>
                     <a:srgbClr val="000000"/>
                   </a:solidFill>
@@ -323,7 +328,7 @@
             </a:ln>
             <a:extLst>
               <a:ext uri="{91240B29-F687-4f45-9708-019B960494DF}">
-                <a14:hiddenLine xmlns:a14="http://schemas.microsoft.com/office/drawing/2010/main" xmlns="" w="9525">
+                <a14:hiddenLine xmlns="" xmlns:a14="http://schemas.microsoft.com/office/drawing/2010/main" w="9525">
                   <a:solidFill>
                     <a:srgbClr val="000000"/>
                   </a:solidFill>
@@ -413,7 +418,7 @@
             </a:ln>
             <a:extLst>
               <a:ext uri="{91240B29-F687-4f45-9708-019B960494DF}">
-                <a14:hiddenLine xmlns:a14="http://schemas.microsoft.com/office/drawing/2010/main" xmlns="" w="9525">
+                <a14:hiddenLine xmlns="" xmlns:a14="http://schemas.microsoft.com/office/drawing/2010/main" w="9525">
                   <a:solidFill>
                     <a:srgbClr val="000000"/>
                   </a:solidFill>
@@ -447,7 +452,7 @@
             </a:ln>
             <a:extLst>
               <a:ext uri="{91240B29-F687-4f45-9708-019B960494DF}">
-                <a14:hiddenLine xmlns:a14="http://schemas.microsoft.com/office/drawing/2010/main" xmlns="" w="9525">
+                <a14:hiddenLine xmlns="" xmlns:a14="http://schemas.microsoft.com/office/drawing/2010/main" w="9525">
                   <a:solidFill>
                     <a:srgbClr val="000000"/>
                   </a:solidFill>
@@ -537,7 +542,7 @@
             </a:ln>
             <a:extLst>
               <a:ext uri="{91240B29-F687-4f45-9708-019B960494DF}">
-                <a14:hiddenLine xmlns:a14="http://schemas.microsoft.com/office/drawing/2010/main" xmlns="" w="9525">
+                <a14:hiddenLine xmlns="" xmlns:a14="http://schemas.microsoft.com/office/drawing/2010/main" w="9525">
                   <a:solidFill>
                     <a:srgbClr val="000000"/>
                   </a:solidFill>
@@ -599,7 +604,7 @@
             </a:ln>
             <a:extLst>
               <a:ext uri="{91240B29-F687-4f45-9708-019B960494DF}">
-                <a14:hiddenLine xmlns:a14="http://schemas.microsoft.com/office/drawing/2010/main" xmlns="" w="9525">
+                <a14:hiddenLine xmlns="" xmlns:a14="http://schemas.microsoft.com/office/drawing/2010/main" w="9525">
                   <a:solidFill>
                     <a:srgbClr val="000000"/>
                   </a:solidFill>
@@ -661,7 +666,7 @@
             </a:ln>
             <a:extLst>
               <a:ext uri="{91240B29-F687-4f45-9708-019B960494DF}">
-                <a14:hiddenLine xmlns:a14="http://schemas.microsoft.com/office/drawing/2010/main" xmlns="" w="9525">
+                <a14:hiddenLine xmlns="" xmlns:a14="http://schemas.microsoft.com/office/drawing/2010/main" w="9525">
                   <a:solidFill>
                     <a:srgbClr val="000000"/>
                   </a:solidFill>
@@ -751,7 +756,7 @@
             </a:ln>
             <a:extLst>
               <a:ext uri="{91240B29-F687-4f45-9708-019B960494DF}">
-                <a14:hiddenLine xmlns:a14="http://schemas.microsoft.com/office/drawing/2010/main" xmlns="" w="9525">
+                <a14:hiddenLine xmlns="" xmlns:a14="http://schemas.microsoft.com/office/drawing/2010/main" w="9525">
                   <a:solidFill>
                     <a:srgbClr val="000000"/>
                   </a:solidFill>
@@ -813,7 +818,7 @@
             </a:ln>
             <a:extLst>
               <a:ext uri="{91240B29-F687-4f45-9708-019B960494DF}">
-                <a14:hiddenLine xmlns:a14="http://schemas.microsoft.com/office/drawing/2010/main" xmlns="" w="9525">
+                <a14:hiddenLine xmlns="" xmlns:a14="http://schemas.microsoft.com/office/drawing/2010/main" w="9525">
                   <a:solidFill>
                     <a:srgbClr val="000000"/>
                   </a:solidFill>
@@ -875,7 +880,7 @@
             </a:ln>
             <a:extLst>
               <a:ext uri="{91240B29-F687-4f45-9708-019B960494DF}">
-                <a14:hiddenLine xmlns:a14="http://schemas.microsoft.com/office/drawing/2010/main" xmlns="" w="9525">
+                <a14:hiddenLine xmlns="" xmlns:a14="http://schemas.microsoft.com/office/drawing/2010/main" w="9525">
                   <a:solidFill>
                     <a:srgbClr val="000000"/>
                   </a:solidFill>
@@ -965,7 +970,7 @@
             </a:ln>
             <a:extLst>
               <a:ext uri="{91240B29-F687-4f45-9708-019B960494DF}">
-                <a14:hiddenLine xmlns:a14="http://schemas.microsoft.com/office/drawing/2010/main" xmlns="" w="9525">
+                <a14:hiddenLine xmlns="" xmlns:a14="http://schemas.microsoft.com/office/drawing/2010/main" w="9525">
                   <a:solidFill>
                     <a:srgbClr val="000000"/>
                   </a:solidFill>
@@ -1055,7 +1060,7 @@
             </a:ln>
             <a:extLst>
               <a:ext uri="{91240B29-F687-4f45-9708-019B960494DF}">
-                <a14:hiddenLine xmlns:a14="http://schemas.microsoft.com/office/drawing/2010/main" xmlns="" w="9525">
+                <a14:hiddenLine xmlns="" xmlns:a14="http://schemas.microsoft.com/office/drawing/2010/main" w="9525">
                   <a:solidFill>
                     <a:srgbClr val="000000"/>
                   </a:solidFill>
@@ -1117,7 +1122,7 @@
             </a:ln>
             <a:extLst>
               <a:ext uri="{91240B29-F687-4f45-9708-019B960494DF}">
-                <a14:hiddenLine xmlns:a14="http://schemas.microsoft.com/office/drawing/2010/main" xmlns="" w="9525">
+                <a14:hiddenLine xmlns="" xmlns:a14="http://schemas.microsoft.com/office/drawing/2010/main" w="9525">
                   <a:solidFill>
                     <a:srgbClr val="000000"/>
                   </a:solidFill>
@@ -1227,7 +1232,7 @@
             </a:ln>
             <a:extLst>
               <a:ext uri="{91240B29-F687-4f45-9708-019B960494DF}">
-                <a14:hiddenLine xmlns:a14="http://schemas.microsoft.com/office/drawing/2010/main" xmlns="" w="9525">
+                <a14:hiddenLine xmlns="" xmlns:a14="http://schemas.microsoft.com/office/drawing/2010/main" w="9525">
                   <a:solidFill>
                     <a:srgbClr val="000000"/>
                   </a:solidFill>
@@ -1289,7 +1294,7 @@
             </a:ln>
             <a:extLst>
               <a:ext uri="{91240B29-F687-4f45-9708-019B960494DF}">
-                <a14:hiddenLine xmlns:a14="http://schemas.microsoft.com/office/drawing/2010/main" xmlns="" w="9525">
+                <a14:hiddenLine xmlns="" xmlns:a14="http://schemas.microsoft.com/office/drawing/2010/main" w="9525">
                   <a:solidFill>
                     <a:srgbClr val="000000"/>
                   </a:solidFill>
@@ -1379,7 +1384,7 @@
             </a:ln>
             <a:extLst>
               <a:ext uri="{91240B29-F687-4f45-9708-019B960494DF}">
-                <a14:hiddenLine xmlns:a14="http://schemas.microsoft.com/office/drawing/2010/main" xmlns="" w="9525">
+                <a14:hiddenLine xmlns="" xmlns:a14="http://schemas.microsoft.com/office/drawing/2010/main" w="9525">
                   <a:solidFill>
                     <a:srgbClr val="000000"/>
                   </a:solidFill>
@@ -1469,7 +1474,7 @@
             </a:ln>
             <a:extLst>
               <a:ext uri="{91240B29-F687-4f45-9708-019B960494DF}">
-                <a14:hiddenLine xmlns:a14="http://schemas.microsoft.com/office/drawing/2010/main" xmlns="" w="9525">
+                <a14:hiddenLine xmlns="" xmlns:a14="http://schemas.microsoft.com/office/drawing/2010/main" w="9525">
                   <a:solidFill>
                     <a:srgbClr val="000000"/>
                   </a:solidFill>
@@ -1531,7 +1536,7 @@
             </a:ln>
             <a:extLst>
               <a:ext uri="{91240B29-F687-4f45-9708-019B960494DF}">
-                <a14:hiddenLine xmlns:a14="http://schemas.microsoft.com/office/drawing/2010/main" xmlns="" w="9525">
+                <a14:hiddenLine xmlns="" xmlns:a14="http://schemas.microsoft.com/office/drawing/2010/main" w="9525">
                   <a:solidFill>
                     <a:srgbClr val="000000"/>
                   </a:solidFill>
@@ -1621,7 +1626,7 @@
             </a:ln>
             <a:extLst>
               <a:ext uri="{91240B29-F687-4f45-9708-019B960494DF}">
-                <a14:hiddenLine xmlns:a14="http://schemas.microsoft.com/office/drawing/2010/main" xmlns="" w="9525">
+                <a14:hiddenLine xmlns="" xmlns:a14="http://schemas.microsoft.com/office/drawing/2010/main" w="9525">
                   <a:solidFill>
                     <a:srgbClr val="000000"/>
                   </a:solidFill>
@@ -1711,7 +1716,7 @@
             </a:ln>
             <a:extLst>
               <a:ext uri="{91240B29-F687-4f45-9708-019B960494DF}">
-                <a14:hiddenLine xmlns:a14="http://schemas.microsoft.com/office/drawing/2010/main" xmlns="" w="9525">
+                <a14:hiddenLine xmlns="" xmlns:a14="http://schemas.microsoft.com/office/drawing/2010/main" w="9525">
                   <a:solidFill>
                     <a:srgbClr val="000000"/>
                   </a:solidFill>
@@ -1767,7 +1772,7 @@
             </a:ln>
             <a:extLst>
               <a:ext uri="{91240B29-F687-4f45-9708-019B960494DF}">
-                <a14:hiddenLine xmlns:a14="http://schemas.microsoft.com/office/drawing/2010/main" xmlns="" w="9525">
+                <a14:hiddenLine xmlns="" xmlns:a14="http://schemas.microsoft.com/office/drawing/2010/main" w="9525">
                   <a:solidFill>
                     <a:srgbClr val="000000"/>
                   </a:solidFill>
@@ -1857,7 +1862,7 @@
             </a:ln>
             <a:extLst>
               <a:ext uri="{91240B29-F687-4f45-9708-019B960494DF}">
-                <a14:hiddenLine xmlns:a14="http://schemas.microsoft.com/office/drawing/2010/main" xmlns="" w="9525">
+                <a14:hiddenLine xmlns="" xmlns:a14="http://schemas.microsoft.com/office/drawing/2010/main" w="9525">
                   <a:solidFill>
                     <a:srgbClr val="000000"/>
                   </a:solidFill>
@@ -1913,7 +1918,7 @@
             </a:ln>
             <a:extLst>
               <a:ext uri="{91240B29-F687-4f45-9708-019B960494DF}">
-                <a14:hiddenLine xmlns:a14="http://schemas.microsoft.com/office/drawing/2010/main" xmlns="" w="9525">
+                <a14:hiddenLine xmlns="" xmlns:a14="http://schemas.microsoft.com/office/drawing/2010/main" w="9525">
                   <a:solidFill>
                     <a:srgbClr val="000000"/>
                   </a:solidFill>
@@ -2003,7 +2008,7 @@
             </a:ln>
             <a:extLst>
               <a:ext uri="{91240B29-F687-4f45-9708-019B960494DF}">
-                <a14:hiddenLine xmlns:a14="http://schemas.microsoft.com/office/drawing/2010/main" xmlns="" w="9525">
+                <a14:hiddenLine xmlns="" xmlns:a14="http://schemas.microsoft.com/office/drawing/2010/main" w="9525">
                   <a:solidFill>
                     <a:srgbClr val="000000"/>
                   </a:solidFill>
@@ -2071,7 +2076,7 @@
             </a:ln>
             <a:extLst>
               <a:ext uri="{91240B29-F687-4f45-9708-019B960494DF}">
-                <a14:hiddenLine xmlns:a14="http://schemas.microsoft.com/office/drawing/2010/main" xmlns="" w="9525">
+                <a14:hiddenLine xmlns="" xmlns:a14="http://schemas.microsoft.com/office/drawing/2010/main" w="9525">
                   <a:solidFill>
                     <a:srgbClr val="000000"/>
                   </a:solidFill>
@@ -2161,7 +2166,7 @@
             </a:ln>
             <a:extLst>
               <a:ext uri="{91240B29-F687-4f45-9708-019B960494DF}">
-                <a14:hiddenLine xmlns:a14="http://schemas.microsoft.com/office/drawing/2010/main" xmlns="" w="9525">
+                <a14:hiddenLine xmlns="" xmlns:a14="http://schemas.microsoft.com/office/drawing/2010/main" w="9525">
                   <a:solidFill>
                     <a:srgbClr val="000000"/>
                   </a:solidFill>
@@ -2229,7 +2234,7 @@
             </a:ln>
             <a:extLst>
               <a:ext uri="{91240B29-F687-4f45-9708-019B960494DF}">
-                <a14:hiddenLine xmlns:a14="http://schemas.microsoft.com/office/drawing/2010/main" xmlns="" w="9525">
+                <a14:hiddenLine xmlns="" xmlns:a14="http://schemas.microsoft.com/office/drawing/2010/main" w="9525">
                   <a:solidFill>
                     <a:srgbClr val="000000"/>
                   </a:solidFill>
@@ -2319,7 +2324,7 @@
             </a:ln>
             <a:extLst>
               <a:ext uri="{91240B29-F687-4f45-9708-019B960494DF}">
-                <a14:hiddenLine xmlns:a14="http://schemas.microsoft.com/office/drawing/2010/main" xmlns="" w="9525">
+                <a14:hiddenLine xmlns="" xmlns:a14="http://schemas.microsoft.com/office/drawing/2010/main" w="9525">
                   <a:solidFill>
                     <a:srgbClr val="000000"/>
                   </a:solidFill>
@@ -2353,7 +2358,7 @@
             </a:ln>
             <a:extLst>
               <a:ext uri="{91240B29-F687-4f45-9708-019B960494DF}">
-                <a14:hiddenLine xmlns:a14="http://schemas.microsoft.com/office/drawing/2010/main" xmlns="" w="9525">
+                <a14:hiddenLine xmlns="" xmlns:a14="http://schemas.microsoft.com/office/drawing/2010/main" w="9525">
                   <a:solidFill>
                     <a:srgbClr val="000000"/>
                   </a:solidFill>
@@ -2443,7 +2448,7 @@
             </a:ln>
             <a:extLst>
               <a:ext uri="{91240B29-F687-4f45-9708-019B960494DF}">
-                <a14:hiddenLine xmlns:a14="http://schemas.microsoft.com/office/drawing/2010/main" xmlns="" w="9525">
+                <a14:hiddenLine xmlns="" xmlns:a14="http://schemas.microsoft.com/office/drawing/2010/main" w="9525">
                   <a:solidFill>
                     <a:srgbClr val="000000"/>
                   </a:solidFill>
@@ -2505,7 +2510,7 @@
             </a:ln>
             <a:extLst>
               <a:ext uri="{91240B29-F687-4f45-9708-019B960494DF}">
-                <a14:hiddenLine xmlns:a14="http://schemas.microsoft.com/office/drawing/2010/main" xmlns="" w="9525">
+                <a14:hiddenLine xmlns="" xmlns:a14="http://schemas.microsoft.com/office/drawing/2010/main" w="9525">
                   <a:solidFill>
                     <a:srgbClr val="000000"/>
                   </a:solidFill>
@@ -2567,7 +2572,7 @@
             </a:ln>
             <a:extLst>
               <a:ext uri="{91240B29-F687-4f45-9708-019B960494DF}">
-                <a14:hiddenLine xmlns:a14="http://schemas.microsoft.com/office/drawing/2010/main" xmlns="" w="9525">
+                <a14:hiddenLine xmlns="" xmlns:a14="http://schemas.microsoft.com/office/drawing/2010/main" w="9525">
                   <a:solidFill>
                     <a:srgbClr val="000000"/>
                   </a:solidFill>
@@ -2657,7 +2662,7 @@
             </a:ln>
             <a:extLst>
               <a:ext uri="{91240B29-F687-4f45-9708-019B960494DF}">
-                <a14:hiddenLine xmlns:a14="http://schemas.microsoft.com/office/drawing/2010/main" xmlns="" w="9525">
+                <a14:hiddenLine xmlns="" xmlns:a14="http://schemas.microsoft.com/office/drawing/2010/main" w="9525">
                   <a:solidFill>
                     <a:srgbClr val="000000"/>
                   </a:solidFill>
@@ -2725,7 +2730,7 @@
             </a:ln>
             <a:extLst>
               <a:ext uri="{91240B29-F687-4f45-9708-019B960494DF}">
-                <a14:hiddenLine xmlns:a14="http://schemas.microsoft.com/office/drawing/2010/main" xmlns="" w="9525">
+                <a14:hiddenLine xmlns="" xmlns:a14="http://schemas.microsoft.com/office/drawing/2010/main" w="9525">
                   <a:solidFill>
                     <a:srgbClr val="000000"/>
                   </a:solidFill>
@@ -2787,7 +2792,7 @@
             </a:ln>
             <a:extLst>
               <a:ext uri="{91240B29-F687-4f45-9708-019B960494DF}">
-                <a14:hiddenLine xmlns:a14="http://schemas.microsoft.com/office/drawing/2010/main" xmlns="" w="9525">
+                <a14:hiddenLine xmlns="" xmlns:a14="http://schemas.microsoft.com/office/drawing/2010/main" w="9525">
                   <a:solidFill>
                     <a:srgbClr val="000000"/>
                   </a:solidFill>
@@ -2877,7 +2882,7 @@
             </a:ln>
             <a:extLst>
               <a:ext uri="{91240B29-F687-4f45-9708-019B960494DF}">
-                <a14:hiddenLine xmlns:a14="http://schemas.microsoft.com/office/drawing/2010/main" xmlns="" w="9525">
+                <a14:hiddenLine xmlns="" xmlns:a14="http://schemas.microsoft.com/office/drawing/2010/main" w="9525">
                   <a:solidFill>
                     <a:srgbClr val="000000"/>
                   </a:solidFill>
@@ -2939,7 +2944,7 @@
             </a:ln>
             <a:extLst>
               <a:ext uri="{91240B29-F687-4f45-9708-019B960494DF}">
-                <a14:hiddenLine xmlns:a14="http://schemas.microsoft.com/office/drawing/2010/main" xmlns="" w="9525">
+                <a14:hiddenLine xmlns="" xmlns:a14="http://schemas.microsoft.com/office/drawing/2010/main" w="9525">
                   <a:solidFill>
                     <a:srgbClr val="000000"/>
                   </a:solidFill>
@@ -3029,7 +3034,7 @@
             </a:ln>
             <a:extLst>
               <a:ext uri="{91240B29-F687-4f45-9708-019B960494DF}">
-                <a14:hiddenLine xmlns:a14="http://schemas.microsoft.com/office/drawing/2010/main" xmlns="" w="9525">
+                <a14:hiddenLine xmlns="" xmlns:a14="http://schemas.microsoft.com/office/drawing/2010/main" w="9525">
                   <a:solidFill>
                     <a:srgbClr val="000000"/>
                   </a:solidFill>
@@ -3091,7 +3096,7 @@
             </a:ln>
             <a:extLst>
               <a:ext uri="{91240B29-F687-4f45-9708-019B960494DF}">
-                <a14:hiddenLine xmlns:a14="http://schemas.microsoft.com/office/drawing/2010/main" xmlns="" w="9525">
+                <a14:hiddenLine xmlns="" xmlns:a14="http://schemas.microsoft.com/office/drawing/2010/main" w="9525">
                   <a:solidFill>
                     <a:srgbClr val="000000"/>
                   </a:solidFill>
@@ -3181,7 +3186,7 @@
             </a:ln>
             <a:extLst>
               <a:ext uri="{91240B29-F687-4f45-9708-019B960494DF}">
-                <a14:hiddenLine xmlns:a14="http://schemas.microsoft.com/office/drawing/2010/main" xmlns="" w="9525">
+                <a14:hiddenLine xmlns="" xmlns:a14="http://schemas.microsoft.com/office/drawing/2010/main" w="9525">
                   <a:solidFill>
                     <a:srgbClr val="000000"/>
                   </a:solidFill>
@@ -3215,7 +3220,7 @@
             </a:ln>
             <a:extLst>
               <a:ext uri="{91240B29-F687-4f45-9708-019B960494DF}">
-                <a14:hiddenLine xmlns:a14="http://schemas.microsoft.com/office/drawing/2010/main" xmlns="" w="9525">
+                <a14:hiddenLine xmlns="" xmlns:a14="http://schemas.microsoft.com/office/drawing/2010/main" w="9525">
                   <a:solidFill>
                     <a:srgbClr val="000000"/>
                   </a:solidFill>
@@ -3280,7 +3285,7 @@
             </a:ln>
             <a:extLst>
               <a:ext uri="{91240B29-F687-4f45-9708-019B960494DF}">
-                <a14:hiddenLine xmlns:a14="http://schemas.microsoft.com/office/drawing/2010/main" xmlns="" w="9525">
+                <a14:hiddenLine xmlns="" xmlns:a14="http://schemas.microsoft.com/office/drawing/2010/main" w="9525">
                   <a:solidFill>
                     <a:srgbClr val="000000"/>
                   </a:solidFill>
@@ -3370,7 +3375,7 @@
             </a:ln>
             <a:extLst>
               <a:ext uri="{91240B29-F687-4f45-9708-019B960494DF}">
-                <a14:hiddenLine xmlns:a14="http://schemas.microsoft.com/office/drawing/2010/main" xmlns="" w="9525">
+                <a14:hiddenLine xmlns="" xmlns:a14="http://schemas.microsoft.com/office/drawing/2010/main" w="9525">
                   <a:solidFill>
                     <a:srgbClr val="000000"/>
                   </a:solidFill>
@@ -3432,7 +3437,7 @@
             </a:ln>
             <a:extLst>
               <a:ext uri="{91240B29-F687-4f45-9708-019B960494DF}">
-                <a14:hiddenLine xmlns:a14="http://schemas.microsoft.com/office/drawing/2010/main" xmlns="" w="9525">
+                <a14:hiddenLine xmlns="" xmlns:a14="http://schemas.microsoft.com/office/drawing/2010/main" w="9525">
                   <a:solidFill>
                     <a:srgbClr val="000000"/>
                   </a:solidFill>
@@ -3522,7 +3527,7 @@
             </a:ln>
             <a:extLst>
               <a:ext uri="{91240B29-F687-4f45-9708-019B960494DF}">
-                <a14:hiddenLine xmlns:a14="http://schemas.microsoft.com/office/drawing/2010/main" xmlns="" w="9525">
+                <a14:hiddenLine xmlns="" xmlns:a14="http://schemas.microsoft.com/office/drawing/2010/main" w="9525">
                   <a:solidFill>
                     <a:srgbClr val="000000"/>
                   </a:solidFill>
@@ -3612,7 +3617,7 @@
             </a:ln>
             <a:extLst>
               <a:ext uri="{91240B29-F687-4f45-9708-019B960494DF}">
-                <a14:hiddenLine xmlns:a14="http://schemas.microsoft.com/office/drawing/2010/main" xmlns="" w="9525">
+                <a14:hiddenLine xmlns="" xmlns:a14="http://schemas.microsoft.com/office/drawing/2010/main" w="9525">
                   <a:solidFill>
                     <a:srgbClr val="000000"/>
                   </a:solidFill>
@@ -3677,7 +3682,7 @@
             </a:ln>
             <a:extLst>
               <a:ext uri="{91240B29-F687-4f45-9708-019B960494DF}">
-                <a14:hiddenLine xmlns:a14="http://schemas.microsoft.com/office/drawing/2010/main" xmlns="" w="9525">
+                <a14:hiddenLine xmlns="" xmlns:a14="http://schemas.microsoft.com/office/drawing/2010/main" w="9525">
                   <a:solidFill>
                     <a:srgbClr val="000000"/>
                   </a:solidFill>
@@ -3739,7 +3744,7 @@
             </a:ln>
             <a:extLst>
               <a:ext uri="{91240B29-F687-4f45-9708-019B960494DF}">
-                <a14:hiddenLine xmlns:a14="http://schemas.microsoft.com/office/drawing/2010/main" xmlns="" w="9525">
+                <a14:hiddenLine xmlns="" xmlns:a14="http://schemas.microsoft.com/office/drawing/2010/main" w="9525">
                   <a:solidFill>
                     <a:srgbClr val="000000"/>
                   </a:solidFill>
@@ -3829,7 +3834,7 @@
             </a:ln>
             <a:extLst>
               <a:ext uri="{91240B29-F687-4f45-9708-019B960494DF}">
-                <a14:hiddenLine xmlns:a14="http://schemas.microsoft.com/office/drawing/2010/main" xmlns="" w="9525">
+                <a14:hiddenLine xmlns="" xmlns:a14="http://schemas.microsoft.com/office/drawing/2010/main" w="9525">
                   <a:solidFill>
                     <a:srgbClr val="000000"/>
                   </a:solidFill>
@@ -3919,7 +3924,7 @@
             </a:ln>
             <a:extLst>
               <a:ext uri="{91240B29-F687-4f45-9708-019B960494DF}">
-                <a14:hiddenLine xmlns:a14="http://schemas.microsoft.com/office/drawing/2010/main" xmlns="" w="9525">
+                <a14:hiddenLine xmlns="" xmlns:a14="http://schemas.microsoft.com/office/drawing/2010/main" w="9525">
                   <a:solidFill>
                     <a:srgbClr val="000000"/>
                   </a:solidFill>
@@ -3981,7 +3986,7 @@
             </a:ln>
             <a:extLst>
               <a:ext uri="{91240B29-F687-4f45-9708-019B960494DF}">
-                <a14:hiddenLine xmlns:a14="http://schemas.microsoft.com/office/drawing/2010/main" xmlns="" w="9525">
+                <a14:hiddenLine xmlns="" xmlns:a14="http://schemas.microsoft.com/office/drawing/2010/main" w="9525">
                   <a:solidFill>
                     <a:srgbClr val="000000"/>
                   </a:solidFill>
@@ -4101,7 +4106,7 @@
             </a:ln>
             <a:extLst>
               <a:ext uri="{91240B29-F687-4f45-9708-019B960494DF}">
-                <a14:hiddenLine xmlns:a14="http://schemas.microsoft.com/office/drawing/2010/main" xmlns="" w="9525">
+                <a14:hiddenLine xmlns="" xmlns:a14="http://schemas.microsoft.com/office/drawing/2010/main" w="9525">
                   <a:solidFill>
                     <a:srgbClr val="000000"/>
                   </a:solidFill>
@@ -4169,7 +4174,7 @@
             </a:ln>
             <a:extLst>
               <a:ext uri="{91240B29-F687-4f45-9708-019B960494DF}">
-                <a14:hiddenLine xmlns:a14="http://schemas.microsoft.com/office/drawing/2010/main" xmlns="" w="9525">
+                <a14:hiddenLine xmlns="" xmlns:a14="http://schemas.microsoft.com/office/drawing/2010/main" w="9525">
                   <a:solidFill>
                     <a:srgbClr val="000000"/>
                   </a:solidFill>
@@ -4259,7 +4264,7 @@
             </a:ln>
             <a:extLst>
               <a:ext uri="{91240B29-F687-4f45-9708-019B960494DF}">
-                <a14:hiddenLine xmlns:a14="http://schemas.microsoft.com/office/drawing/2010/main" xmlns="" w="9525">
+                <a14:hiddenLine xmlns="" xmlns:a14="http://schemas.microsoft.com/office/drawing/2010/main" w="9525">
                   <a:solidFill>
                     <a:srgbClr val="000000"/>
                   </a:solidFill>
@@ -4399,7 +4404,7 @@
           <a:p>
             <a:fld id="{48A87A34-81AB-432B-8DAE-1953F412C126}" type="datetimeFigureOut">
               <a:rPr lang="en-US" dirty="0"/>
-              <a:t>12/6/2013</a:t>
+              <a:t>12/7/2013</a:t>
             </a:fld>
             <a:endParaRPr lang="en-US" dirty="0"/>
           </a:p>
@@ -4661,7 +4666,7 @@
           <a:p>
             <a:fld id="{48A87A34-81AB-432B-8DAE-1953F412C126}" type="datetimeFigureOut">
               <a:rPr lang="en-US" dirty="0"/>
-              <a:t>12/6/2013</a:t>
+              <a:t>12/7/2013</a:t>
             </a:fld>
             <a:endParaRPr lang="en-US" dirty="0"/>
           </a:p>
@@ -4852,7 +4857,7 @@
           <a:p>
             <a:fld id="{48A87A34-81AB-432B-8DAE-1953F412C126}" type="datetimeFigureOut">
               <a:rPr lang="en-US" dirty="0"/>
-              <a:t>12/6/2013</a:t>
+              <a:t>12/7/2013</a:t>
             </a:fld>
             <a:endParaRPr lang="en-US" dirty="0"/>
           </a:p>
@@ -5110,7 +5115,7 @@
           <a:p>
             <a:fld id="{48A87A34-81AB-432B-8DAE-1953F412C126}" type="datetimeFigureOut">
               <a:rPr lang="en-US" dirty="0"/>
-              <a:t>12/6/2013</a:t>
+              <a:t>12/7/2013</a:t>
             </a:fld>
             <a:endParaRPr lang="en-US" dirty="0"/>
           </a:p>
@@ -5539,7 +5544,7 @@
           <a:p>
             <a:fld id="{48A87A34-81AB-432B-8DAE-1953F412C126}" type="datetimeFigureOut">
               <a:rPr lang="en-US" dirty="0"/>
-              <a:t>12/6/2013</a:t>
+              <a:t>12/7/2013</a:t>
             </a:fld>
             <a:endParaRPr lang="en-US" dirty="0"/>
           </a:p>
@@ -6080,7 +6085,7 @@
           <a:p>
             <a:fld id="{48A87A34-81AB-432B-8DAE-1953F412C126}" type="datetimeFigureOut">
               <a:rPr lang="en-US" dirty="0"/>
-              <a:t>12/6/2013</a:t>
+              <a:t>12/7/2013</a:t>
             </a:fld>
             <a:endParaRPr lang="en-US" dirty="0"/>
           </a:p>
@@ -6795,7 +6800,7 @@
           <a:p>
             <a:fld id="{48A87A34-81AB-432B-8DAE-1953F412C126}" type="datetimeFigureOut">
               <a:rPr lang="en-US" dirty="0"/>
-              <a:t>12/6/2013</a:t>
+              <a:t>12/7/2013</a:t>
             </a:fld>
             <a:endParaRPr lang="en-US" dirty="0"/>
           </a:p>
@@ -6960,7 +6965,7 @@
           <a:p>
             <a:fld id="{48A87A34-81AB-432B-8DAE-1953F412C126}" type="datetimeFigureOut">
               <a:rPr lang="en-US" dirty="0"/>
-              <a:t>12/6/2013</a:t>
+              <a:t>12/7/2013</a:t>
             </a:fld>
             <a:endParaRPr lang="en-US" dirty="0"/>
           </a:p>
@@ -7135,7 +7140,7 @@
           <a:p>
             <a:fld id="{48A87A34-81AB-432B-8DAE-1953F412C126}" type="datetimeFigureOut">
               <a:rPr lang="en-US" dirty="0"/>
-              <a:t>12/6/2013</a:t>
+              <a:t>12/7/2013</a:t>
             </a:fld>
             <a:endParaRPr lang="en-US" dirty="0"/>
           </a:p>
@@ -7300,7 +7305,7 @@
           <a:p>
             <a:fld id="{48A87A34-81AB-432B-8DAE-1953F412C126}" type="datetimeFigureOut">
               <a:rPr lang="en-US" dirty="0"/>
-              <a:t>12/6/2013</a:t>
+              <a:t>12/7/2013</a:t>
             </a:fld>
             <a:endParaRPr lang="en-US" dirty="0"/>
           </a:p>
@@ -7545,7 +7550,7 @@
           <a:p>
             <a:fld id="{48A87A34-81AB-432B-8DAE-1953F412C126}" type="datetimeFigureOut">
               <a:rPr lang="en-US" dirty="0"/>
-              <a:t>12/6/2013</a:t>
+              <a:t>12/7/2013</a:t>
             </a:fld>
             <a:endParaRPr lang="en-US" dirty="0"/>
           </a:p>
@@ -7772,7 +7777,7 @@
           <a:p>
             <a:fld id="{48A87A34-81AB-432B-8DAE-1953F412C126}" type="datetimeFigureOut">
               <a:rPr lang="en-US" dirty="0"/>
-              <a:t>12/6/2013</a:t>
+              <a:t>12/7/2013</a:t>
             </a:fld>
             <a:endParaRPr lang="en-US" dirty="0"/>
           </a:p>
@@ -8148,7 +8153,7 @@
           <a:p>
             <a:fld id="{48A87A34-81AB-432B-8DAE-1953F412C126}" type="datetimeFigureOut">
               <a:rPr lang="en-US" dirty="0"/>
-              <a:t>12/6/2013</a:t>
+              <a:t>12/7/2013</a:t>
             </a:fld>
             <a:endParaRPr lang="en-US" dirty="0"/>
           </a:p>
@@ -8261,7 +8266,7 @@
           <a:p>
             <a:fld id="{48A87A34-81AB-432B-8DAE-1953F412C126}" type="datetimeFigureOut">
               <a:rPr lang="en-US" dirty="0"/>
-              <a:t>12/6/2013</a:t>
+              <a:t>12/7/2013</a:t>
             </a:fld>
             <a:endParaRPr lang="en-US" dirty="0"/>
           </a:p>
@@ -8351,7 +8356,7 @@
           <a:p>
             <a:fld id="{48A87A34-81AB-432B-8DAE-1953F412C126}" type="datetimeFigureOut">
               <a:rPr lang="en-US" dirty="0"/>
-              <a:t>12/6/2013</a:t>
+              <a:t>12/7/2013</a:t>
             </a:fld>
             <a:endParaRPr lang="en-US" dirty="0"/>
           </a:p>
@@ -8595,7 +8600,7 @@
           <a:p>
             <a:fld id="{48A87A34-81AB-432B-8DAE-1953F412C126}" type="datetimeFigureOut">
               <a:rPr lang="en-US" dirty="0"/>
-              <a:t>12/6/2013</a:t>
+              <a:t>12/7/2013</a:t>
             </a:fld>
             <a:endParaRPr lang="en-US" dirty="0"/>
           </a:p>
@@ -8870,7 +8875,7 @@
           <a:p>
             <a:fld id="{48A87A34-81AB-432B-8DAE-1953F412C126}" type="datetimeFigureOut">
               <a:rPr lang="en-US" dirty="0"/>
-              <a:t>12/6/2013</a:t>
+              <a:t>12/7/2013</a:t>
             </a:fld>
             <a:endParaRPr lang="en-US" dirty="0"/>
           </a:p>
@@ -8988,7 +8993,7 @@
           <a:noFill/>
           <a:extLst>
             <a:ext uri="{909E8E84-426E-40dd-AFC4-6F175D3DCCD1}">
-              <a14:hiddenFill xmlns:a14="http://schemas.microsoft.com/office/drawing/2010/main" xmlns="">
+              <a14:hiddenFill xmlns="" xmlns:a14="http://schemas.microsoft.com/office/drawing/2010/main">
                 <a:solidFill>
                   <a:srgbClr val="FFFFFF"/>
                 </a:solidFill>
@@ -9062,7 +9067,7 @@
               </a:ln>
               <a:extLst>
                 <a:ext uri="{91240B29-F687-4f45-9708-019B960494DF}">
-                  <a14:hiddenLine xmlns:a14="http://schemas.microsoft.com/office/drawing/2010/main" xmlns="" w="9525">
+                  <a14:hiddenLine xmlns="" xmlns:a14="http://schemas.microsoft.com/office/drawing/2010/main" w="9525">
                     <a:solidFill>
                       <a:srgbClr val="000000"/>
                     </a:solidFill>
@@ -9152,7 +9157,7 @@
               </a:ln>
               <a:extLst>
                 <a:ext uri="{91240B29-F687-4f45-9708-019B960494DF}">
-                  <a14:hiddenLine xmlns:a14="http://schemas.microsoft.com/office/drawing/2010/main" xmlns="" w="9525">
+                  <a14:hiddenLine xmlns="" xmlns:a14="http://schemas.microsoft.com/office/drawing/2010/main" w="9525">
                     <a:solidFill>
                       <a:srgbClr val="000000"/>
                     </a:solidFill>
@@ -9242,7 +9247,7 @@
               </a:ln>
               <a:extLst>
                 <a:ext uri="{91240B29-F687-4f45-9708-019B960494DF}">
-                  <a14:hiddenLine xmlns:a14="http://schemas.microsoft.com/office/drawing/2010/main" xmlns="" w="9525">
+                  <a14:hiddenLine xmlns="" xmlns:a14="http://schemas.microsoft.com/office/drawing/2010/main" w="9525">
                     <a:solidFill>
                       <a:srgbClr val="000000"/>
                     </a:solidFill>
@@ -9304,7 +9309,7 @@
               </a:ln>
               <a:extLst>
                 <a:ext uri="{91240B29-F687-4f45-9708-019B960494DF}">
-                  <a14:hiddenLine xmlns:a14="http://schemas.microsoft.com/office/drawing/2010/main" xmlns="" w="9525">
+                  <a14:hiddenLine xmlns="" xmlns:a14="http://schemas.microsoft.com/office/drawing/2010/main" w="9525">
                     <a:solidFill>
                       <a:srgbClr val="000000"/>
                     </a:solidFill>
@@ -9394,7 +9399,7 @@
               </a:ln>
               <a:extLst>
                 <a:ext uri="{91240B29-F687-4f45-9708-019B960494DF}">
-                  <a14:hiddenLine xmlns:a14="http://schemas.microsoft.com/office/drawing/2010/main" xmlns="" w="9525">
+                  <a14:hiddenLine xmlns="" xmlns:a14="http://schemas.microsoft.com/office/drawing/2010/main" w="9525">
                     <a:solidFill>
                       <a:srgbClr val="000000"/>
                     </a:solidFill>
@@ -9456,7 +9461,7 @@
               </a:ln>
               <a:extLst>
                 <a:ext uri="{91240B29-F687-4f45-9708-019B960494DF}">
-                  <a14:hiddenLine xmlns:a14="http://schemas.microsoft.com/office/drawing/2010/main" xmlns="" w="9525">
+                  <a14:hiddenLine xmlns="" xmlns:a14="http://schemas.microsoft.com/office/drawing/2010/main" w="9525">
                     <a:solidFill>
                       <a:srgbClr val="000000"/>
                     </a:solidFill>
@@ -9518,7 +9523,7 @@
               </a:ln>
               <a:extLst>
                 <a:ext uri="{91240B29-F687-4f45-9708-019B960494DF}">
-                  <a14:hiddenLine xmlns:a14="http://schemas.microsoft.com/office/drawing/2010/main" xmlns="" w="9525">
+                  <a14:hiddenLine xmlns="" xmlns:a14="http://schemas.microsoft.com/office/drawing/2010/main" w="9525">
                     <a:solidFill>
                       <a:srgbClr val="000000"/>
                     </a:solidFill>
@@ -9608,7 +9613,7 @@
               </a:ln>
               <a:extLst>
                 <a:ext uri="{91240B29-F687-4f45-9708-019B960494DF}">
-                  <a14:hiddenLine xmlns:a14="http://schemas.microsoft.com/office/drawing/2010/main" xmlns="" w="9525">
+                  <a14:hiddenLine xmlns="" xmlns:a14="http://schemas.microsoft.com/office/drawing/2010/main" w="9525">
                     <a:solidFill>
                       <a:srgbClr val="000000"/>
                     </a:solidFill>
@@ -9698,7 +9703,7 @@
               </a:ln>
               <a:extLst>
                 <a:ext uri="{91240B29-F687-4f45-9708-019B960494DF}">
-                  <a14:hiddenLine xmlns:a14="http://schemas.microsoft.com/office/drawing/2010/main" xmlns="" w="9525">
+                  <a14:hiddenLine xmlns="" xmlns:a14="http://schemas.microsoft.com/office/drawing/2010/main" w="9525">
                     <a:solidFill>
                       <a:srgbClr val="000000"/>
                     </a:solidFill>
@@ -9760,7 +9765,7 @@
               </a:ln>
               <a:extLst>
                 <a:ext uri="{91240B29-F687-4f45-9708-019B960494DF}">
-                  <a14:hiddenLine xmlns:a14="http://schemas.microsoft.com/office/drawing/2010/main" xmlns="" w="9525">
+                  <a14:hiddenLine xmlns="" xmlns:a14="http://schemas.microsoft.com/office/drawing/2010/main" w="9525">
                     <a:solidFill>
                       <a:srgbClr val="000000"/>
                     </a:solidFill>
@@ -9870,7 +9875,7 @@
               </a:ln>
               <a:extLst>
                 <a:ext uri="{91240B29-F687-4f45-9708-019B960494DF}">
-                  <a14:hiddenLine xmlns:a14="http://schemas.microsoft.com/office/drawing/2010/main" xmlns="" w="9525">
+                  <a14:hiddenLine xmlns="" xmlns:a14="http://schemas.microsoft.com/office/drawing/2010/main" w="9525">
                     <a:solidFill>
                       <a:srgbClr val="000000"/>
                     </a:solidFill>
@@ -9954,7 +9959,7 @@
               </a:ln>
               <a:extLst>
                 <a:ext uri="{91240B29-F687-4f45-9708-019B960494DF}">
-                  <a14:hiddenLine xmlns:a14="http://schemas.microsoft.com/office/drawing/2010/main" xmlns="" w="9525">
+                  <a14:hiddenLine xmlns="" xmlns:a14="http://schemas.microsoft.com/office/drawing/2010/main" w="9525">
                     <a:solidFill>
                       <a:srgbClr val="000000"/>
                     </a:solidFill>
@@ -10016,7 +10021,7 @@
               </a:ln>
               <a:extLst>
                 <a:ext uri="{91240B29-F687-4f45-9708-019B960494DF}">
-                  <a14:hiddenLine xmlns:a14="http://schemas.microsoft.com/office/drawing/2010/main" xmlns="" w="9525">
+                  <a14:hiddenLine xmlns="" xmlns:a14="http://schemas.microsoft.com/office/drawing/2010/main" w="9525">
                     <a:solidFill>
                       <a:srgbClr val="000000"/>
                     </a:solidFill>
@@ -10078,7 +10083,7 @@
               </a:ln>
               <a:extLst>
                 <a:ext uri="{91240B29-F687-4f45-9708-019B960494DF}">
-                  <a14:hiddenLine xmlns:a14="http://schemas.microsoft.com/office/drawing/2010/main" xmlns="" w="9525">
+                  <a14:hiddenLine xmlns="" xmlns:a14="http://schemas.microsoft.com/office/drawing/2010/main" w="9525">
                     <a:solidFill>
                       <a:srgbClr val="000000"/>
                     </a:solidFill>
@@ -10168,7 +10173,7 @@
               </a:ln>
               <a:extLst>
                 <a:ext uri="{91240B29-F687-4f45-9708-019B960494DF}">
-                  <a14:hiddenLine xmlns:a14="http://schemas.microsoft.com/office/drawing/2010/main" xmlns="" w="9525">
+                  <a14:hiddenLine xmlns="" xmlns:a14="http://schemas.microsoft.com/office/drawing/2010/main" w="9525">
                     <a:solidFill>
                       <a:srgbClr val="000000"/>
                     </a:solidFill>
@@ -10202,7 +10207,7 @@
               </a:ln>
               <a:extLst>
                 <a:ext uri="{91240B29-F687-4f45-9708-019B960494DF}">
-                  <a14:hiddenLine xmlns:a14="http://schemas.microsoft.com/office/drawing/2010/main" xmlns="" w="9525">
+                  <a14:hiddenLine xmlns="" xmlns:a14="http://schemas.microsoft.com/office/drawing/2010/main" w="9525">
                     <a:solidFill>
                       <a:srgbClr val="000000"/>
                     </a:solidFill>
@@ -10267,7 +10272,7 @@
               </a:ln>
               <a:extLst>
                 <a:ext uri="{91240B29-F687-4f45-9708-019B960494DF}">
-                  <a14:hiddenLine xmlns:a14="http://schemas.microsoft.com/office/drawing/2010/main" xmlns="" w="9525">
+                  <a14:hiddenLine xmlns="" xmlns:a14="http://schemas.microsoft.com/office/drawing/2010/main" w="9525">
                     <a:solidFill>
                       <a:srgbClr val="000000"/>
                     </a:solidFill>
@@ -10357,7 +10362,7 @@
               </a:ln>
               <a:extLst>
                 <a:ext uri="{91240B29-F687-4f45-9708-019B960494DF}">
-                  <a14:hiddenLine xmlns:a14="http://schemas.microsoft.com/office/drawing/2010/main" xmlns="" w="9525">
+                  <a14:hiddenLine xmlns="" xmlns:a14="http://schemas.microsoft.com/office/drawing/2010/main" w="9525">
                     <a:solidFill>
                       <a:srgbClr val="000000"/>
                     </a:solidFill>
@@ -10419,7 +10424,7 @@
               </a:ln>
               <a:extLst>
                 <a:ext uri="{91240B29-F687-4f45-9708-019B960494DF}">
-                  <a14:hiddenLine xmlns:a14="http://schemas.microsoft.com/office/drawing/2010/main" xmlns="" w="9525">
+                  <a14:hiddenLine xmlns="" xmlns:a14="http://schemas.microsoft.com/office/drawing/2010/main" w="9525">
                     <a:solidFill>
                       <a:srgbClr val="000000"/>
                     </a:solidFill>
@@ -10509,7 +10514,7 @@
               </a:ln>
               <a:extLst>
                 <a:ext uri="{91240B29-F687-4f45-9708-019B960494DF}">
-                  <a14:hiddenLine xmlns:a14="http://schemas.microsoft.com/office/drawing/2010/main" xmlns="" w="9525">
+                  <a14:hiddenLine xmlns="" xmlns:a14="http://schemas.microsoft.com/office/drawing/2010/main" w="9525">
                     <a:solidFill>
                       <a:srgbClr val="000000"/>
                     </a:solidFill>
@@ -10574,7 +10579,7 @@
               </a:ln>
               <a:extLst>
                 <a:ext uri="{91240B29-F687-4f45-9708-019B960494DF}">
-                  <a14:hiddenLine xmlns:a14="http://schemas.microsoft.com/office/drawing/2010/main" xmlns="" w="9525">
+                  <a14:hiddenLine xmlns="" xmlns:a14="http://schemas.microsoft.com/office/drawing/2010/main" w="9525">
                     <a:solidFill>
                       <a:srgbClr val="000000"/>
                     </a:solidFill>
@@ -10636,7 +10641,7 @@
               </a:ln>
               <a:extLst>
                 <a:ext uri="{91240B29-F687-4f45-9708-019B960494DF}">
-                  <a14:hiddenLine xmlns:a14="http://schemas.microsoft.com/office/drawing/2010/main" xmlns="" w="9525">
+                  <a14:hiddenLine xmlns="" xmlns:a14="http://schemas.microsoft.com/office/drawing/2010/main" w="9525">
                     <a:solidFill>
                       <a:srgbClr val="000000"/>
                     </a:solidFill>
@@ -10726,7 +10731,7 @@
               </a:ln>
               <a:extLst>
                 <a:ext uri="{91240B29-F687-4f45-9708-019B960494DF}">
-                  <a14:hiddenLine xmlns:a14="http://schemas.microsoft.com/office/drawing/2010/main" xmlns="" w="9525">
+                  <a14:hiddenLine xmlns="" xmlns:a14="http://schemas.microsoft.com/office/drawing/2010/main" w="9525">
                     <a:solidFill>
                       <a:srgbClr val="000000"/>
                     </a:solidFill>
@@ -10816,7 +10821,7 @@
               </a:ln>
               <a:extLst>
                 <a:ext uri="{91240B29-F687-4f45-9708-019B960494DF}">
-                  <a14:hiddenLine xmlns:a14="http://schemas.microsoft.com/office/drawing/2010/main" xmlns="" w="9525">
+                  <a14:hiddenLine xmlns="" xmlns:a14="http://schemas.microsoft.com/office/drawing/2010/main" w="9525">
                     <a:solidFill>
                       <a:srgbClr val="000000"/>
                     </a:solidFill>
@@ -10881,7 +10886,7 @@
               </a:ln>
               <a:extLst>
                 <a:ext uri="{91240B29-F687-4f45-9708-019B960494DF}">
-                  <a14:hiddenLine xmlns:a14="http://schemas.microsoft.com/office/drawing/2010/main" xmlns="" w="9525">
+                  <a14:hiddenLine xmlns="" xmlns:a14="http://schemas.microsoft.com/office/drawing/2010/main" w="9525">
                     <a:solidFill>
                       <a:srgbClr val="000000"/>
                     </a:solidFill>
@@ -11001,7 +11006,7 @@
               </a:ln>
               <a:extLst>
                 <a:ext uri="{91240B29-F687-4f45-9708-019B960494DF}">
-                  <a14:hiddenLine xmlns:a14="http://schemas.microsoft.com/office/drawing/2010/main" xmlns="" w="9525">
+                  <a14:hiddenLine xmlns="" xmlns:a14="http://schemas.microsoft.com/office/drawing/2010/main" w="9525">
                     <a:solidFill>
                       <a:srgbClr val="000000"/>
                     </a:solidFill>
@@ -11082,7 +11087,7 @@
               </a:ln>
               <a:extLst>
                 <a:ext uri="{91240B29-F687-4f45-9708-019B960494DF}">
-                  <a14:hiddenLine xmlns:a14="http://schemas.microsoft.com/office/drawing/2010/main" xmlns="" w="9525">
+                  <a14:hiddenLine xmlns="" xmlns:a14="http://schemas.microsoft.com/office/drawing/2010/main" w="9525">
                     <a:solidFill>
                       <a:srgbClr val="000000"/>
                     </a:solidFill>
@@ -11197,7 +11202,7 @@
               </a:ln>
               <a:extLst>
                 <a:ext uri="{91240B29-F687-4f45-9708-019B960494DF}">
-                  <a14:hiddenLine xmlns:a14="http://schemas.microsoft.com/office/drawing/2010/main" xmlns="" w="9525">
+                  <a14:hiddenLine xmlns="" xmlns:a14="http://schemas.microsoft.com/office/drawing/2010/main" w="9525">
                     <a:solidFill>
                       <a:srgbClr val="000000"/>
                     </a:solidFill>
@@ -11287,7 +11292,7 @@
               </a:ln>
               <a:extLst>
                 <a:ext uri="{91240B29-F687-4f45-9708-019B960494DF}">
-                  <a14:hiddenLine xmlns:a14="http://schemas.microsoft.com/office/drawing/2010/main" xmlns="" w="9525">
+                  <a14:hiddenLine xmlns="" xmlns:a14="http://schemas.microsoft.com/office/drawing/2010/main" w="9525">
                     <a:solidFill>
                       <a:srgbClr val="000000"/>
                     </a:solidFill>
@@ -11352,7 +11357,7 @@
               </a:ln>
               <a:extLst>
                 <a:ext uri="{91240B29-F687-4f45-9708-019B960494DF}">
-                  <a14:hiddenLine xmlns:a14="http://schemas.microsoft.com/office/drawing/2010/main" xmlns="" w="9525">
+                  <a14:hiddenLine xmlns="" xmlns:a14="http://schemas.microsoft.com/office/drawing/2010/main" w="9525">
                     <a:solidFill>
                       <a:srgbClr val="000000"/>
                     </a:solidFill>
@@ -11442,7 +11447,7 @@
               </a:ln>
               <a:extLst>
                 <a:ext uri="{91240B29-F687-4f45-9708-019B960494DF}">
-                  <a14:hiddenLine xmlns:a14="http://schemas.microsoft.com/office/drawing/2010/main" xmlns="" w="9525">
+                  <a14:hiddenLine xmlns="" xmlns:a14="http://schemas.microsoft.com/office/drawing/2010/main" w="9525">
                     <a:solidFill>
                       <a:srgbClr val="000000"/>
                     </a:solidFill>
@@ -11510,7 +11515,7 @@
               </a:ln>
               <a:extLst>
                 <a:ext uri="{91240B29-F687-4f45-9708-019B960494DF}">
-                  <a14:hiddenLine xmlns:a14="http://schemas.microsoft.com/office/drawing/2010/main" xmlns="" w="9525">
+                  <a14:hiddenLine xmlns="" xmlns:a14="http://schemas.microsoft.com/office/drawing/2010/main" w="9525">
                     <a:solidFill>
                       <a:srgbClr val="000000"/>
                     </a:solidFill>
@@ -11600,7 +11605,7 @@
               </a:ln>
               <a:extLst>
                 <a:ext uri="{91240B29-F687-4f45-9708-019B960494DF}">
-                  <a14:hiddenLine xmlns:a14="http://schemas.microsoft.com/office/drawing/2010/main" xmlns="" w="9525">
+                  <a14:hiddenLine xmlns="" xmlns:a14="http://schemas.microsoft.com/office/drawing/2010/main" w="9525">
                     <a:solidFill>
                       <a:srgbClr val="000000"/>
                     </a:solidFill>
@@ -11668,7 +11673,7 @@
               </a:ln>
               <a:extLst>
                 <a:ext uri="{91240B29-F687-4f45-9708-019B960494DF}">
-                  <a14:hiddenLine xmlns:a14="http://schemas.microsoft.com/office/drawing/2010/main" xmlns="" w="9525">
+                  <a14:hiddenLine xmlns="" xmlns:a14="http://schemas.microsoft.com/office/drawing/2010/main" w="9525">
                     <a:solidFill>
                       <a:srgbClr val="000000"/>
                     </a:solidFill>
@@ -11758,7 +11763,7 @@
               </a:ln>
               <a:extLst>
                 <a:ext uri="{91240B29-F687-4f45-9708-019B960494DF}">
-                  <a14:hiddenLine xmlns:a14="http://schemas.microsoft.com/office/drawing/2010/main" xmlns="" w="9525">
+                  <a14:hiddenLine xmlns="" xmlns:a14="http://schemas.microsoft.com/office/drawing/2010/main" w="9525">
                     <a:solidFill>
                       <a:srgbClr val="000000"/>
                     </a:solidFill>
@@ -11792,7 +11797,7 @@
               </a:ln>
               <a:extLst>
                 <a:ext uri="{91240B29-F687-4f45-9708-019B960494DF}">
-                  <a14:hiddenLine xmlns:a14="http://schemas.microsoft.com/office/drawing/2010/main" xmlns="" w="9525">
+                  <a14:hiddenLine xmlns="" xmlns:a14="http://schemas.microsoft.com/office/drawing/2010/main" w="9525">
                     <a:solidFill>
                       <a:srgbClr val="000000"/>
                     </a:solidFill>
@@ -11933,7 +11938,7 @@
             <a:fld id="{48A87A34-81AB-432B-8DAE-1953F412C126}" type="datetimeFigureOut">
               <a:rPr lang="en-US" dirty="0"/>
               <a:pPr/>
-              <a:t>12/6/2013</a:t>
+              <a:t>12/7/2013</a:t>
             </a:fld>
             <a:endParaRPr lang="en-US" dirty="0"/>
           </a:p>
@@ -12502,7 +12507,31 @@
           <a:bodyPr/>
           <a:lstStyle/>
           <a:p>
-            <a:endParaRPr lang="en-US"/>
+            <a:r>
+              <a:rPr lang="en-US" dirty="0" smtClean="0"/>
+              <a:t>Add parameter box in robot theater for people to be able to control Nixon Bohr</a:t>
+            </a:r>
+          </a:p>
+          <a:p>
+            <a:r>
+              <a:rPr lang="en-US" dirty="0" smtClean="0"/>
+              <a:t>Add vision</a:t>
+            </a:r>
+          </a:p>
+          <a:p>
+            <a:r>
+              <a:rPr lang="en-US" dirty="0" smtClean="0"/>
+              <a:t>Move arm to shoulder and add another</a:t>
+            </a:r>
+          </a:p>
+          <a:p>
+            <a:r>
+              <a:rPr lang="en-US" dirty="0" smtClean="0"/>
+              <a:t>Add emotion with IGA</a:t>
+            </a:r>
+          </a:p>
+          <a:p>
+            <a:endParaRPr lang="en-US" dirty="0"/>
           </a:p>
         </p:txBody>
       </p:sp>
@@ -12670,8 +12699,13 @@
             </a:r>
             <a:r>
               <a:rPr lang="en-US" dirty="0"/>
-              <a:t>of a masters thesis project. </a:t>
+              <a:t>of a masters thesis </a:t>
             </a:r>
+            <a:r>
+              <a:rPr lang="en-US" dirty="0" smtClean="0"/>
+              <a:t>project involving a Kinect and LEGO NXT brick. </a:t>
+            </a:r>
+            <a:endParaRPr lang="en-US" dirty="0"/>
           </a:p>
           <a:p>
             <a:pPr marL="0" indent="0">
@@ -13638,7 +13672,12 @@
             <p:ph idx="1"/>
           </p:nvPr>
         </p:nvSpPr>
-        <p:spPr/>
+        <p:spPr>
+          <a:xfrm>
+            <a:off x="1141413" y="2249487"/>
+            <a:ext cx="4847264" cy="3541714"/>
+          </a:xfrm>
+        </p:spPr>
         <p:txBody>
           <a:bodyPr/>
           <a:lstStyle/>
@@ -13646,6 +13685,10 @@
             <a:pPr marL="0" indent="0">
               <a:buNone/>
             </a:pPr>
+            <a:r>
+              <a:rPr lang="en-US" dirty="0" smtClean="0"/>
+              <a:t>The initial condition was not great. It was a head and shoulders mounted on a motorized platform. All of our motor controllers were missing along with the LEGO NXT brick and the face skin was beyond repair.</a:t>
+            </a:r>
             <a:endParaRPr lang="en-US" dirty="0"/>
           </a:p>
         </p:txBody>
@@ -13841,7 +13884,23 @@
           <a:bodyPr/>
           <a:lstStyle/>
           <a:p>
-            <a:endParaRPr lang="en-US"/>
+            <a:r>
+              <a:rPr lang="en-US" dirty="0" smtClean="0"/>
+              <a:t>Complete mobility control of robot</a:t>
+            </a:r>
+          </a:p>
+          <a:p>
+            <a:r>
+              <a:rPr lang="en-US" dirty="0" smtClean="0"/>
+              <a:t>Complete control of arm with 6 degrees of freedom</a:t>
+            </a:r>
+          </a:p>
+          <a:p>
+            <a:r>
+              <a:rPr lang="en-US" dirty="0" smtClean="0"/>
+              <a:t>Ability to switch between arm mode and drive mode</a:t>
+            </a:r>
+            <a:endParaRPr lang="en-US" dirty="0"/>
           </a:p>
         </p:txBody>
       </p:sp>
@@ -13920,7 +13979,49 @@
           <a:bodyPr/>
           <a:lstStyle/>
           <a:p>
-            <a:endParaRPr lang="en-US"/>
+            <a:r>
+              <a:rPr lang="en-US" dirty="0" smtClean="0"/>
+              <a:t>Original plan involved Kinect and laptop mounted on robot</a:t>
+            </a:r>
+          </a:p>
+          <a:p>
+            <a:pPr lvl="1"/>
+            <a:r>
+              <a:rPr lang="en-US" dirty="0" smtClean="0"/>
+              <a:t>Kinect requires 120VAC</a:t>
+            </a:r>
+          </a:p>
+          <a:p>
+            <a:pPr lvl="1"/>
+            <a:r>
+              <a:rPr lang="en-US" dirty="0" smtClean="0"/>
+              <a:t>Extension cords??? No thanks…</a:t>
+            </a:r>
+            <a:endParaRPr lang="en-US" dirty="0" smtClean="0"/>
+          </a:p>
+          <a:p>
+            <a:r>
+              <a:rPr lang="en-US" dirty="0" smtClean="0"/>
+              <a:t>Too much weight for 12VDC motors</a:t>
+            </a:r>
+          </a:p>
+          <a:p>
+            <a:r>
+              <a:rPr lang="en-US" dirty="0" smtClean="0"/>
+              <a:t>Continuous rotation servos</a:t>
+            </a:r>
+          </a:p>
+          <a:p>
+            <a:r>
+              <a:rPr lang="en-US" dirty="0" smtClean="0"/>
+              <a:t>Bad left/right shoulder servo</a:t>
+            </a:r>
+          </a:p>
+          <a:p>
+            <a:endParaRPr lang="en-US" dirty="0" smtClean="0"/>
+          </a:p>
+          <a:p>
+            <a:endParaRPr lang="en-US" dirty="0"/>
           </a:p>
         </p:txBody>
       </p:sp>

--- a/Nixon Bohr.pptx
+++ b/Nixon Bohr.pptx
@@ -12,10 +12,16 @@
     <p:sldId id="259" r:id="rId6"/>
     <p:sldId id="260" r:id="rId7"/>
     <p:sldId id="262" r:id="rId8"/>
-    <p:sldId id="263" r:id="rId9"/>
-    <p:sldId id="264" r:id="rId10"/>
-    <p:sldId id="265" r:id="rId11"/>
-    <p:sldId id="266" r:id="rId12"/>
+    <p:sldId id="267" r:id="rId9"/>
+    <p:sldId id="268" r:id="rId10"/>
+    <p:sldId id="269" r:id="rId11"/>
+    <p:sldId id="270" r:id="rId12"/>
+    <p:sldId id="271" r:id="rId13"/>
+    <p:sldId id="272" r:id="rId14"/>
+    <p:sldId id="263" r:id="rId15"/>
+    <p:sldId id="264" r:id="rId16"/>
+    <p:sldId id="265" r:id="rId17"/>
+    <p:sldId id="266" r:id="rId18"/>
   </p:sldIdLst>
   <p:sldSz cx="12192000" cy="6858000"/>
   <p:notesSz cx="6858000" cy="9144000"/>
@@ -179,7 +185,7 @@
           <a:noFill/>
           <a:extLst>
             <a:ext uri="{909E8E84-426E-40dd-AFC4-6F175D3DCCD1}">
-              <a14:hiddenFill xmlns="" xmlns:a14="http://schemas.microsoft.com/office/drawing/2010/main">
+              <a14:hiddenFill xmlns:a14="http://schemas.microsoft.com/office/drawing/2010/main" xmlns="">
                 <a:solidFill>
                   <a:srgbClr val="FFFFFF"/>
                 </a:solidFill>
@@ -238,7 +244,7 @@
             </a:ln>
             <a:extLst>
               <a:ext uri="{91240B29-F687-4f45-9708-019B960494DF}">
-                <a14:hiddenLine xmlns="" xmlns:a14="http://schemas.microsoft.com/office/drawing/2010/main" w="9525">
+                <a14:hiddenLine xmlns:a14="http://schemas.microsoft.com/office/drawing/2010/main" xmlns="" w="9525">
                   <a:solidFill>
                     <a:srgbClr val="000000"/>
                   </a:solidFill>
@@ -328,7 +334,7 @@
             </a:ln>
             <a:extLst>
               <a:ext uri="{91240B29-F687-4f45-9708-019B960494DF}">
-                <a14:hiddenLine xmlns="" xmlns:a14="http://schemas.microsoft.com/office/drawing/2010/main" w="9525">
+                <a14:hiddenLine xmlns:a14="http://schemas.microsoft.com/office/drawing/2010/main" xmlns="" w="9525">
                   <a:solidFill>
                     <a:srgbClr val="000000"/>
                   </a:solidFill>
@@ -418,7 +424,7 @@
             </a:ln>
             <a:extLst>
               <a:ext uri="{91240B29-F687-4f45-9708-019B960494DF}">
-                <a14:hiddenLine xmlns="" xmlns:a14="http://schemas.microsoft.com/office/drawing/2010/main" w="9525">
+                <a14:hiddenLine xmlns:a14="http://schemas.microsoft.com/office/drawing/2010/main" xmlns="" w="9525">
                   <a:solidFill>
                     <a:srgbClr val="000000"/>
                   </a:solidFill>
@@ -452,7 +458,7 @@
             </a:ln>
             <a:extLst>
               <a:ext uri="{91240B29-F687-4f45-9708-019B960494DF}">
-                <a14:hiddenLine xmlns="" xmlns:a14="http://schemas.microsoft.com/office/drawing/2010/main" w="9525">
+                <a14:hiddenLine xmlns:a14="http://schemas.microsoft.com/office/drawing/2010/main" xmlns="" w="9525">
                   <a:solidFill>
                     <a:srgbClr val="000000"/>
                   </a:solidFill>
@@ -542,7 +548,7 @@
             </a:ln>
             <a:extLst>
               <a:ext uri="{91240B29-F687-4f45-9708-019B960494DF}">
-                <a14:hiddenLine xmlns="" xmlns:a14="http://schemas.microsoft.com/office/drawing/2010/main" w="9525">
+                <a14:hiddenLine xmlns:a14="http://schemas.microsoft.com/office/drawing/2010/main" xmlns="" w="9525">
                   <a:solidFill>
                     <a:srgbClr val="000000"/>
                   </a:solidFill>
@@ -604,7 +610,7 @@
             </a:ln>
             <a:extLst>
               <a:ext uri="{91240B29-F687-4f45-9708-019B960494DF}">
-                <a14:hiddenLine xmlns="" xmlns:a14="http://schemas.microsoft.com/office/drawing/2010/main" w="9525">
+                <a14:hiddenLine xmlns:a14="http://schemas.microsoft.com/office/drawing/2010/main" xmlns="" w="9525">
                   <a:solidFill>
                     <a:srgbClr val="000000"/>
                   </a:solidFill>
@@ -666,7 +672,7 @@
             </a:ln>
             <a:extLst>
               <a:ext uri="{91240B29-F687-4f45-9708-019B960494DF}">
-                <a14:hiddenLine xmlns="" xmlns:a14="http://schemas.microsoft.com/office/drawing/2010/main" w="9525">
+                <a14:hiddenLine xmlns:a14="http://schemas.microsoft.com/office/drawing/2010/main" xmlns="" w="9525">
                   <a:solidFill>
                     <a:srgbClr val="000000"/>
                   </a:solidFill>
@@ -756,7 +762,7 @@
             </a:ln>
             <a:extLst>
               <a:ext uri="{91240B29-F687-4f45-9708-019B960494DF}">
-                <a14:hiddenLine xmlns="" xmlns:a14="http://schemas.microsoft.com/office/drawing/2010/main" w="9525">
+                <a14:hiddenLine xmlns:a14="http://schemas.microsoft.com/office/drawing/2010/main" xmlns="" w="9525">
                   <a:solidFill>
                     <a:srgbClr val="000000"/>
                   </a:solidFill>
@@ -818,7 +824,7 @@
             </a:ln>
             <a:extLst>
               <a:ext uri="{91240B29-F687-4f45-9708-019B960494DF}">
-                <a14:hiddenLine xmlns="" xmlns:a14="http://schemas.microsoft.com/office/drawing/2010/main" w="9525">
+                <a14:hiddenLine xmlns:a14="http://schemas.microsoft.com/office/drawing/2010/main" xmlns="" w="9525">
                   <a:solidFill>
                     <a:srgbClr val="000000"/>
                   </a:solidFill>
@@ -880,7 +886,7 @@
             </a:ln>
             <a:extLst>
               <a:ext uri="{91240B29-F687-4f45-9708-019B960494DF}">
-                <a14:hiddenLine xmlns="" xmlns:a14="http://schemas.microsoft.com/office/drawing/2010/main" w="9525">
+                <a14:hiddenLine xmlns:a14="http://schemas.microsoft.com/office/drawing/2010/main" xmlns="" w="9525">
                   <a:solidFill>
                     <a:srgbClr val="000000"/>
                   </a:solidFill>
@@ -970,7 +976,7 @@
             </a:ln>
             <a:extLst>
               <a:ext uri="{91240B29-F687-4f45-9708-019B960494DF}">
-                <a14:hiddenLine xmlns="" xmlns:a14="http://schemas.microsoft.com/office/drawing/2010/main" w="9525">
+                <a14:hiddenLine xmlns:a14="http://schemas.microsoft.com/office/drawing/2010/main" xmlns="" w="9525">
                   <a:solidFill>
                     <a:srgbClr val="000000"/>
                   </a:solidFill>
@@ -1060,7 +1066,7 @@
             </a:ln>
             <a:extLst>
               <a:ext uri="{91240B29-F687-4f45-9708-019B960494DF}">
-                <a14:hiddenLine xmlns="" xmlns:a14="http://schemas.microsoft.com/office/drawing/2010/main" w="9525">
+                <a14:hiddenLine xmlns:a14="http://schemas.microsoft.com/office/drawing/2010/main" xmlns="" w="9525">
                   <a:solidFill>
                     <a:srgbClr val="000000"/>
                   </a:solidFill>
@@ -1122,7 +1128,7 @@
             </a:ln>
             <a:extLst>
               <a:ext uri="{91240B29-F687-4f45-9708-019B960494DF}">
-                <a14:hiddenLine xmlns="" xmlns:a14="http://schemas.microsoft.com/office/drawing/2010/main" w="9525">
+                <a14:hiddenLine xmlns:a14="http://schemas.microsoft.com/office/drawing/2010/main" xmlns="" w="9525">
                   <a:solidFill>
                     <a:srgbClr val="000000"/>
                   </a:solidFill>
@@ -1232,7 +1238,7 @@
             </a:ln>
             <a:extLst>
               <a:ext uri="{91240B29-F687-4f45-9708-019B960494DF}">
-                <a14:hiddenLine xmlns="" xmlns:a14="http://schemas.microsoft.com/office/drawing/2010/main" w="9525">
+                <a14:hiddenLine xmlns:a14="http://schemas.microsoft.com/office/drawing/2010/main" xmlns="" w="9525">
                   <a:solidFill>
                     <a:srgbClr val="000000"/>
                   </a:solidFill>
@@ -1294,7 +1300,7 @@
             </a:ln>
             <a:extLst>
               <a:ext uri="{91240B29-F687-4f45-9708-019B960494DF}">
-                <a14:hiddenLine xmlns="" xmlns:a14="http://schemas.microsoft.com/office/drawing/2010/main" w="9525">
+                <a14:hiddenLine xmlns:a14="http://schemas.microsoft.com/office/drawing/2010/main" xmlns="" w="9525">
                   <a:solidFill>
                     <a:srgbClr val="000000"/>
                   </a:solidFill>
@@ -1384,7 +1390,7 @@
             </a:ln>
             <a:extLst>
               <a:ext uri="{91240B29-F687-4f45-9708-019B960494DF}">
-                <a14:hiddenLine xmlns="" xmlns:a14="http://schemas.microsoft.com/office/drawing/2010/main" w="9525">
+                <a14:hiddenLine xmlns:a14="http://schemas.microsoft.com/office/drawing/2010/main" xmlns="" w="9525">
                   <a:solidFill>
                     <a:srgbClr val="000000"/>
                   </a:solidFill>
@@ -1474,7 +1480,7 @@
             </a:ln>
             <a:extLst>
               <a:ext uri="{91240B29-F687-4f45-9708-019B960494DF}">
-                <a14:hiddenLine xmlns="" xmlns:a14="http://schemas.microsoft.com/office/drawing/2010/main" w="9525">
+                <a14:hiddenLine xmlns:a14="http://schemas.microsoft.com/office/drawing/2010/main" xmlns="" w="9525">
                   <a:solidFill>
                     <a:srgbClr val="000000"/>
                   </a:solidFill>
@@ -1536,7 +1542,7 @@
             </a:ln>
             <a:extLst>
               <a:ext uri="{91240B29-F687-4f45-9708-019B960494DF}">
-                <a14:hiddenLine xmlns="" xmlns:a14="http://schemas.microsoft.com/office/drawing/2010/main" w="9525">
+                <a14:hiddenLine xmlns:a14="http://schemas.microsoft.com/office/drawing/2010/main" xmlns="" w="9525">
                   <a:solidFill>
                     <a:srgbClr val="000000"/>
                   </a:solidFill>
@@ -1626,7 +1632,7 @@
             </a:ln>
             <a:extLst>
               <a:ext uri="{91240B29-F687-4f45-9708-019B960494DF}">
-                <a14:hiddenLine xmlns="" xmlns:a14="http://schemas.microsoft.com/office/drawing/2010/main" w="9525">
+                <a14:hiddenLine xmlns:a14="http://schemas.microsoft.com/office/drawing/2010/main" xmlns="" w="9525">
                   <a:solidFill>
                     <a:srgbClr val="000000"/>
                   </a:solidFill>
@@ -1716,7 +1722,7 @@
             </a:ln>
             <a:extLst>
               <a:ext uri="{91240B29-F687-4f45-9708-019B960494DF}">
-                <a14:hiddenLine xmlns="" xmlns:a14="http://schemas.microsoft.com/office/drawing/2010/main" w="9525">
+                <a14:hiddenLine xmlns:a14="http://schemas.microsoft.com/office/drawing/2010/main" xmlns="" w="9525">
                   <a:solidFill>
                     <a:srgbClr val="000000"/>
                   </a:solidFill>
@@ -1772,7 +1778,7 @@
             </a:ln>
             <a:extLst>
               <a:ext uri="{91240B29-F687-4f45-9708-019B960494DF}">
-                <a14:hiddenLine xmlns="" xmlns:a14="http://schemas.microsoft.com/office/drawing/2010/main" w="9525">
+                <a14:hiddenLine xmlns:a14="http://schemas.microsoft.com/office/drawing/2010/main" xmlns="" w="9525">
                   <a:solidFill>
                     <a:srgbClr val="000000"/>
                   </a:solidFill>
@@ -1862,7 +1868,7 @@
             </a:ln>
             <a:extLst>
               <a:ext uri="{91240B29-F687-4f45-9708-019B960494DF}">
-                <a14:hiddenLine xmlns="" xmlns:a14="http://schemas.microsoft.com/office/drawing/2010/main" w="9525">
+                <a14:hiddenLine xmlns:a14="http://schemas.microsoft.com/office/drawing/2010/main" xmlns="" w="9525">
                   <a:solidFill>
                     <a:srgbClr val="000000"/>
                   </a:solidFill>
@@ -1918,7 +1924,7 @@
             </a:ln>
             <a:extLst>
               <a:ext uri="{91240B29-F687-4f45-9708-019B960494DF}">
-                <a14:hiddenLine xmlns="" xmlns:a14="http://schemas.microsoft.com/office/drawing/2010/main" w="9525">
+                <a14:hiddenLine xmlns:a14="http://schemas.microsoft.com/office/drawing/2010/main" xmlns="" w="9525">
                   <a:solidFill>
                     <a:srgbClr val="000000"/>
                   </a:solidFill>
@@ -2008,7 +2014,7 @@
             </a:ln>
             <a:extLst>
               <a:ext uri="{91240B29-F687-4f45-9708-019B960494DF}">
-                <a14:hiddenLine xmlns="" xmlns:a14="http://schemas.microsoft.com/office/drawing/2010/main" w="9525">
+                <a14:hiddenLine xmlns:a14="http://schemas.microsoft.com/office/drawing/2010/main" xmlns="" w="9525">
                   <a:solidFill>
                     <a:srgbClr val="000000"/>
                   </a:solidFill>
@@ -2076,7 +2082,7 @@
             </a:ln>
             <a:extLst>
               <a:ext uri="{91240B29-F687-4f45-9708-019B960494DF}">
-                <a14:hiddenLine xmlns="" xmlns:a14="http://schemas.microsoft.com/office/drawing/2010/main" w="9525">
+                <a14:hiddenLine xmlns:a14="http://schemas.microsoft.com/office/drawing/2010/main" xmlns="" w="9525">
                   <a:solidFill>
                     <a:srgbClr val="000000"/>
                   </a:solidFill>
@@ -2166,7 +2172,7 @@
             </a:ln>
             <a:extLst>
               <a:ext uri="{91240B29-F687-4f45-9708-019B960494DF}">
-                <a14:hiddenLine xmlns="" xmlns:a14="http://schemas.microsoft.com/office/drawing/2010/main" w="9525">
+                <a14:hiddenLine xmlns:a14="http://schemas.microsoft.com/office/drawing/2010/main" xmlns="" w="9525">
                   <a:solidFill>
                     <a:srgbClr val="000000"/>
                   </a:solidFill>
@@ -2234,7 +2240,7 @@
             </a:ln>
             <a:extLst>
               <a:ext uri="{91240B29-F687-4f45-9708-019B960494DF}">
-                <a14:hiddenLine xmlns="" xmlns:a14="http://schemas.microsoft.com/office/drawing/2010/main" w="9525">
+                <a14:hiddenLine xmlns:a14="http://schemas.microsoft.com/office/drawing/2010/main" xmlns="" w="9525">
                   <a:solidFill>
                     <a:srgbClr val="000000"/>
                   </a:solidFill>
@@ -2324,7 +2330,7 @@
             </a:ln>
             <a:extLst>
               <a:ext uri="{91240B29-F687-4f45-9708-019B960494DF}">
-                <a14:hiddenLine xmlns="" xmlns:a14="http://schemas.microsoft.com/office/drawing/2010/main" w="9525">
+                <a14:hiddenLine xmlns:a14="http://schemas.microsoft.com/office/drawing/2010/main" xmlns="" w="9525">
                   <a:solidFill>
                     <a:srgbClr val="000000"/>
                   </a:solidFill>
@@ -2358,7 +2364,7 @@
             </a:ln>
             <a:extLst>
               <a:ext uri="{91240B29-F687-4f45-9708-019B960494DF}">
-                <a14:hiddenLine xmlns="" xmlns:a14="http://schemas.microsoft.com/office/drawing/2010/main" w="9525">
+                <a14:hiddenLine xmlns:a14="http://schemas.microsoft.com/office/drawing/2010/main" xmlns="" w="9525">
                   <a:solidFill>
                     <a:srgbClr val="000000"/>
                   </a:solidFill>
@@ -2448,7 +2454,7 @@
             </a:ln>
             <a:extLst>
               <a:ext uri="{91240B29-F687-4f45-9708-019B960494DF}">
-                <a14:hiddenLine xmlns="" xmlns:a14="http://schemas.microsoft.com/office/drawing/2010/main" w="9525">
+                <a14:hiddenLine xmlns:a14="http://schemas.microsoft.com/office/drawing/2010/main" xmlns="" w="9525">
                   <a:solidFill>
                     <a:srgbClr val="000000"/>
                   </a:solidFill>
@@ -2510,7 +2516,7 @@
             </a:ln>
             <a:extLst>
               <a:ext uri="{91240B29-F687-4f45-9708-019B960494DF}">
-                <a14:hiddenLine xmlns="" xmlns:a14="http://schemas.microsoft.com/office/drawing/2010/main" w="9525">
+                <a14:hiddenLine xmlns:a14="http://schemas.microsoft.com/office/drawing/2010/main" xmlns="" w="9525">
                   <a:solidFill>
                     <a:srgbClr val="000000"/>
                   </a:solidFill>
@@ -2572,7 +2578,7 @@
             </a:ln>
             <a:extLst>
               <a:ext uri="{91240B29-F687-4f45-9708-019B960494DF}">
-                <a14:hiddenLine xmlns="" xmlns:a14="http://schemas.microsoft.com/office/drawing/2010/main" w="9525">
+                <a14:hiddenLine xmlns:a14="http://schemas.microsoft.com/office/drawing/2010/main" xmlns="" w="9525">
                   <a:solidFill>
                     <a:srgbClr val="000000"/>
                   </a:solidFill>
@@ -2662,7 +2668,7 @@
             </a:ln>
             <a:extLst>
               <a:ext uri="{91240B29-F687-4f45-9708-019B960494DF}">
-                <a14:hiddenLine xmlns="" xmlns:a14="http://schemas.microsoft.com/office/drawing/2010/main" w="9525">
+                <a14:hiddenLine xmlns:a14="http://schemas.microsoft.com/office/drawing/2010/main" xmlns="" w="9525">
                   <a:solidFill>
                     <a:srgbClr val="000000"/>
                   </a:solidFill>
@@ -2730,7 +2736,7 @@
             </a:ln>
             <a:extLst>
               <a:ext uri="{91240B29-F687-4f45-9708-019B960494DF}">
-                <a14:hiddenLine xmlns="" xmlns:a14="http://schemas.microsoft.com/office/drawing/2010/main" w="9525">
+                <a14:hiddenLine xmlns:a14="http://schemas.microsoft.com/office/drawing/2010/main" xmlns="" w="9525">
                   <a:solidFill>
                     <a:srgbClr val="000000"/>
                   </a:solidFill>
@@ -2792,7 +2798,7 @@
             </a:ln>
             <a:extLst>
               <a:ext uri="{91240B29-F687-4f45-9708-019B960494DF}">
-                <a14:hiddenLine xmlns="" xmlns:a14="http://schemas.microsoft.com/office/drawing/2010/main" w="9525">
+                <a14:hiddenLine xmlns:a14="http://schemas.microsoft.com/office/drawing/2010/main" xmlns="" w="9525">
                   <a:solidFill>
                     <a:srgbClr val="000000"/>
                   </a:solidFill>
@@ -2882,7 +2888,7 @@
             </a:ln>
             <a:extLst>
               <a:ext uri="{91240B29-F687-4f45-9708-019B960494DF}">
-                <a14:hiddenLine xmlns="" xmlns:a14="http://schemas.microsoft.com/office/drawing/2010/main" w="9525">
+                <a14:hiddenLine xmlns:a14="http://schemas.microsoft.com/office/drawing/2010/main" xmlns="" w="9525">
                   <a:solidFill>
                     <a:srgbClr val="000000"/>
                   </a:solidFill>
@@ -2944,7 +2950,7 @@
             </a:ln>
             <a:extLst>
               <a:ext uri="{91240B29-F687-4f45-9708-019B960494DF}">
-                <a14:hiddenLine xmlns="" xmlns:a14="http://schemas.microsoft.com/office/drawing/2010/main" w="9525">
+                <a14:hiddenLine xmlns:a14="http://schemas.microsoft.com/office/drawing/2010/main" xmlns="" w="9525">
                   <a:solidFill>
                     <a:srgbClr val="000000"/>
                   </a:solidFill>
@@ -3034,7 +3040,7 @@
             </a:ln>
             <a:extLst>
               <a:ext uri="{91240B29-F687-4f45-9708-019B960494DF}">
-                <a14:hiddenLine xmlns="" xmlns:a14="http://schemas.microsoft.com/office/drawing/2010/main" w="9525">
+                <a14:hiddenLine xmlns:a14="http://schemas.microsoft.com/office/drawing/2010/main" xmlns="" w="9525">
                   <a:solidFill>
                     <a:srgbClr val="000000"/>
                   </a:solidFill>
@@ -3096,7 +3102,7 @@
             </a:ln>
             <a:extLst>
               <a:ext uri="{91240B29-F687-4f45-9708-019B960494DF}">
-                <a14:hiddenLine xmlns="" xmlns:a14="http://schemas.microsoft.com/office/drawing/2010/main" w="9525">
+                <a14:hiddenLine xmlns:a14="http://schemas.microsoft.com/office/drawing/2010/main" xmlns="" w="9525">
                   <a:solidFill>
                     <a:srgbClr val="000000"/>
                   </a:solidFill>
@@ -3186,7 +3192,7 @@
             </a:ln>
             <a:extLst>
               <a:ext uri="{91240B29-F687-4f45-9708-019B960494DF}">
-                <a14:hiddenLine xmlns="" xmlns:a14="http://schemas.microsoft.com/office/drawing/2010/main" w="9525">
+                <a14:hiddenLine xmlns:a14="http://schemas.microsoft.com/office/drawing/2010/main" xmlns="" w="9525">
                   <a:solidFill>
                     <a:srgbClr val="000000"/>
                   </a:solidFill>
@@ -3220,7 +3226,7 @@
             </a:ln>
             <a:extLst>
               <a:ext uri="{91240B29-F687-4f45-9708-019B960494DF}">
-                <a14:hiddenLine xmlns="" xmlns:a14="http://schemas.microsoft.com/office/drawing/2010/main" w="9525">
+                <a14:hiddenLine xmlns:a14="http://schemas.microsoft.com/office/drawing/2010/main" xmlns="" w="9525">
                   <a:solidFill>
                     <a:srgbClr val="000000"/>
                   </a:solidFill>
@@ -3285,7 +3291,7 @@
             </a:ln>
             <a:extLst>
               <a:ext uri="{91240B29-F687-4f45-9708-019B960494DF}">
-                <a14:hiddenLine xmlns="" xmlns:a14="http://schemas.microsoft.com/office/drawing/2010/main" w="9525">
+                <a14:hiddenLine xmlns:a14="http://schemas.microsoft.com/office/drawing/2010/main" xmlns="" w="9525">
                   <a:solidFill>
                     <a:srgbClr val="000000"/>
                   </a:solidFill>
@@ -3375,7 +3381,7 @@
             </a:ln>
             <a:extLst>
               <a:ext uri="{91240B29-F687-4f45-9708-019B960494DF}">
-                <a14:hiddenLine xmlns="" xmlns:a14="http://schemas.microsoft.com/office/drawing/2010/main" w="9525">
+                <a14:hiddenLine xmlns:a14="http://schemas.microsoft.com/office/drawing/2010/main" xmlns="" w="9525">
                   <a:solidFill>
                     <a:srgbClr val="000000"/>
                   </a:solidFill>
@@ -3437,7 +3443,7 @@
             </a:ln>
             <a:extLst>
               <a:ext uri="{91240B29-F687-4f45-9708-019B960494DF}">
-                <a14:hiddenLine xmlns="" xmlns:a14="http://schemas.microsoft.com/office/drawing/2010/main" w="9525">
+                <a14:hiddenLine xmlns:a14="http://schemas.microsoft.com/office/drawing/2010/main" xmlns="" w="9525">
                   <a:solidFill>
                     <a:srgbClr val="000000"/>
                   </a:solidFill>
@@ -3527,7 +3533,7 @@
             </a:ln>
             <a:extLst>
               <a:ext uri="{91240B29-F687-4f45-9708-019B960494DF}">
-                <a14:hiddenLine xmlns="" xmlns:a14="http://schemas.microsoft.com/office/drawing/2010/main" w="9525">
+                <a14:hiddenLine xmlns:a14="http://schemas.microsoft.com/office/drawing/2010/main" xmlns="" w="9525">
                   <a:solidFill>
                     <a:srgbClr val="000000"/>
                   </a:solidFill>
@@ -3617,7 +3623,7 @@
             </a:ln>
             <a:extLst>
               <a:ext uri="{91240B29-F687-4f45-9708-019B960494DF}">
-                <a14:hiddenLine xmlns="" xmlns:a14="http://schemas.microsoft.com/office/drawing/2010/main" w="9525">
+                <a14:hiddenLine xmlns:a14="http://schemas.microsoft.com/office/drawing/2010/main" xmlns="" w="9525">
                   <a:solidFill>
                     <a:srgbClr val="000000"/>
                   </a:solidFill>
@@ -3682,7 +3688,7 @@
             </a:ln>
             <a:extLst>
               <a:ext uri="{91240B29-F687-4f45-9708-019B960494DF}">
-                <a14:hiddenLine xmlns="" xmlns:a14="http://schemas.microsoft.com/office/drawing/2010/main" w="9525">
+                <a14:hiddenLine xmlns:a14="http://schemas.microsoft.com/office/drawing/2010/main" xmlns="" w="9525">
                   <a:solidFill>
                     <a:srgbClr val="000000"/>
                   </a:solidFill>
@@ -3744,7 +3750,7 @@
             </a:ln>
             <a:extLst>
               <a:ext uri="{91240B29-F687-4f45-9708-019B960494DF}">
-                <a14:hiddenLine xmlns="" xmlns:a14="http://schemas.microsoft.com/office/drawing/2010/main" w="9525">
+                <a14:hiddenLine xmlns:a14="http://schemas.microsoft.com/office/drawing/2010/main" xmlns="" w="9525">
                   <a:solidFill>
                     <a:srgbClr val="000000"/>
                   </a:solidFill>
@@ -3834,7 +3840,7 @@
             </a:ln>
             <a:extLst>
               <a:ext uri="{91240B29-F687-4f45-9708-019B960494DF}">
-                <a14:hiddenLine xmlns="" xmlns:a14="http://schemas.microsoft.com/office/drawing/2010/main" w="9525">
+                <a14:hiddenLine xmlns:a14="http://schemas.microsoft.com/office/drawing/2010/main" xmlns="" w="9525">
                   <a:solidFill>
                     <a:srgbClr val="000000"/>
                   </a:solidFill>
@@ -3924,7 +3930,7 @@
             </a:ln>
             <a:extLst>
               <a:ext uri="{91240B29-F687-4f45-9708-019B960494DF}">
-                <a14:hiddenLine xmlns="" xmlns:a14="http://schemas.microsoft.com/office/drawing/2010/main" w="9525">
+                <a14:hiddenLine xmlns:a14="http://schemas.microsoft.com/office/drawing/2010/main" xmlns="" w="9525">
                   <a:solidFill>
                     <a:srgbClr val="000000"/>
                   </a:solidFill>
@@ -3986,7 +3992,7 @@
             </a:ln>
             <a:extLst>
               <a:ext uri="{91240B29-F687-4f45-9708-019B960494DF}">
-                <a14:hiddenLine xmlns="" xmlns:a14="http://schemas.microsoft.com/office/drawing/2010/main" w="9525">
+                <a14:hiddenLine xmlns:a14="http://schemas.microsoft.com/office/drawing/2010/main" xmlns="" w="9525">
                   <a:solidFill>
                     <a:srgbClr val="000000"/>
                   </a:solidFill>
@@ -4106,7 +4112,7 @@
             </a:ln>
             <a:extLst>
               <a:ext uri="{91240B29-F687-4f45-9708-019B960494DF}">
-                <a14:hiddenLine xmlns="" xmlns:a14="http://schemas.microsoft.com/office/drawing/2010/main" w="9525">
+                <a14:hiddenLine xmlns:a14="http://schemas.microsoft.com/office/drawing/2010/main" xmlns="" w="9525">
                   <a:solidFill>
                     <a:srgbClr val="000000"/>
                   </a:solidFill>
@@ -4174,7 +4180,7 @@
             </a:ln>
             <a:extLst>
               <a:ext uri="{91240B29-F687-4f45-9708-019B960494DF}">
-                <a14:hiddenLine xmlns="" xmlns:a14="http://schemas.microsoft.com/office/drawing/2010/main" w="9525">
+                <a14:hiddenLine xmlns:a14="http://schemas.microsoft.com/office/drawing/2010/main" xmlns="" w="9525">
                   <a:solidFill>
                     <a:srgbClr val="000000"/>
                   </a:solidFill>
@@ -4264,7 +4270,7 @@
             </a:ln>
             <a:extLst>
               <a:ext uri="{91240B29-F687-4f45-9708-019B960494DF}">
-                <a14:hiddenLine xmlns="" xmlns:a14="http://schemas.microsoft.com/office/drawing/2010/main" w="9525">
+                <a14:hiddenLine xmlns:a14="http://schemas.microsoft.com/office/drawing/2010/main" xmlns="" w="9525">
                   <a:solidFill>
                     <a:srgbClr val="000000"/>
                   </a:solidFill>
@@ -4404,7 +4410,7 @@
           <a:p>
             <a:fld id="{48A87A34-81AB-432B-8DAE-1953F412C126}" type="datetimeFigureOut">
               <a:rPr lang="en-US" dirty="0"/>
-              <a:t>12/7/2013</a:t>
+              <a:t>12/11/2013</a:t>
             </a:fld>
             <a:endParaRPr lang="en-US" dirty="0"/>
           </a:p>
@@ -4666,7 +4672,7 @@
           <a:p>
             <a:fld id="{48A87A34-81AB-432B-8DAE-1953F412C126}" type="datetimeFigureOut">
               <a:rPr lang="en-US" dirty="0"/>
-              <a:t>12/7/2013</a:t>
+              <a:t>12/11/2013</a:t>
             </a:fld>
             <a:endParaRPr lang="en-US" dirty="0"/>
           </a:p>
@@ -4857,7 +4863,7 @@
           <a:p>
             <a:fld id="{48A87A34-81AB-432B-8DAE-1953F412C126}" type="datetimeFigureOut">
               <a:rPr lang="en-US" dirty="0"/>
-              <a:t>12/7/2013</a:t>
+              <a:t>12/11/2013</a:t>
             </a:fld>
             <a:endParaRPr lang="en-US" dirty="0"/>
           </a:p>
@@ -5115,7 +5121,7 @@
           <a:p>
             <a:fld id="{48A87A34-81AB-432B-8DAE-1953F412C126}" type="datetimeFigureOut">
               <a:rPr lang="en-US" dirty="0"/>
-              <a:t>12/7/2013</a:t>
+              <a:t>12/11/2013</a:t>
             </a:fld>
             <a:endParaRPr lang="en-US" dirty="0"/>
           </a:p>
@@ -5544,7 +5550,7 @@
           <a:p>
             <a:fld id="{48A87A34-81AB-432B-8DAE-1953F412C126}" type="datetimeFigureOut">
               <a:rPr lang="en-US" dirty="0"/>
-              <a:t>12/7/2013</a:t>
+              <a:t>12/11/2013</a:t>
             </a:fld>
             <a:endParaRPr lang="en-US" dirty="0"/>
           </a:p>
@@ -6085,7 +6091,7 @@
           <a:p>
             <a:fld id="{48A87A34-81AB-432B-8DAE-1953F412C126}" type="datetimeFigureOut">
               <a:rPr lang="en-US" dirty="0"/>
-              <a:t>12/7/2013</a:t>
+              <a:t>12/11/2013</a:t>
             </a:fld>
             <a:endParaRPr lang="en-US" dirty="0"/>
           </a:p>
@@ -6800,7 +6806,7 @@
           <a:p>
             <a:fld id="{48A87A34-81AB-432B-8DAE-1953F412C126}" type="datetimeFigureOut">
               <a:rPr lang="en-US" dirty="0"/>
-              <a:t>12/7/2013</a:t>
+              <a:t>12/11/2013</a:t>
             </a:fld>
             <a:endParaRPr lang="en-US" dirty="0"/>
           </a:p>
@@ -6965,7 +6971,7 @@
           <a:p>
             <a:fld id="{48A87A34-81AB-432B-8DAE-1953F412C126}" type="datetimeFigureOut">
               <a:rPr lang="en-US" dirty="0"/>
-              <a:t>12/7/2013</a:t>
+              <a:t>12/11/2013</a:t>
             </a:fld>
             <a:endParaRPr lang="en-US" dirty="0"/>
           </a:p>
@@ -7140,7 +7146,7 @@
           <a:p>
             <a:fld id="{48A87A34-81AB-432B-8DAE-1953F412C126}" type="datetimeFigureOut">
               <a:rPr lang="en-US" dirty="0"/>
-              <a:t>12/7/2013</a:t>
+              <a:t>12/11/2013</a:t>
             </a:fld>
             <a:endParaRPr lang="en-US" dirty="0"/>
           </a:p>
@@ -7305,7 +7311,7 @@
           <a:p>
             <a:fld id="{48A87A34-81AB-432B-8DAE-1953F412C126}" type="datetimeFigureOut">
               <a:rPr lang="en-US" dirty="0"/>
-              <a:t>12/7/2013</a:t>
+              <a:t>12/11/2013</a:t>
             </a:fld>
             <a:endParaRPr lang="en-US" dirty="0"/>
           </a:p>
@@ -7550,7 +7556,7 @@
           <a:p>
             <a:fld id="{48A87A34-81AB-432B-8DAE-1953F412C126}" type="datetimeFigureOut">
               <a:rPr lang="en-US" dirty="0"/>
-              <a:t>12/7/2013</a:t>
+              <a:t>12/11/2013</a:t>
             </a:fld>
             <a:endParaRPr lang="en-US" dirty="0"/>
           </a:p>
@@ -7777,7 +7783,7 @@
           <a:p>
             <a:fld id="{48A87A34-81AB-432B-8DAE-1953F412C126}" type="datetimeFigureOut">
               <a:rPr lang="en-US" dirty="0"/>
-              <a:t>12/7/2013</a:t>
+              <a:t>12/11/2013</a:t>
             </a:fld>
             <a:endParaRPr lang="en-US" dirty="0"/>
           </a:p>
@@ -8153,7 +8159,7 @@
           <a:p>
             <a:fld id="{48A87A34-81AB-432B-8DAE-1953F412C126}" type="datetimeFigureOut">
               <a:rPr lang="en-US" dirty="0"/>
-              <a:t>12/7/2013</a:t>
+              <a:t>12/11/2013</a:t>
             </a:fld>
             <a:endParaRPr lang="en-US" dirty="0"/>
           </a:p>
@@ -8266,7 +8272,7 @@
           <a:p>
             <a:fld id="{48A87A34-81AB-432B-8DAE-1953F412C126}" type="datetimeFigureOut">
               <a:rPr lang="en-US" dirty="0"/>
-              <a:t>12/7/2013</a:t>
+              <a:t>12/11/2013</a:t>
             </a:fld>
             <a:endParaRPr lang="en-US" dirty="0"/>
           </a:p>
@@ -8356,7 +8362,7 @@
           <a:p>
             <a:fld id="{48A87A34-81AB-432B-8DAE-1953F412C126}" type="datetimeFigureOut">
               <a:rPr lang="en-US" dirty="0"/>
-              <a:t>12/7/2013</a:t>
+              <a:t>12/11/2013</a:t>
             </a:fld>
             <a:endParaRPr lang="en-US" dirty="0"/>
           </a:p>
@@ -8600,7 +8606,7 @@
           <a:p>
             <a:fld id="{48A87A34-81AB-432B-8DAE-1953F412C126}" type="datetimeFigureOut">
               <a:rPr lang="en-US" dirty="0"/>
-              <a:t>12/7/2013</a:t>
+              <a:t>12/11/2013</a:t>
             </a:fld>
             <a:endParaRPr lang="en-US" dirty="0"/>
           </a:p>
@@ -8875,7 +8881,7 @@
           <a:p>
             <a:fld id="{48A87A34-81AB-432B-8DAE-1953F412C126}" type="datetimeFigureOut">
               <a:rPr lang="en-US" dirty="0"/>
-              <a:t>12/7/2013</a:t>
+              <a:t>12/11/2013</a:t>
             </a:fld>
             <a:endParaRPr lang="en-US" dirty="0"/>
           </a:p>
@@ -8993,7 +8999,7 @@
           <a:noFill/>
           <a:extLst>
             <a:ext uri="{909E8E84-426E-40dd-AFC4-6F175D3DCCD1}">
-              <a14:hiddenFill xmlns="" xmlns:a14="http://schemas.microsoft.com/office/drawing/2010/main">
+              <a14:hiddenFill xmlns:a14="http://schemas.microsoft.com/office/drawing/2010/main" xmlns="">
                 <a:solidFill>
                   <a:srgbClr val="FFFFFF"/>
                 </a:solidFill>
@@ -9067,7 +9073,7 @@
               </a:ln>
               <a:extLst>
                 <a:ext uri="{91240B29-F687-4f45-9708-019B960494DF}">
-                  <a14:hiddenLine xmlns="" xmlns:a14="http://schemas.microsoft.com/office/drawing/2010/main" w="9525">
+                  <a14:hiddenLine xmlns:a14="http://schemas.microsoft.com/office/drawing/2010/main" xmlns="" w="9525">
                     <a:solidFill>
                       <a:srgbClr val="000000"/>
                     </a:solidFill>
@@ -9157,7 +9163,7 @@
               </a:ln>
               <a:extLst>
                 <a:ext uri="{91240B29-F687-4f45-9708-019B960494DF}">
-                  <a14:hiddenLine xmlns="" xmlns:a14="http://schemas.microsoft.com/office/drawing/2010/main" w="9525">
+                  <a14:hiddenLine xmlns:a14="http://schemas.microsoft.com/office/drawing/2010/main" xmlns="" w="9525">
                     <a:solidFill>
                       <a:srgbClr val="000000"/>
                     </a:solidFill>
@@ -9247,7 +9253,7 @@
               </a:ln>
               <a:extLst>
                 <a:ext uri="{91240B29-F687-4f45-9708-019B960494DF}">
-                  <a14:hiddenLine xmlns="" xmlns:a14="http://schemas.microsoft.com/office/drawing/2010/main" w="9525">
+                  <a14:hiddenLine xmlns:a14="http://schemas.microsoft.com/office/drawing/2010/main" xmlns="" w="9525">
                     <a:solidFill>
                       <a:srgbClr val="000000"/>
                     </a:solidFill>
@@ -9309,7 +9315,7 @@
               </a:ln>
               <a:extLst>
                 <a:ext uri="{91240B29-F687-4f45-9708-019B960494DF}">
-                  <a14:hiddenLine xmlns="" xmlns:a14="http://schemas.microsoft.com/office/drawing/2010/main" w="9525">
+                  <a14:hiddenLine xmlns:a14="http://schemas.microsoft.com/office/drawing/2010/main" xmlns="" w="9525">
                     <a:solidFill>
                       <a:srgbClr val="000000"/>
                     </a:solidFill>
@@ -9399,7 +9405,7 @@
               </a:ln>
               <a:extLst>
                 <a:ext uri="{91240B29-F687-4f45-9708-019B960494DF}">
-                  <a14:hiddenLine xmlns="" xmlns:a14="http://schemas.microsoft.com/office/drawing/2010/main" w="9525">
+                  <a14:hiddenLine xmlns:a14="http://schemas.microsoft.com/office/drawing/2010/main" xmlns="" w="9525">
                     <a:solidFill>
                       <a:srgbClr val="000000"/>
                     </a:solidFill>
@@ -9461,7 +9467,7 @@
               </a:ln>
               <a:extLst>
                 <a:ext uri="{91240B29-F687-4f45-9708-019B960494DF}">
-                  <a14:hiddenLine xmlns="" xmlns:a14="http://schemas.microsoft.com/office/drawing/2010/main" w="9525">
+                  <a14:hiddenLine xmlns:a14="http://schemas.microsoft.com/office/drawing/2010/main" xmlns="" w="9525">
                     <a:solidFill>
                       <a:srgbClr val="000000"/>
                     </a:solidFill>
@@ -9523,7 +9529,7 @@
               </a:ln>
               <a:extLst>
                 <a:ext uri="{91240B29-F687-4f45-9708-019B960494DF}">
-                  <a14:hiddenLine xmlns="" xmlns:a14="http://schemas.microsoft.com/office/drawing/2010/main" w="9525">
+                  <a14:hiddenLine xmlns:a14="http://schemas.microsoft.com/office/drawing/2010/main" xmlns="" w="9525">
                     <a:solidFill>
                       <a:srgbClr val="000000"/>
                     </a:solidFill>
@@ -9613,7 +9619,7 @@
               </a:ln>
               <a:extLst>
                 <a:ext uri="{91240B29-F687-4f45-9708-019B960494DF}">
-                  <a14:hiddenLine xmlns="" xmlns:a14="http://schemas.microsoft.com/office/drawing/2010/main" w="9525">
+                  <a14:hiddenLine xmlns:a14="http://schemas.microsoft.com/office/drawing/2010/main" xmlns="" w="9525">
                     <a:solidFill>
                       <a:srgbClr val="000000"/>
                     </a:solidFill>
@@ -9703,7 +9709,7 @@
               </a:ln>
               <a:extLst>
                 <a:ext uri="{91240B29-F687-4f45-9708-019B960494DF}">
-                  <a14:hiddenLine xmlns="" xmlns:a14="http://schemas.microsoft.com/office/drawing/2010/main" w="9525">
+                  <a14:hiddenLine xmlns:a14="http://schemas.microsoft.com/office/drawing/2010/main" xmlns="" w="9525">
                     <a:solidFill>
                       <a:srgbClr val="000000"/>
                     </a:solidFill>
@@ -9765,7 +9771,7 @@
               </a:ln>
               <a:extLst>
                 <a:ext uri="{91240B29-F687-4f45-9708-019B960494DF}">
-                  <a14:hiddenLine xmlns="" xmlns:a14="http://schemas.microsoft.com/office/drawing/2010/main" w="9525">
+                  <a14:hiddenLine xmlns:a14="http://schemas.microsoft.com/office/drawing/2010/main" xmlns="" w="9525">
                     <a:solidFill>
                       <a:srgbClr val="000000"/>
                     </a:solidFill>
@@ -9875,7 +9881,7 @@
               </a:ln>
               <a:extLst>
                 <a:ext uri="{91240B29-F687-4f45-9708-019B960494DF}">
-                  <a14:hiddenLine xmlns="" xmlns:a14="http://schemas.microsoft.com/office/drawing/2010/main" w="9525">
+                  <a14:hiddenLine xmlns:a14="http://schemas.microsoft.com/office/drawing/2010/main" xmlns="" w="9525">
                     <a:solidFill>
                       <a:srgbClr val="000000"/>
                     </a:solidFill>
@@ -9959,7 +9965,7 @@
               </a:ln>
               <a:extLst>
                 <a:ext uri="{91240B29-F687-4f45-9708-019B960494DF}">
-                  <a14:hiddenLine xmlns="" xmlns:a14="http://schemas.microsoft.com/office/drawing/2010/main" w="9525">
+                  <a14:hiddenLine xmlns:a14="http://schemas.microsoft.com/office/drawing/2010/main" xmlns="" w="9525">
                     <a:solidFill>
                       <a:srgbClr val="000000"/>
                     </a:solidFill>
@@ -10021,7 +10027,7 @@
               </a:ln>
               <a:extLst>
                 <a:ext uri="{91240B29-F687-4f45-9708-019B960494DF}">
-                  <a14:hiddenLine xmlns="" xmlns:a14="http://schemas.microsoft.com/office/drawing/2010/main" w="9525">
+                  <a14:hiddenLine xmlns:a14="http://schemas.microsoft.com/office/drawing/2010/main" xmlns="" w="9525">
                     <a:solidFill>
                       <a:srgbClr val="000000"/>
                     </a:solidFill>
@@ -10083,7 +10089,7 @@
               </a:ln>
               <a:extLst>
                 <a:ext uri="{91240B29-F687-4f45-9708-019B960494DF}">
-                  <a14:hiddenLine xmlns="" xmlns:a14="http://schemas.microsoft.com/office/drawing/2010/main" w="9525">
+                  <a14:hiddenLine xmlns:a14="http://schemas.microsoft.com/office/drawing/2010/main" xmlns="" w="9525">
                     <a:solidFill>
                       <a:srgbClr val="000000"/>
                     </a:solidFill>
@@ -10173,7 +10179,7 @@
               </a:ln>
               <a:extLst>
                 <a:ext uri="{91240B29-F687-4f45-9708-019B960494DF}">
-                  <a14:hiddenLine xmlns="" xmlns:a14="http://schemas.microsoft.com/office/drawing/2010/main" w="9525">
+                  <a14:hiddenLine xmlns:a14="http://schemas.microsoft.com/office/drawing/2010/main" xmlns="" w="9525">
                     <a:solidFill>
                       <a:srgbClr val="000000"/>
                     </a:solidFill>
@@ -10207,7 +10213,7 @@
               </a:ln>
               <a:extLst>
                 <a:ext uri="{91240B29-F687-4f45-9708-019B960494DF}">
-                  <a14:hiddenLine xmlns="" xmlns:a14="http://schemas.microsoft.com/office/drawing/2010/main" w="9525">
+                  <a14:hiddenLine xmlns:a14="http://schemas.microsoft.com/office/drawing/2010/main" xmlns="" w="9525">
                     <a:solidFill>
                       <a:srgbClr val="000000"/>
                     </a:solidFill>
@@ -10272,7 +10278,7 @@
               </a:ln>
               <a:extLst>
                 <a:ext uri="{91240B29-F687-4f45-9708-019B960494DF}">
-                  <a14:hiddenLine xmlns="" xmlns:a14="http://schemas.microsoft.com/office/drawing/2010/main" w="9525">
+                  <a14:hiddenLine xmlns:a14="http://schemas.microsoft.com/office/drawing/2010/main" xmlns="" w="9525">
                     <a:solidFill>
                       <a:srgbClr val="000000"/>
                     </a:solidFill>
@@ -10362,7 +10368,7 @@
               </a:ln>
               <a:extLst>
                 <a:ext uri="{91240B29-F687-4f45-9708-019B960494DF}">
-                  <a14:hiddenLine xmlns="" xmlns:a14="http://schemas.microsoft.com/office/drawing/2010/main" w="9525">
+                  <a14:hiddenLine xmlns:a14="http://schemas.microsoft.com/office/drawing/2010/main" xmlns="" w="9525">
                     <a:solidFill>
                       <a:srgbClr val="000000"/>
                     </a:solidFill>
@@ -10424,7 +10430,7 @@
               </a:ln>
               <a:extLst>
                 <a:ext uri="{91240B29-F687-4f45-9708-019B960494DF}">
-                  <a14:hiddenLine xmlns="" xmlns:a14="http://schemas.microsoft.com/office/drawing/2010/main" w="9525">
+                  <a14:hiddenLine xmlns:a14="http://schemas.microsoft.com/office/drawing/2010/main" xmlns="" w="9525">
                     <a:solidFill>
                       <a:srgbClr val="000000"/>
                     </a:solidFill>
@@ -10514,7 +10520,7 @@
               </a:ln>
               <a:extLst>
                 <a:ext uri="{91240B29-F687-4f45-9708-019B960494DF}">
-                  <a14:hiddenLine xmlns="" xmlns:a14="http://schemas.microsoft.com/office/drawing/2010/main" w="9525">
+                  <a14:hiddenLine xmlns:a14="http://schemas.microsoft.com/office/drawing/2010/main" xmlns="" w="9525">
                     <a:solidFill>
                       <a:srgbClr val="000000"/>
                     </a:solidFill>
@@ -10579,7 +10585,7 @@
               </a:ln>
               <a:extLst>
                 <a:ext uri="{91240B29-F687-4f45-9708-019B960494DF}">
-                  <a14:hiddenLine xmlns="" xmlns:a14="http://schemas.microsoft.com/office/drawing/2010/main" w="9525">
+                  <a14:hiddenLine xmlns:a14="http://schemas.microsoft.com/office/drawing/2010/main" xmlns="" w="9525">
                     <a:solidFill>
                       <a:srgbClr val="000000"/>
                     </a:solidFill>
@@ -10641,7 +10647,7 @@
               </a:ln>
               <a:extLst>
                 <a:ext uri="{91240B29-F687-4f45-9708-019B960494DF}">
-                  <a14:hiddenLine xmlns="" xmlns:a14="http://schemas.microsoft.com/office/drawing/2010/main" w="9525">
+                  <a14:hiddenLine xmlns:a14="http://schemas.microsoft.com/office/drawing/2010/main" xmlns="" w="9525">
                     <a:solidFill>
                       <a:srgbClr val="000000"/>
                     </a:solidFill>
@@ -10731,7 +10737,7 @@
               </a:ln>
               <a:extLst>
                 <a:ext uri="{91240B29-F687-4f45-9708-019B960494DF}">
-                  <a14:hiddenLine xmlns="" xmlns:a14="http://schemas.microsoft.com/office/drawing/2010/main" w="9525">
+                  <a14:hiddenLine xmlns:a14="http://schemas.microsoft.com/office/drawing/2010/main" xmlns="" w="9525">
                     <a:solidFill>
                       <a:srgbClr val="000000"/>
                     </a:solidFill>
@@ -10821,7 +10827,7 @@
               </a:ln>
               <a:extLst>
                 <a:ext uri="{91240B29-F687-4f45-9708-019B960494DF}">
-                  <a14:hiddenLine xmlns="" xmlns:a14="http://schemas.microsoft.com/office/drawing/2010/main" w="9525">
+                  <a14:hiddenLine xmlns:a14="http://schemas.microsoft.com/office/drawing/2010/main" xmlns="" w="9525">
                     <a:solidFill>
                       <a:srgbClr val="000000"/>
                     </a:solidFill>
@@ -10886,7 +10892,7 @@
               </a:ln>
               <a:extLst>
                 <a:ext uri="{91240B29-F687-4f45-9708-019B960494DF}">
-                  <a14:hiddenLine xmlns="" xmlns:a14="http://schemas.microsoft.com/office/drawing/2010/main" w="9525">
+                  <a14:hiddenLine xmlns:a14="http://schemas.microsoft.com/office/drawing/2010/main" xmlns="" w="9525">
                     <a:solidFill>
                       <a:srgbClr val="000000"/>
                     </a:solidFill>
@@ -11006,7 +11012,7 @@
               </a:ln>
               <a:extLst>
                 <a:ext uri="{91240B29-F687-4f45-9708-019B960494DF}">
-                  <a14:hiddenLine xmlns="" xmlns:a14="http://schemas.microsoft.com/office/drawing/2010/main" w="9525">
+                  <a14:hiddenLine xmlns:a14="http://schemas.microsoft.com/office/drawing/2010/main" xmlns="" w="9525">
                     <a:solidFill>
                       <a:srgbClr val="000000"/>
                     </a:solidFill>
@@ -11087,7 +11093,7 @@
               </a:ln>
               <a:extLst>
                 <a:ext uri="{91240B29-F687-4f45-9708-019B960494DF}">
-                  <a14:hiddenLine xmlns="" xmlns:a14="http://schemas.microsoft.com/office/drawing/2010/main" w="9525">
+                  <a14:hiddenLine xmlns:a14="http://schemas.microsoft.com/office/drawing/2010/main" xmlns="" w="9525">
                     <a:solidFill>
                       <a:srgbClr val="000000"/>
                     </a:solidFill>
@@ -11202,7 +11208,7 @@
               </a:ln>
               <a:extLst>
                 <a:ext uri="{91240B29-F687-4f45-9708-019B960494DF}">
-                  <a14:hiddenLine xmlns="" xmlns:a14="http://schemas.microsoft.com/office/drawing/2010/main" w="9525">
+                  <a14:hiddenLine xmlns:a14="http://schemas.microsoft.com/office/drawing/2010/main" xmlns="" w="9525">
                     <a:solidFill>
                       <a:srgbClr val="000000"/>
                     </a:solidFill>
@@ -11292,7 +11298,7 @@
               </a:ln>
               <a:extLst>
                 <a:ext uri="{91240B29-F687-4f45-9708-019B960494DF}">
-                  <a14:hiddenLine xmlns="" xmlns:a14="http://schemas.microsoft.com/office/drawing/2010/main" w="9525">
+                  <a14:hiddenLine xmlns:a14="http://schemas.microsoft.com/office/drawing/2010/main" xmlns="" w="9525">
                     <a:solidFill>
                       <a:srgbClr val="000000"/>
                     </a:solidFill>
@@ -11357,7 +11363,7 @@
               </a:ln>
               <a:extLst>
                 <a:ext uri="{91240B29-F687-4f45-9708-019B960494DF}">
-                  <a14:hiddenLine xmlns="" xmlns:a14="http://schemas.microsoft.com/office/drawing/2010/main" w="9525">
+                  <a14:hiddenLine xmlns:a14="http://schemas.microsoft.com/office/drawing/2010/main" xmlns="" w="9525">
                     <a:solidFill>
                       <a:srgbClr val="000000"/>
                     </a:solidFill>
@@ -11447,7 +11453,7 @@
               </a:ln>
               <a:extLst>
                 <a:ext uri="{91240B29-F687-4f45-9708-019B960494DF}">
-                  <a14:hiddenLine xmlns="" xmlns:a14="http://schemas.microsoft.com/office/drawing/2010/main" w="9525">
+                  <a14:hiddenLine xmlns:a14="http://schemas.microsoft.com/office/drawing/2010/main" xmlns="" w="9525">
                     <a:solidFill>
                       <a:srgbClr val="000000"/>
                     </a:solidFill>
@@ -11515,7 +11521,7 @@
               </a:ln>
               <a:extLst>
                 <a:ext uri="{91240B29-F687-4f45-9708-019B960494DF}">
-                  <a14:hiddenLine xmlns="" xmlns:a14="http://schemas.microsoft.com/office/drawing/2010/main" w="9525">
+                  <a14:hiddenLine xmlns:a14="http://schemas.microsoft.com/office/drawing/2010/main" xmlns="" w="9525">
                     <a:solidFill>
                       <a:srgbClr val="000000"/>
                     </a:solidFill>
@@ -11605,7 +11611,7 @@
               </a:ln>
               <a:extLst>
                 <a:ext uri="{91240B29-F687-4f45-9708-019B960494DF}">
-                  <a14:hiddenLine xmlns="" xmlns:a14="http://schemas.microsoft.com/office/drawing/2010/main" w="9525">
+                  <a14:hiddenLine xmlns:a14="http://schemas.microsoft.com/office/drawing/2010/main" xmlns="" w="9525">
                     <a:solidFill>
                       <a:srgbClr val="000000"/>
                     </a:solidFill>
@@ -11673,7 +11679,7 @@
               </a:ln>
               <a:extLst>
                 <a:ext uri="{91240B29-F687-4f45-9708-019B960494DF}">
-                  <a14:hiddenLine xmlns="" xmlns:a14="http://schemas.microsoft.com/office/drawing/2010/main" w="9525">
+                  <a14:hiddenLine xmlns:a14="http://schemas.microsoft.com/office/drawing/2010/main" xmlns="" w="9525">
                     <a:solidFill>
                       <a:srgbClr val="000000"/>
                     </a:solidFill>
@@ -11763,7 +11769,7 @@
               </a:ln>
               <a:extLst>
                 <a:ext uri="{91240B29-F687-4f45-9708-019B960494DF}">
-                  <a14:hiddenLine xmlns="" xmlns:a14="http://schemas.microsoft.com/office/drawing/2010/main" w="9525">
+                  <a14:hiddenLine xmlns:a14="http://schemas.microsoft.com/office/drawing/2010/main" xmlns="" w="9525">
                     <a:solidFill>
                       <a:srgbClr val="000000"/>
                     </a:solidFill>
@@ -11797,7 +11803,7 @@
               </a:ln>
               <a:extLst>
                 <a:ext uri="{91240B29-F687-4f45-9708-019B960494DF}">
-                  <a14:hiddenLine xmlns="" xmlns:a14="http://schemas.microsoft.com/office/drawing/2010/main" w="9525">
+                  <a14:hiddenLine xmlns:a14="http://schemas.microsoft.com/office/drawing/2010/main" xmlns="" w="9525">
                     <a:solidFill>
                       <a:srgbClr val="000000"/>
                     </a:solidFill>
@@ -11938,7 +11944,7 @@
             <a:fld id="{48A87A34-81AB-432B-8DAE-1953F412C126}" type="datetimeFigureOut">
               <a:rPr lang="en-US" dirty="0"/>
               <a:pPr/>
-              <a:t>12/7/2013</a:t>
+              <a:t>12/11/2013</a:t>
             </a:fld>
             <a:endParaRPr lang="en-US" dirty="0"/>
           </a:p>
@@ -12394,15 +12400,7 @@
           <a:p>
             <a:r>
               <a:rPr lang="en-US" dirty="0" smtClean="0"/>
-              <a:t>Created by: Jordan </a:t>
-            </a:r>
-            <a:r>
-              <a:rPr lang="en-US" dirty="0" err="1" smtClean="0"/>
-              <a:t>fluth</a:t>
-            </a:r>
-            <a:r>
-              <a:rPr lang="en-US" dirty="0" smtClean="0"/>
-              <a:t> and Vernon jones</a:t>
+              <a:t>Created by: Jordan fluth and Vernon jones</a:t>
             </a:r>
             <a:endParaRPr lang="en-US" dirty="0"/>
           </a:p>
@@ -12424,7 +12422,7 @@
         </p:blipFill>
         <p:spPr>
           <a:xfrm>
-            <a:off x="8070878" y="584749"/>
+            <a:off x="8070878" y="1122363"/>
             <a:ext cx="2597121" cy="3462828"/>
           </a:xfrm>
           <a:prstGeom prst="rect">
@@ -12486,6 +12484,3628 @@
           <a:p>
             <a:r>
               <a:rPr lang="en-US" dirty="0" smtClean="0"/>
+              <a:t>Robot control state diagram</a:t>
+            </a:r>
+            <a:endParaRPr lang="en-US" dirty="0"/>
+          </a:p>
+        </p:txBody>
+      </p:sp>
+      <p:sp>
+        <p:nvSpPr>
+          <p:cNvPr id="5" name="Oval 4"/>
+          <p:cNvSpPr/>
+          <p:nvPr/>
+        </p:nvSpPr>
+        <p:spPr>
+          <a:xfrm>
+            <a:off x="1939903" y="3328018"/>
+            <a:ext cx="1313645" cy="1146220"/>
+          </a:xfrm>
+          <a:prstGeom prst="ellipse">
+            <a:avLst/>
+          </a:prstGeom>
+        </p:spPr>
+        <p:style>
+          <a:lnRef idx="2">
+            <a:schemeClr val="accent1">
+              <a:shade val="50000"/>
+            </a:schemeClr>
+          </a:lnRef>
+          <a:fillRef idx="1">
+            <a:schemeClr val="accent1"/>
+          </a:fillRef>
+          <a:effectRef idx="0">
+            <a:schemeClr val="accent1"/>
+          </a:effectRef>
+          <a:fontRef idx="minor">
+            <a:schemeClr val="lt1"/>
+          </a:fontRef>
+        </p:style>
+        <p:txBody>
+          <a:bodyPr rtlCol="0" anchor="ctr"/>
+          <a:lstStyle/>
+          <a:p>
+            <a:pPr algn="ctr"/>
+            <a:endParaRPr lang="en-US"/>
+          </a:p>
+        </p:txBody>
+      </p:sp>
+      <p:sp>
+        <p:nvSpPr>
+          <p:cNvPr id="6" name="Oval 5"/>
+          <p:cNvSpPr/>
+          <p:nvPr/>
+        </p:nvSpPr>
+        <p:spPr>
+          <a:xfrm>
+            <a:off x="8436175" y="3328018"/>
+            <a:ext cx="1313645" cy="1146220"/>
+          </a:xfrm>
+          <a:prstGeom prst="ellipse">
+            <a:avLst/>
+          </a:prstGeom>
+        </p:spPr>
+        <p:style>
+          <a:lnRef idx="2">
+            <a:schemeClr val="accent1">
+              <a:shade val="50000"/>
+            </a:schemeClr>
+          </a:lnRef>
+          <a:fillRef idx="1">
+            <a:schemeClr val="accent1"/>
+          </a:fillRef>
+          <a:effectRef idx="0">
+            <a:schemeClr val="accent1"/>
+          </a:effectRef>
+          <a:fontRef idx="minor">
+            <a:schemeClr val="lt1"/>
+          </a:fontRef>
+        </p:style>
+        <p:txBody>
+          <a:bodyPr rtlCol="0" anchor="ctr"/>
+          <a:lstStyle/>
+          <a:p>
+            <a:pPr algn="ctr"/>
+            <a:endParaRPr lang="en-US"/>
+          </a:p>
+        </p:txBody>
+      </p:sp>
+      <p:sp>
+        <p:nvSpPr>
+          <p:cNvPr id="8" name="Oval 7"/>
+          <p:cNvSpPr/>
+          <p:nvPr/>
+        </p:nvSpPr>
+        <p:spPr>
+          <a:xfrm>
+            <a:off x="5188039" y="3328018"/>
+            <a:ext cx="1313645" cy="1146220"/>
+          </a:xfrm>
+          <a:prstGeom prst="ellipse">
+            <a:avLst/>
+          </a:prstGeom>
+        </p:spPr>
+        <p:style>
+          <a:lnRef idx="2">
+            <a:schemeClr val="accent1">
+              <a:shade val="50000"/>
+            </a:schemeClr>
+          </a:lnRef>
+          <a:fillRef idx="1">
+            <a:schemeClr val="accent1"/>
+          </a:fillRef>
+          <a:effectRef idx="0">
+            <a:schemeClr val="accent1"/>
+          </a:effectRef>
+          <a:fontRef idx="minor">
+            <a:schemeClr val="lt1"/>
+          </a:fontRef>
+        </p:style>
+        <p:txBody>
+          <a:bodyPr rtlCol="0" anchor="ctr"/>
+          <a:lstStyle/>
+          <a:p>
+            <a:pPr algn="ctr"/>
+            <a:endParaRPr lang="en-US"/>
+          </a:p>
+        </p:txBody>
+      </p:sp>
+      <p:sp>
+        <p:nvSpPr>
+          <p:cNvPr id="9" name="TextBox 8"/>
+          <p:cNvSpPr txBox="1"/>
+          <p:nvPr/>
+        </p:nvSpPr>
+        <p:spPr>
+          <a:xfrm>
+            <a:off x="8597160" y="3577962"/>
+            <a:ext cx="991673" cy="646331"/>
+          </a:xfrm>
+          <a:prstGeom prst="rect">
+            <a:avLst/>
+          </a:prstGeom>
+          <a:noFill/>
+        </p:spPr>
+        <p:txBody>
+          <a:bodyPr wrap="square" rtlCol="0">
+            <a:spAutoFit/>
+          </a:bodyPr>
+          <a:lstStyle/>
+          <a:p>
+            <a:r>
+              <a:rPr lang="en-US" dirty="0" smtClean="0"/>
+              <a:t>MOVE WHEELS</a:t>
+            </a:r>
+            <a:endParaRPr lang="en-US" dirty="0"/>
+          </a:p>
+        </p:txBody>
+      </p:sp>
+      <p:sp>
+        <p:nvSpPr>
+          <p:cNvPr id="11" name="TextBox 10"/>
+          <p:cNvSpPr txBox="1"/>
+          <p:nvPr/>
+        </p:nvSpPr>
+        <p:spPr>
+          <a:xfrm>
+            <a:off x="5450984" y="3577962"/>
+            <a:ext cx="991673" cy="646331"/>
+          </a:xfrm>
+          <a:prstGeom prst="rect">
+            <a:avLst/>
+          </a:prstGeom>
+          <a:noFill/>
+        </p:spPr>
+        <p:txBody>
+          <a:bodyPr wrap="square" rtlCol="0">
+            <a:spAutoFit/>
+          </a:bodyPr>
+          <a:lstStyle/>
+          <a:p>
+            <a:r>
+              <a:rPr lang="en-US" dirty="0" smtClean="0"/>
+              <a:t>MOVE ARM</a:t>
+            </a:r>
+            <a:endParaRPr lang="en-US" dirty="0"/>
+          </a:p>
+        </p:txBody>
+      </p:sp>
+      <p:sp>
+        <p:nvSpPr>
+          <p:cNvPr id="12" name="TextBox 11"/>
+          <p:cNvSpPr txBox="1"/>
+          <p:nvPr/>
+        </p:nvSpPr>
+        <p:spPr>
+          <a:xfrm>
+            <a:off x="2130400" y="3577962"/>
+            <a:ext cx="991673" cy="646331"/>
+          </a:xfrm>
+          <a:prstGeom prst="rect">
+            <a:avLst/>
+          </a:prstGeom>
+          <a:noFill/>
+        </p:spPr>
+        <p:txBody>
+          <a:bodyPr wrap="square" rtlCol="0">
+            <a:spAutoFit/>
+          </a:bodyPr>
+          <a:lstStyle/>
+          <a:p>
+            <a:r>
+              <a:rPr lang="en-US" dirty="0" smtClean="0"/>
+              <a:t>MOVE HAND</a:t>
+            </a:r>
+            <a:endParaRPr lang="en-US" dirty="0"/>
+          </a:p>
+        </p:txBody>
+      </p:sp>
+      <p:cxnSp>
+        <p:nvCxnSpPr>
+          <p:cNvPr id="86" name="Curved Connector 85"/>
+          <p:cNvCxnSpPr>
+            <a:stCxn id="6" idx="1"/>
+            <a:endCxn id="8" idx="7"/>
+          </p:cNvCxnSpPr>
+          <p:nvPr/>
+        </p:nvCxnSpPr>
+        <p:spPr>
+          <a:xfrm rot="16200000" flipV="1">
+            <a:off x="7468930" y="2336253"/>
+            <a:ext cx="12700" cy="2319249"/>
+          </a:xfrm>
+          <a:prstGeom prst="curvedConnector3">
+            <a:avLst>
+              <a:gd name="adj1" fmla="val 3121732"/>
+            </a:avLst>
+          </a:prstGeom>
+          <a:ln>
+            <a:tailEnd type="triangle"/>
+          </a:ln>
+        </p:spPr>
+        <p:style>
+          <a:lnRef idx="1">
+            <a:schemeClr val="accent1"/>
+          </a:lnRef>
+          <a:fillRef idx="0">
+            <a:schemeClr val="accent1"/>
+          </a:fillRef>
+          <a:effectRef idx="0">
+            <a:schemeClr val="accent1"/>
+          </a:effectRef>
+          <a:fontRef idx="minor">
+            <a:schemeClr val="tx1"/>
+          </a:fontRef>
+        </p:style>
+      </p:cxnSp>
+      <p:cxnSp>
+        <p:nvCxnSpPr>
+          <p:cNvPr id="88" name="Curved Connector 87"/>
+          <p:cNvCxnSpPr>
+            <a:stCxn id="8" idx="5"/>
+            <a:endCxn id="6" idx="3"/>
+          </p:cNvCxnSpPr>
+          <p:nvPr/>
+        </p:nvCxnSpPr>
+        <p:spPr>
+          <a:xfrm rot="16200000" flipH="1">
+            <a:off x="7468929" y="3146753"/>
+            <a:ext cx="12700" cy="2319249"/>
+          </a:xfrm>
+          <a:prstGeom prst="curvedConnector3">
+            <a:avLst>
+              <a:gd name="adj1" fmla="val 3121732"/>
+            </a:avLst>
+          </a:prstGeom>
+          <a:ln>
+            <a:tailEnd type="triangle"/>
+          </a:ln>
+        </p:spPr>
+        <p:style>
+          <a:lnRef idx="1">
+            <a:schemeClr val="accent1"/>
+          </a:lnRef>
+          <a:fillRef idx="0">
+            <a:schemeClr val="accent1"/>
+          </a:fillRef>
+          <a:effectRef idx="0">
+            <a:schemeClr val="accent1"/>
+          </a:effectRef>
+          <a:fontRef idx="minor">
+            <a:schemeClr val="tx1"/>
+          </a:fontRef>
+        </p:style>
+      </p:cxnSp>
+      <p:cxnSp>
+        <p:nvCxnSpPr>
+          <p:cNvPr id="90" name="Curved Connector 89"/>
+          <p:cNvCxnSpPr>
+            <a:stCxn id="8" idx="1"/>
+            <a:endCxn id="5" idx="7"/>
+          </p:cNvCxnSpPr>
+          <p:nvPr/>
+        </p:nvCxnSpPr>
+        <p:spPr>
+          <a:xfrm rot="16200000" flipV="1">
+            <a:off x="4220794" y="2336253"/>
+            <a:ext cx="12700" cy="2319249"/>
+          </a:xfrm>
+          <a:prstGeom prst="curvedConnector3">
+            <a:avLst>
+              <a:gd name="adj1" fmla="val 3121732"/>
+            </a:avLst>
+          </a:prstGeom>
+          <a:ln>
+            <a:tailEnd type="triangle"/>
+          </a:ln>
+        </p:spPr>
+        <p:style>
+          <a:lnRef idx="1">
+            <a:schemeClr val="accent1"/>
+          </a:lnRef>
+          <a:fillRef idx="0">
+            <a:schemeClr val="accent1"/>
+          </a:fillRef>
+          <a:effectRef idx="0">
+            <a:schemeClr val="accent1"/>
+          </a:effectRef>
+          <a:fontRef idx="minor">
+            <a:schemeClr val="tx1"/>
+          </a:fontRef>
+        </p:style>
+      </p:cxnSp>
+      <p:cxnSp>
+        <p:nvCxnSpPr>
+          <p:cNvPr id="92" name="Curved Connector 91"/>
+          <p:cNvCxnSpPr>
+            <a:stCxn id="5" idx="5"/>
+            <a:endCxn id="8" idx="3"/>
+          </p:cNvCxnSpPr>
+          <p:nvPr/>
+        </p:nvCxnSpPr>
+        <p:spPr>
+          <a:xfrm rot="16200000" flipH="1">
+            <a:off x="4220793" y="3146753"/>
+            <a:ext cx="12700" cy="2319249"/>
+          </a:xfrm>
+          <a:prstGeom prst="curvedConnector3">
+            <a:avLst>
+              <a:gd name="adj1" fmla="val 3121732"/>
+            </a:avLst>
+          </a:prstGeom>
+          <a:ln>
+            <a:tailEnd type="triangle"/>
+          </a:ln>
+        </p:spPr>
+        <p:style>
+          <a:lnRef idx="1">
+            <a:schemeClr val="accent1"/>
+          </a:lnRef>
+          <a:fillRef idx="0">
+            <a:schemeClr val="accent1"/>
+          </a:fillRef>
+          <a:effectRef idx="0">
+            <a:schemeClr val="accent1"/>
+          </a:effectRef>
+          <a:fontRef idx="minor">
+            <a:schemeClr val="tx1"/>
+          </a:fontRef>
+        </p:style>
+      </p:cxnSp>
+      <p:cxnSp>
+        <p:nvCxnSpPr>
+          <p:cNvPr id="96" name="Curved Connector 95"/>
+          <p:cNvCxnSpPr>
+            <a:stCxn id="5" idx="4"/>
+            <a:endCxn id="6" idx="4"/>
+          </p:cNvCxnSpPr>
+          <p:nvPr/>
+        </p:nvCxnSpPr>
+        <p:spPr>
+          <a:xfrm rot="16200000" flipH="1">
+            <a:off x="5844862" y="1226102"/>
+            <a:ext cx="12700" cy="6496272"/>
+          </a:xfrm>
+          <a:prstGeom prst="curvedConnector3">
+            <a:avLst>
+              <a:gd name="adj1" fmla="val 11230984"/>
+            </a:avLst>
+          </a:prstGeom>
+          <a:ln>
+            <a:tailEnd type="triangle"/>
+          </a:ln>
+        </p:spPr>
+        <p:style>
+          <a:lnRef idx="1">
+            <a:schemeClr val="accent1"/>
+          </a:lnRef>
+          <a:fillRef idx="0">
+            <a:schemeClr val="accent1"/>
+          </a:fillRef>
+          <a:effectRef idx="0">
+            <a:schemeClr val="accent1"/>
+          </a:effectRef>
+          <a:fontRef idx="minor">
+            <a:schemeClr val="tx1"/>
+          </a:fontRef>
+        </p:style>
+      </p:cxnSp>
+      <p:sp>
+        <p:nvSpPr>
+          <p:cNvPr id="99" name="TextBox 98"/>
+          <p:cNvSpPr txBox="1"/>
+          <p:nvPr/>
+        </p:nvSpPr>
+        <p:spPr>
+          <a:xfrm>
+            <a:off x="7321259" y="2794715"/>
+            <a:ext cx="425003" cy="369332"/>
+          </a:xfrm>
+          <a:prstGeom prst="rect">
+            <a:avLst/>
+          </a:prstGeom>
+          <a:noFill/>
+        </p:spPr>
+        <p:txBody>
+          <a:bodyPr wrap="square" rtlCol="0">
+            <a:spAutoFit/>
+          </a:bodyPr>
+          <a:lstStyle/>
+          <a:p>
+            <a:r>
+              <a:rPr lang="en-US" dirty="0"/>
+              <a:t>s</a:t>
+            </a:r>
+            <a:endParaRPr lang="en-US" dirty="0"/>
+          </a:p>
+        </p:txBody>
+      </p:sp>
+      <p:sp>
+        <p:nvSpPr>
+          <p:cNvPr id="100" name="TextBox 99"/>
+          <p:cNvSpPr txBox="1"/>
+          <p:nvPr/>
+        </p:nvSpPr>
+        <p:spPr>
+          <a:xfrm>
+            <a:off x="7321258" y="4337343"/>
+            <a:ext cx="425003" cy="369332"/>
+          </a:xfrm>
+          <a:prstGeom prst="rect">
+            <a:avLst/>
+          </a:prstGeom>
+          <a:noFill/>
+        </p:spPr>
+        <p:txBody>
+          <a:bodyPr wrap="square" rtlCol="0">
+            <a:spAutoFit/>
+          </a:bodyPr>
+          <a:lstStyle/>
+          <a:p>
+            <a:r>
+              <a:rPr lang="en-US" dirty="0" smtClean="0"/>
+              <a:t>s’</a:t>
+            </a:r>
+            <a:endParaRPr lang="en-US" dirty="0"/>
+          </a:p>
+        </p:txBody>
+      </p:sp>
+      <p:sp>
+        <p:nvSpPr>
+          <p:cNvPr id="101" name="TextBox 100"/>
+          <p:cNvSpPr txBox="1"/>
+          <p:nvPr/>
+        </p:nvSpPr>
+        <p:spPr>
+          <a:xfrm>
+            <a:off x="3979572" y="2704563"/>
+            <a:ext cx="425003" cy="369332"/>
+          </a:xfrm>
+          <a:prstGeom prst="rect">
+            <a:avLst/>
+          </a:prstGeom>
+          <a:noFill/>
+        </p:spPr>
+        <p:txBody>
+          <a:bodyPr wrap="square" rtlCol="0">
+            <a:spAutoFit/>
+          </a:bodyPr>
+          <a:lstStyle/>
+          <a:p>
+            <a:r>
+              <a:rPr lang="en-US" dirty="0" smtClean="0"/>
+              <a:t>w</a:t>
+            </a:r>
+            <a:endParaRPr lang="en-US" dirty="0"/>
+          </a:p>
+        </p:txBody>
+      </p:sp>
+      <p:sp>
+        <p:nvSpPr>
+          <p:cNvPr id="102" name="TextBox 101"/>
+          <p:cNvSpPr txBox="1"/>
+          <p:nvPr/>
+        </p:nvSpPr>
+        <p:spPr>
+          <a:xfrm>
+            <a:off x="3979571" y="4283221"/>
+            <a:ext cx="557996" cy="369332"/>
+          </a:xfrm>
+          <a:prstGeom prst="rect">
+            <a:avLst/>
+          </a:prstGeom>
+          <a:noFill/>
+        </p:spPr>
+        <p:txBody>
+          <a:bodyPr wrap="square" rtlCol="0">
+            <a:spAutoFit/>
+          </a:bodyPr>
+          <a:lstStyle/>
+          <a:p>
+            <a:r>
+              <a:rPr lang="en-US" dirty="0" smtClean="0"/>
+              <a:t>w’</a:t>
+            </a:r>
+            <a:endParaRPr lang="en-US" dirty="0"/>
+          </a:p>
+        </p:txBody>
+      </p:sp>
+      <p:sp>
+        <p:nvSpPr>
+          <p:cNvPr id="103" name="TextBox 102"/>
+          <p:cNvSpPr txBox="1"/>
+          <p:nvPr/>
+        </p:nvSpPr>
+        <p:spPr>
+          <a:xfrm>
+            <a:off x="5638710" y="5446247"/>
+            <a:ext cx="425003" cy="369332"/>
+          </a:xfrm>
+          <a:prstGeom prst="rect">
+            <a:avLst/>
+          </a:prstGeom>
+          <a:noFill/>
+        </p:spPr>
+        <p:txBody>
+          <a:bodyPr wrap="square" rtlCol="0">
+            <a:spAutoFit/>
+          </a:bodyPr>
+          <a:lstStyle/>
+          <a:p>
+            <a:r>
+              <a:rPr lang="en-US" dirty="0" smtClean="0"/>
+              <a:t>s’</a:t>
+            </a:r>
+            <a:endParaRPr lang="en-US" dirty="0"/>
+          </a:p>
+        </p:txBody>
+      </p:sp>
+    </p:spTree>
+    <p:extLst>
+      <p:ext uri="{BB962C8B-B14F-4D97-AF65-F5344CB8AC3E}">
+        <p14:creationId xmlns:p14="http://schemas.microsoft.com/office/powerpoint/2010/main" val="2462767597"/>
+      </p:ext>
+    </p:extLst>
+  </p:cSld>
+  <p:clrMapOvr>
+    <a:masterClrMapping/>
+  </p:clrMapOvr>
+  <p:timing>
+    <p:tnLst>
+      <p:par>
+        <p:cTn id="1" dur="indefinite" restart="never" nodeType="tmRoot"/>
+      </p:par>
+    </p:tnLst>
+  </p:timing>
+</p:sld>
+</file>
+
+<file path=ppt/slides/slide11.xml><?xml version="1.0" encoding="utf-8"?>
+<p:sld xmlns:a="http://schemas.openxmlformats.org/drawingml/2006/main" xmlns:r="http://schemas.openxmlformats.org/officeDocument/2006/relationships" xmlns:p="http://schemas.openxmlformats.org/presentationml/2006/main">
+  <p:cSld>
+    <p:spTree>
+      <p:nvGrpSpPr>
+        <p:cNvPr id="1" name=""/>
+        <p:cNvGrpSpPr/>
+        <p:nvPr/>
+      </p:nvGrpSpPr>
+      <p:grpSpPr>
+        <a:xfrm>
+          <a:off x="0" y="0"/>
+          <a:ext cx="0" cy="0"/>
+          <a:chOff x="0" y="0"/>
+          <a:chExt cx="0" cy="0"/>
+        </a:xfrm>
+      </p:grpSpPr>
+      <p:sp>
+        <p:nvSpPr>
+          <p:cNvPr id="2" name="Title 1"/>
+          <p:cNvSpPr>
+            <a:spLocks noGrp="1"/>
+          </p:cNvSpPr>
+          <p:nvPr>
+            <p:ph type="title"/>
+          </p:nvPr>
+        </p:nvSpPr>
+        <p:spPr/>
+        <p:txBody>
+          <a:bodyPr/>
+          <a:lstStyle/>
+          <a:p>
+            <a:r>
+              <a:rPr lang="en-US" dirty="0" smtClean="0"/>
+              <a:t>Move Wheel State diagram</a:t>
+            </a:r>
+            <a:endParaRPr lang="en-US" dirty="0"/>
+          </a:p>
+        </p:txBody>
+      </p:sp>
+      <p:sp>
+        <p:nvSpPr>
+          <p:cNvPr id="4" name="Oval 3"/>
+          <p:cNvSpPr/>
+          <p:nvPr/>
+        </p:nvSpPr>
+        <p:spPr>
+          <a:xfrm>
+            <a:off x="3657599" y="5136525"/>
+            <a:ext cx="1609859" cy="1493949"/>
+          </a:xfrm>
+          <a:prstGeom prst="ellipse">
+            <a:avLst/>
+          </a:prstGeom>
+        </p:spPr>
+        <p:style>
+          <a:lnRef idx="2">
+            <a:schemeClr val="accent1">
+              <a:shade val="50000"/>
+            </a:schemeClr>
+          </a:lnRef>
+          <a:fillRef idx="1">
+            <a:schemeClr val="accent1"/>
+          </a:fillRef>
+          <a:effectRef idx="0">
+            <a:schemeClr val="accent1"/>
+          </a:effectRef>
+          <a:fontRef idx="minor">
+            <a:schemeClr val="lt1"/>
+          </a:fontRef>
+        </p:style>
+        <p:txBody>
+          <a:bodyPr rtlCol="0" anchor="ctr"/>
+          <a:lstStyle/>
+          <a:p>
+            <a:pPr algn="ctr"/>
+            <a:endParaRPr lang="en-US"/>
+          </a:p>
+        </p:txBody>
+      </p:sp>
+      <p:sp>
+        <p:nvSpPr>
+          <p:cNvPr id="5" name="Oval 4"/>
+          <p:cNvSpPr/>
+          <p:nvPr/>
+        </p:nvSpPr>
+        <p:spPr>
+          <a:xfrm>
+            <a:off x="8668039" y="5136525"/>
+            <a:ext cx="1609859" cy="1493949"/>
+          </a:xfrm>
+          <a:prstGeom prst="ellipse">
+            <a:avLst/>
+          </a:prstGeom>
+        </p:spPr>
+        <p:style>
+          <a:lnRef idx="2">
+            <a:schemeClr val="accent1">
+              <a:shade val="50000"/>
+            </a:schemeClr>
+          </a:lnRef>
+          <a:fillRef idx="1">
+            <a:schemeClr val="accent1"/>
+          </a:fillRef>
+          <a:effectRef idx="0">
+            <a:schemeClr val="accent1"/>
+          </a:effectRef>
+          <a:fontRef idx="minor">
+            <a:schemeClr val="lt1"/>
+          </a:fontRef>
+        </p:style>
+        <p:txBody>
+          <a:bodyPr rtlCol="0" anchor="ctr"/>
+          <a:lstStyle/>
+          <a:p>
+            <a:pPr algn="ctr"/>
+            <a:endParaRPr lang="en-US"/>
+          </a:p>
+        </p:txBody>
+      </p:sp>
+      <p:sp>
+        <p:nvSpPr>
+          <p:cNvPr id="6" name="Oval 5"/>
+          <p:cNvSpPr/>
+          <p:nvPr/>
+        </p:nvSpPr>
+        <p:spPr>
+          <a:xfrm>
+            <a:off x="3657599" y="1961871"/>
+            <a:ext cx="1609859" cy="1493949"/>
+          </a:xfrm>
+          <a:prstGeom prst="ellipse">
+            <a:avLst/>
+          </a:prstGeom>
+        </p:spPr>
+        <p:style>
+          <a:lnRef idx="2">
+            <a:schemeClr val="accent1">
+              <a:shade val="50000"/>
+            </a:schemeClr>
+          </a:lnRef>
+          <a:fillRef idx="1">
+            <a:schemeClr val="accent1"/>
+          </a:fillRef>
+          <a:effectRef idx="0">
+            <a:schemeClr val="accent1"/>
+          </a:effectRef>
+          <a:fontRef idx="minor">
+            <a:schemeClr val="lt1"/>
+          </a:fontRef>
+        </p:style>
+        <p:txBody>
+          <a:bodyPr rtlCol="0" anchor="ctr"/>
+          <a:lstStyle/>
+          <a:p>
+            <a:pPr algn="ctr"/>
+            <a:endParaRPr lang="en-US"/>
+          </a:p>
+        </p:txBody>
+      </p:sp>
+      <p:sp>
+        <p:nvSpPr>
+          <p:cNvPr id="7" name="Oval 6"/>
+          <p:cNvSpPr/>
+          <p:nvPr/>
+        </p:nvSpPr>
+        <p:spPr>
+          <a:xfrm>
+            <a:off x="8668038" y="1961870"/>
+            <a:ext cx="1609859" cy="1493949"/>
+          </a:xfrm>
+          <a:prstGeom prst="ellipse">
+            <a:avLst/>
+          </a:prstGeom>
+        </p:spPr>
+        <p:style>
+          <a:lnRef idx="2">
+            <a:schemeClr val="accent1">
+              <a:shade val="50000"/>
+            </a:schemeClr>
+          </a:lnRef>
+          <a:fillRef idx="1">
+            <a:schemeClr val="accent1"/>
+          </a:fillRef>
+          <a:effectRef idx="0">
+            <a:schemeClr val="accent1"/>
+          </a:effectRef>
+          <a:fontRef idx="minor">
+            <a:schemeClr val="lt1"/>
+          </a:fontRef>
+        </p:style>
+        <p:txBody>
+          <a:bodyPr rtlCol="0" anchor="ctr"/>
+          <a:lstStyle/>
+          <a:p>
+            <a:pPr algn="ctr"/>
+            <a:endParaRPr lang="en-US"/>
+          </a:p>
+        </p:txBody>
+      </p:sp>
+      <p:sp>
+        <p:nvSpPr>
+          <p:cNvPr id="8" name="Oval 7"/>
+          <p:cNvSpPr/>
+          <p:nvPr/>
+        </p:nvSpPr>
+        <p:spPr>
+          <a:xfrm>
+            <a:off x="6162819" y="3642576"/>
+            <a:ext cx="1609859" cy="1493949"/>
+          </a:xfrm>
+          <a:prstGeom prst="ellipse">
+            <a:avLst/>
+          </a:prstGeom>
+        </p:spPr>
+        <p:style>
+          <a:lnRef idx="2">
+            <a:schemeClr val="accent1">
+              <a:shade val="50000"/>
+            </a:schemeClr>
+          </a:lnRef>
+          <a:fillRef idx="1">
+            <a:schemeClr val="accent1"/>
+          </a:fillRef>
+          <a:effectRef idx="0">
+            <a:schemeClr val="accent1"/>
+          </a:effectRef>
+          <a:fontRef idx="minor">
+            <a:schemeClr val="lt1"/>
+          </a:fontRef>
+        </p:style>
+        <p:txBody>
+          <a:bodyPr rtlCol="0" anchor="ctr"/>
+          <a:lstStyle/>
+          <a:p>
+            <a:pPr algn="ctr"/>
+            <a:endParaRPr lang="en-US"/>
+          </a:p>
+        </p:txBody>
+      </p:sp>
+      <p:cxnSp>
+        <p:nvCxnSpPr>
+          <p:cNvPr id="18" name="Curved Connector 17"/>
+          <p:cNvCxnSpPr>
+            <a:stCxn id="6" idx="2"/>
+            <a:endCxn id="4" idx="2"/>
+          </p:cNvCxnSpPr>
+          <p:nvPr/>
+        </p:nvCxnSpPr>
+        <p:spPr>
+          <a:xfrm rot="10800000" flipV="1">
+            <a:off x="3657599" y="2708846"/>
+            <a:ext cx="12700" cy="3174654"/>
+          </a:xfrm>
+          <a:prstGeom prst="curvedConnector3">
+            <a:avLst>
+              <a:gd name="adj1" fmla="val 1800000"/>
+            </a:avLst>
+          </a:prstGeom>
+          <a:ln>
+            <a:tailEnd type="triangle"/>
+          </a:ln>
+        </p:spPr>
+        <p:style>
+          <a:lnRef idx="1">
+            <a:schemeClr val="accent1"/>
+          </a:lnRef>
+          <a:fillRef idx="0">
+            <a:schemeClr val="accent1"/>
+          </a:fillRef>
+          <a:effectRef idx="0">
+            <a:schemeClr val="accent1"/>
+          </a:effectRef>
+          <a:fontRef idx="minor">
+            <a:schemeClr val="tx1"/>
+          </a:fontRef>
+        </p:style>
+      </p:cxnSp>
+      <p:sp>
+        <p:nvSpPr>
+          <p:cNvPr id="19" name="TextBox 18"/>
+          <p:cNvSpPr txBox="1"/>
+          <p:nvPr/>
+        </p:nvSpPr>
+        <p:spPr>
+          <a:xfrm>
+            <a:off x="6456146" y="3758876"/>
+            <a:ext cx="1023202" cy="369332"/>
+          </a:xfrm>
+          <a:prstGeom prst="rect">
+            <a:avLst/>
+          </a:prstGeom>
+          <a:noFill/>
+        </p:spPr>
+        <p:txBody>
+          <a:bodyPr wrap="square" rtlCol="0">
+            <a:spAutoFit/>
+          </a:bodyPr>
+          <a:lstStyle/>
+          <a:p>
+            <a:pPr algn="ctr"/>
+            <a:r>
+              <a:rPr lang="en-US" dirty="0" smtClean="0"/>
+              <a:t>STOP</a:t>
+            </a:r>
+            <a:endParaRPr lang="en-US" dirty="0"/>
+          </a:p>
+        </p:txBody>
+      </p:sp>
+      <p:sp>
+        <p:nvSpPr>
+          <p:cNvPr id="20" name="TextBox 19"/>
+          <p:cNvSpPr txBox="1"/>
+          <p:nvPr/>
+        </p:nvSpPr>
+        <p:spPr>
+          <a:xfrm>
+            <a:off x="3786389" y="2524178"/>
+            <a:ext cx="1258011" cy="369332"/>
+          </a:xfrm>
+          <a:prstGeom prst="rect">
+            <a:avLst/>
+          </a:prstGeom>
+          <a:noFill/>
+        </p:spPr>
+        <p:txBody>
+          <a:bodyPr wrap="square" rtlCol="0">
+            <a:spAutoFit/>
+          </a:bodyPr>
+          <a:lstStyle/>
+          <a:p>
+            <a:pPr algn="ctr"/>
+            <a:r>
+              <a:rPr lang="en-US" dirty="0" smtClean="0"/>
+              <a:t>FORWARD</a:t>
+            </a:r>
+            <a:endParaRPr lang="en-US" dirty="0"/>
+          </a:p>
+        </p:txBody>
+      </p:sp>
+      <p:sp>
+        <p:nvSpPr>
+          <p:cNvPr id="21" name="TextBox 20"/>
+          <p:cNvSpPr txBox="1"/>
+          <p:nvPr/>
+        </p:nvSpPr>
+        <p:spPr>
+          <a:xfrm>
+            <a:off x="8796270" y="2524178"/>
+            <a:ext cx="1365537" cy="369332"/>
+          </a:xfrm>
+          <a:prstGeom prst="rect">
+            <a:avLst/>
+          </a:prstGeom>
+          <a:noFill/>
+        </p:spPr>
+        <p:txBody>
+          <a:bodyPr wrap="square" rtlCol="0">
+            <a:spAutoFit/>
+          </a:bodyPr>
+          <a:lstStyle/>
+          <a:p>
+            <a:pPr algn="ctr"/>
+            <a:r>
+              <a:rPr lang="en-US" dirty="0" smtClean="0"/>
+              <a:t>BACKWARD</a:t>
+            </a:r>
+            <a:endParaRPr lang="en-US" dirty="0"/>
+          </a:p>
+        </p:txBody>
+      </p:sp>
+      <p:sp>
+        <p:nvSpPr>
+          <p:cNvPr id="22" name="TextBox 21"/>
+          <p:cNvSpPr txBox="1"/>
+          <p:nvPr/>
+        </p:nvSpPr>
+        <p:spPr>
+          <a:xfrm>
+            <a:off x="3839873" y="5698833"/>
+            <a:ext cx="1258011" cy="369332"/>
+          </a:xfrm>
+          <a:prstGeom prst="rect">
+            <a:avLst/>
+          </a:prstGeom>
+          <a:noFill/>
+        </p:spPr>
+        <p:txBody>
+          <a:bodyPr wrap="square" rtlCol="0">
+            <a:spAutoFit/>
+          </a:bodyPr>
+          <a:lstStyle/>
+          <a:p>
+            <a:pPr algn="ctr"/>
+            <a:r>
+              <a:rPr lang="en-US" dirty="0" smtClean="0"/>
+              <a:t>LEFT</a:t>
+            </a:r>
+            <a:endParaRPr lang="en-US" dirty="0"/>
+          </a:p>
+        </p:txBody>
+      </p:sp>
+      <p:sp>
+        <p:nvSpPr>
+          <p:cNvPr id="23" name="TextBox 22"/>
+          <p:cNvSpPr txBox="1"/>
+          <p:nvPr/>
+        </p:nvSpPr>
+        <p:spPr>
+          <a:xfrm>
+            <a:off x="8903796" y="5705181"/>
+            <a:ext cx="1258011" cy="369332"/>
+          </a:xfrm>
+          <a:prstGeom prst="rect">
+            <a:avLst/>
+          </a:prstGeom>
+          <a:noFill/>
+        </p:spPr>
+        <p:txBody>
+          <a:bodyPr wrap="square" rtlCol="0">
+            <a:spAutoFit/>
+          </a:bodyPr>
+          <a:lstStyle/>
+          <a:p>
+            <a:pPr algn="ctr"/>
+            <a:r>
+              <a:rPr lang="en-US" dirty="0" smtClean="0"/>
+              <a:t>RIGHT</a:t>
+            </a:r>
+            <a:endParaRPr lang="en-US" dirty="0"/>
+          </a:p>
+        </p:txBody>
+      </p:sp>
+      <p:cxnSp>
+        <p:nvCxnSpPr>
+          <p:cNvPr id="31" name="Curved Connector 30"/>
+          <p:cNvCxnSpPr>
+            <a:stCxn id="4" idx="5"/>
+            <a:endCxn id="5" idx="3"/>
+          </p:cNvCxnSpPr>
+          <p:nvPr/>
+        </p:nvCxnSpPr>
+        <p:spPr>
+          <a:xfrm rot="16200000" flipH="1">
+            <a:off x="6967748" y="4475641"/>
+            <a:ext cx="12700" cy="3872097"/>
+          </a:xfrm>
+          <a:prstGeom prst="curvedConnector3">
+            <a:avLst>
+              <a:gd name="adj1" fmla="val 3522709"/>
+            </a:avLst>
+          </a:prstGeom>
+          <a:ln>
+            <a:tailEnd type="triangle"/>
+          </a:ln>
+        </p:spPr>
+        <p:style>
+          <a:lnRef idx="1">
+            <a:schemeClr val="accent1"/>
+          </a:lnRef>
+          <a:fillRef idx="0">
+            <a:schemeClr val="accent1"/>
+          </a:fillRef>
+          <a:effectRef idx="0">
+            <a:schemeClr val="accent1"/>
+          </a:effectRef>
+          <a:fontRef idx="minor">
+            <a:schemeClr val="tx1"/>
+          </a:fontRef>
+        </p:style>
+      </p:cxnSp>
+      <p:cxnSp>
+        <p:nvCxnSpPr>
+          <p:cNvPr id="33" name="Straight Arrow Connector 32"/>
+          <p:cNvCxnSpPr>
+            <a:stCxn id="4" idx="0"/>
+            <a:endCxn id="6" idx="4"/>
+          </p:cNvCxnSpPr>
+          <p:nvPr/>
+        </p:nvCxnSpPr>
+        <p:spPr>
+          <a:xfrm flipV="1">
+            <a:off x="4462529" y="3455820"/>
+            <a:ext cx="0" cy="1680705"/>
+          </a:xfrm>
+          <a:prstGeom prst="straightConnector1">
+            <a:avLst/>
+          </a:prstGeom>
+          <a:ln>
+            <a:tailEnd type="triangle"/>
+          </a:ln>
+        </p:spPr>
+        <p:style>
+          <a:lnRef idx="1">
+            <a:schemeClr val="accent1"/>
+          </a:lnRef>
+          <a:fillRef idx="0">
+            <a:schemeClr val="accent1"/>
+          </a:fillRef>
+          <a:effectRef idx="0">
+            <a:schemeClr val="accent1"/>
+          </a:effectRef>
+          <a:fontRef idx="minor">
+            <a:schemeClr val="tx1"/>
+          </a:fontRef>
+        </p:style>
+      </p:cxnSp>
+      <p:cxnSp>
+        <p:nvCxnSpPr>
+          <p:cNvPr id="35" name="Straight Arrow Connector 34"/>
+          <p:cNvCxnSpPr>
+            <a:stCxn id="6" idx="6"/>
+            <a:endCxn id="7" idx="2"/>
+          </p:cNvCxnSpPr>
+          <p:nvPr/>
+        </p:nvCxnSpPr>
+        <p:spPr>
+          <a:xfrm flipV="1">
+            <a:off x="5267458" y="2708845"/>
+            <a:ext cx="3400580" cy="1"/>
+          </a:xfrm>
+          <a:prstGeom prst="straightConnector1">
+            <a:avLst/>
+          </a:prstGeom>
+          <a:ln>
+            <a:tailEnd type="triangle"/>
+          </a:ln>
+        </p:spPr>
+        <p:style>
+          <a:lnRef idx="1">
+            <a:schemeClr val="accent1"/>
+          </a:lnRef>
+          <a:fillRef idx="0">
+            <a:schemeClr val="accent1"/>
+          </a:fillRef>
+          <a:effectRef idx="0">
+            <a:schemeClr val="accent1"/>
+          </a:effectRef>
+          <a:fontRef idx="minor">
+            <a:schemeClr val="tx1"/>
+          </a:fontRef>
+        </p:style>
+      </p:cxnSp>
+      <p:cxnSp>
+        <p:nvCxnSpPr>
+          <p:cNvPr id="37" name="Curved Connector 36"/>
+          <p:cNvCxnSpPr>
+            <a:stCxn id="7" idx="1"/>
+            <a:endCxn id="6" idx="7"/>
+          </p:cNvCxnSpPr>
+          <p:nvPr/>
+        </p:nvCxnSpPr>
+        <p:spPr>
+          <a:xfrm rot="16200000" flipH="1" flipV="1">
+            <a:off x="6967747" y="244606"/>
+            <a:ext cx="1" cy="3872096"/>
+          </a:xfrm>
+          <a:prstGeom prst="curvedConnector3">
+            <a:avLst>
+              <a:gd name="adj1" fmla="val -44738400000"/>
+            </a:avLst>
+          </a:prstGeom>
+          <a:ln>
+            <a:tailEnd type="triangle"/>
+          </a:ln>
+        </p:spPr>
+        <p:style>
+          <a:lnRef idx="1">
+            <a:schemeClr val="accent1"/>
+          </a:lnRef>
+          <a:fillRef idx="0">
+            <a:schemeClr val="accent1"/>
+          </a:fillRef>
+          <a:effectRef idx="0">
+            <a:schemeClr val="accent1"/>
+          </a:effectRef>
+          <a:fontRef idx="minor">
+            <a:schemeClr val="tx1"/>
+          </a:fontRef>
+        </p:style>
+      </p:cxnSp>
+      <p:cxnSp>
+        <p:nvCxnSpPr>
+          <p:cNvPr id="39" name="Straight Arrow Connector 38"/>
+          <p:cNvCxnSpPr>
+            <a:stCxn id="7" idx="4"/>
+            <a:endCxn id="5" idx="0"/>
+          </p:cNvCxnSpPr>
+          <p:nvPr/>
+        </p:nvCxnSpPr>
+        <p:spPr>
+          <a:xfrm>
+            <a:off x="9472968" y="3455819"/>
+            <a:ext cx="1" cy="1680706"/>
+          </a:xfrm>
+          <a:prstGeom prst="straightConnector1">
+            <a:avLst/>
+          </a:prstGeom>
+          <a:ln>
+            <a:tailEnd type="triangle"/>
+          </a:ln>
+        </p:spPr>
+        <p:style>
+          <a:lnRef idx="1">
+            <a:schemeClr val="accent1"/>
+          </a:lnRef>
+          <a:fillRef idx="0">
+            <a:schemeClr val="accent1"/>
+          </a:fillRef>
+          <a:effectRef idx="0">
+            <a:schemeClr val="accent1"/>
+          </a:effectRef>
+          <a:fontRef idx="minor">
+            <a:schemeClr val="tx1"/>
+          </a:fontRef>
+        </p:style>
+      </p:cxnSp>
+      <p:cxnSp>
+        <p:nvCxnSpPr>
+          <p:cNvPr id="41" name="Straight Arrow Connector 40"/>
+          <p:cNvCxnSpPr>
+            <a:stCxn id="5" idx="2"/>
+            <a:endCxn id="4" idx="6"/>
+          </p:cNvCxnSpPr>
+          <p:nvPr/>
+        </p:nvCxnSpPr>
+        <p:spPr>
+          <a:xfrm flipH="1">
+            <a:off x="5267458" y="5883500"/>
+            <a:ext cx="3400581" cy="0"/>
+          </a:xfrm>
+          <a:prstGeom prst="straightConnector1">
+            <a:avLst/>
+          </a:prstGeom>
+          <a:ln>
+            <a:tailEnd type="triangle"/>
+          </a:ln>
+        </p:spPr>
+        <p:style>
+          <a:lnRef idx="1">
+            <a:schemeClr val="accent1"/>
+          </a:lnRef>
+          <a:fillRef idx="0">
+            <a:schemeClr val="accent1"/>
+          </a:fillRef>
+          <a:effectRef idx="0">
+            <a:schemeClr val="accent1"/>
+          </a:effectRef>
+          <a:fontRef idx="minor">
+            <a:schemeClr val="tx1"/>
+          </a:fontRef>
+        </p:style>
+      </p:cxnSp>
+      <p:cxnSp>
+        <p:nvCxnSpPr>
+          <p:cNvPr id="44" name="Straight Arrow Connector 43"/>
+          <p:cNvCxnSpPr>
+            <a:stCxn id="7" idx="3"/>
+            <a:endCxn id="4" idx="7"/>
+          </p:cNvCxnSpPr>
+          <p:nvPr/>
+        </p:nvCxnSpPr>
+        <p:spPr>
+          <a:xfrm flipH="1">
+            <a:off x="5031700" y="3237035"/>
+            <a:ext cx="3872096" cy="2118274"/>
+          </a:xfrm>
+          <a:prstGeom prst="straightConnector1">
+            <a:avLst/>
+          </a:prstGeom>
+          <a:ln>
+            <a:headEnd type="triangle"/>
+            <a:tailEnd type="triangle"/>
+          </a:ln>
+        </p:spPr>
+        <p:style>
+          <a:lnRef idx="1">
+            <a:schemeClr val="accent1"/>
+          </a:lnRef>
+          <a:fillRef idx="0">
+            <a:schemeClr val="accent1"/>
+          </a:fillRef>
+          <a:effectRef idx="0">
+            <a:schemeClr val="accent1"/>
+          </a:effectRef>
+          <a:fontRef idx="minor">
+            <a:schemeClr val="tx1"/>
+          </a:fontRef>
+        </p:style>
+      </p:cxnSp>
+      <p:cxnSp>
+        <p:nvCxnSpPr>
+          <p:cNvPr id="46" name="Straight Arrow Connector 45"/>
+          <p:cNvCxnSpPr>
+            <a:stCxn id="6" idx="5"/>
+            <a:endCxn id="5" idx="1"/>
+          </p:cNvCxnSpPr>
+          <p:nvPr/>
+        </p:nvCxnSpPr>
+        <p:spPr>
+          <a:xfrm>
+            <a:off x="5031700" y="3237036"/>
+            <a:ext cx="3872097" cy="2118273"/>
+          </a:xfrm>
+          <a:prstGeom prst="straightConnector1">
+            <a:avLst/>
+          </a:prstGeom>
+          <a:ln>
+            <a:headEnd type="triangle"/>
+            <a:tailEnd type="triangle"/>
+          </a:ln>
+        </p:spPr>
+        <p:style>
+          <a:lnRef idx="1">
+            <a:schemeClr val="accent1"/>
+          </a:lnRef>
+          <a:fillRef idx="0">
+            <a:schemeClr val="accent1"/>
+          </a:fillRef>
+          <a:effectRef idx="0">
+            <a:schemeClr val="accent1"/>
+          </a:effectRef>
+          <a:fontRef idx="minor">
+            <a:schemeClr val="tx1"/>
+          </a:fontRef>
+        </p:style>
+      </p:cxnSp>
+      <p:sp>
+        <p:nvSpPr>
+          <p:cNvPr id="47" name="TextBox 46"/>
+          <p:cNvSpPr txBox="1"/>
+          <p:nvPr/>
+        </p:nvSpPr>
+        <p:spPr>
+          <a:xfrm>
+            <a:off x="4226772" y="4111506"/>
+            <a:ext cx="476518" cy="369332"/>
+          </a:xfrm>
+          <a:prstGeom prst="rect">
+            <a:avLst/>
+          </a:prstGeom>
+          <a:noFill/>
+        </p:spPr>
+        <p:txBody>
+          <a:bodyPr wrap="square" rtlCol="0">
+            <a:spAutoFit/>
+          </a:bodyPr>
+          <a:lstStyle/>
+          <a:p>
+            <a:r>
+              <a:rPr lang="en-US" dirty="0" smtClean="0"/>
+              <a:t>f</a:t>
+            </a:r>
+            <a:endParaRPr lang="en-US" dirty="0"/>
+          </a:p>
+        </p:txBody>
+      </p:sp>
+      <p:sp>
+        <p:nvSpPr>
+          <p:cNvPr id="48" name="TextBox 47"/>
+          <p:cNvSpPr txBox="1"/>
+          <p:nvPr/>
+        </p:nvSpPr>
+        <p:spPr>
+          <a:xfrm>
+            <a:off x="6697798" y="2344626"/>
+            <a:ext cx="476518" cy="369332"/>
+          </a:xfrm>
+          <a:prstGeom prst="rect">
+            <a:avLst/>
+          </a:prstGeom>
+          <a:noFill/>
+        </p:spPr>
+        <p:txBody>
+          <a:bodyPr wrap="square" rtlCol="0">
+            <a:spAutoFit/>
+          </a:bodyPr>
+          <a:lstStyle/>
+          <a:p>
+            <a:r>
+              <a:rPr lang="en-US" dirty="0" smtClean="0"/>
+              <a:t>b</a:t>
+            </a:r>
+            <a:endParaRPr lang="en-US" dirty="0"/>
+          </a:p>
+        </p:txBody>
+      </p:sp>
+      <p:sp>
+        <p:nvSpPr>
+          <p:cNvPr id="49" name="TextBox 48"/>
+          <p:cNvSpPr txBox="1"/>
+          <p:nvPr/>
+        </p:nvSpPr>
+        <p:spPr>
+          <a:xfrm>
+            <a:off x="7983063" y="4968534"/>
+            <a:ext cx="476518" cy="369332"/>
+          </a:xfrm>
+          <a:prstGeom prst="rect">
+            <a:avLst/>
+          </a:prstGeom>
+          <a:noFill/>
+        </p:spPr>
+        <p:txBody>
+          <a:bodyPr wrap="square" rtlCol="0">
+            <a:spAutoFit/>
+          </a:bodyPr>
+          <a:lstStyle/>
+          <a:p>
+            <a:r>
+              <a:rPr lang="en-US" dirty="0"/>
+              <a:t>r</a:t>
+            </a:r>
+            <a:endParaRPr lang="en-US" dirty="0"/>
+          </a:p>
+        </p:txBody>
+      </p:sp>
+      <p:sp>
+        <p:nvSpPr>
+          <p:cNvPr id="50" name="TextBox 49"/>
+          <p:cNvSpPr txBox="1"/>
+          <p:nvPr/>
+        </p:nvSpPr>
+        <p:spPr>
+          <a:xfrm>
+            <a:off x="10570893" y="4111506"/>
+            <a:ext cx="476518" cy="369332"/>
+          </a:xfrm>
+          <a:prstGeom prst="rect">
+            <a:avLst/>
+          </a:prstGeom>
+          <a:noFill/>
+        </p:spPr>
+        <p:txBody>
+          <a:bodyPr wrap="square" rtlCol="0">
+            <a:spAutoFit/>
+          </a:bodyPr>
+          <a:lstStyle/>
+          <a:p>
+            <a:r>
+              <a:rPr lang="en-US" dirty="0" smtClean="0"/>
+              <a:t>b</a:t>
+            </a:r>
+            <a:endParaRPr lang="en-US" dirty="0"/>
+          </a:p>
+        </p:txBody>
+      </p:sp>
+      <p:sp>
+        <p:nvSpPr>
+          <p:cNvPr id="51" name="TextBox 50"/>
+          <p:cNvSpPr txBox="1"/>
+          <p:nvPr/>
+        </p:nvSpPr>
+        <p:spPr>
+          <a:xfrm>
+            <a:off x="5711373" y="3255140"/>
+            <a:ext cx="476518" cy="369332"/>
+          </a:xfrm>
+          <a:prstGeom prst="rect">
+            <a:avLst/>
+          </a:prstGeom>
+          <a:noFill/>
+        </p:spPr>
+        <p:txBody>
+          <a:bodyPr wrap="square" rtlCol="0">
+            <a:spAutoFit/>
+          </a:bodyPr>
+          <a:lstStyle/>
+          <a:p>
+            <a:r>
+              <a:rPr lang="en-US" dirty="0"/>
+              <a:t>f</a:t>
+            </a:r>
+            <a:endParaRPr lang="en-US" dirty="0"/>
+          </a:p>
+        </p:txBody>
+      </p:sp>
+      <p:sp>
+        <p:nvSpPr>
+          <p:cNvPr id="52" name="TextBox 51"/>
+          <p:cNvSpPr txBox="1"/>
+          <p:nvPr/>
+        </p:nvSpPr>
+        <p:spPr>
+          <a:xfrm>
+            <a:off x="6697798" y="1797160"/>
+            <a:ext cx="476518" cy="369332"/>
+          </a:xfrm>
+          <a:prstGeom prst="rect">
+            <a:avLst/>
+          </a:prstGeom>
+          <a:noFill/>
+        </p:spPr>
+        <p:txBody>
+          <a:bodyPr wrap="square" rtlCol="0">
+            <a:spAutoFit/>
+          </a:bodyPr>
+          <a:lstStyle/>
+          <a:p>
+            <a:r>
+              <a:rPr lang="en-US" dirty="0"/>
+              <a:t>f</a:t>
+            </a:r>
+            <a:endParaRPr lang="en-US" dirty="0"/>
+          </a:p>
+        </p:txBody>
+      </p:sp>
+      <p:sp>
+        <p:nvSpPr>
+          <p:cNvPr id="53" name="TextBox 52"/>
+          <p:cNvSpPr txBox="1"/>
+          <p:nvPr/>
+        </p:nvSpPr>
+        <p:spPr>
+          <a:xfrm>
+            <a:off x="7936087" y="3273244"/>
+            <a:ext cx="476518" cy="369332"/>
+          </a:xfrm>
+          <a:prstGeom prst="rect">
+            <a:avLst/>
+          </a:prstGeom>
+          <a:noFill/>
+        </p:spPr>
+        <p:txBody>
+          <a:bodyPr wrap="square" rtlCol="0">
+            <a:spAutoFit/>
+          </a:bodyPr>
+          <a:lstStyle/>
+          <a:p>
+            <a:r>
+              <a:rPr lang="en-US" dirty="0" smtClean="0"/>
+              <a:t>b</a:t>
+            </a:r>
+            <a:endParaRPr lang="en-US" dirty="0"/>
+          </a:p>
+        </p:txBody>
+      </p:sp>
+      <p:cxnSp>
+        <p:nvCxnSpPr>
+          <p:cNvPr id="59" name="Curved Connector 58"/>
+          <p:cNvCxnSpPr>
+            <a:stCxn id="5" idx="6"/>
+            <a:endCxn id="7" idx="6"/>
+          </p:cNvCxnSpPr>
+          <p:nvPr/>
+        </p:nvCxnSpPr>
+        <p:spPr>
+          <a:xfrm flipH="1" flipV="1">
+            <a:off x="10277897" y="2708845"/>
+            <a:ext cx="1" cy="3174655"/>
+          </a:xfrm>
+          <a:prstGeom prst="curvedConnector3">
+            <a:avLst>
+              <a:gd name="adj1" fmla="val -22860000000"/>
+            </a:avLst>
+          </a:prstGeom>
+          <a:ln>
+            <a:tailEnd type="triangle"/>
+          </a:ln>
+        </p:spPr>
+        <p:style>
+          <a:lnRef idx="1">
+            <a:schemeClr val="accent1"/>
+          </a:lnRef>
+          <a:fillRef idx="0">
+            <a:schemeClr val="accent1"/>
+          </a:fillRef>
+          <a:effectRef idx="0">
+            <a:schemeClr val="accent1"/>
+          </a:effectRef>
+          <a:fontRef idx="minor">
+            <a:schemeClr val="tx1"/>
+          </a:fontRef>
+        </p:style>
+      </p:cxnSp>
+      <p:sp>
+        <p:nvSpPr>
+          <p:cNvPr id="60" name="TextBox 59"/>
+          <p:cNvSpPr txBox="1"/>
+          <p:nvPr/>
+        </p:nvSpPr>
+        <p:spPr>
+          <a:xfrm>
+            <a:off x="9577127" y="4111506"/>
+            <a:ext cx="476518" cy="369332"/>
+          </a:xfrm>
+          <a:prstGeom prst="rect">
+            <a:avLst/>
+          </a:prstGeom>
+          <a:noFill/>
+        </p:spPr>
+        <p:txBody>
+          <a:bodyPr wrap="square" rtlCol="0">
+            <a:spAutoFit/>
+          </a:bodyPr>
+          <a:lstStyle/>
+          <a:p>
+            <a:r>
+              <a:rPr lang="en-US" dirty="0"/>
+              <a:t>r</a:t>
+            </a:r>
+            <a:endParaRPr lang="en-US" dirty="0"/>
+          </a:p>
+        </p:txBody>
+      </p:sp>
+      <p:sp>
+        <p:nvSpPr>
+          <p:cNvPr id="61" name="TextBox 60"/>
+          <p:cNvSpPr txBox="1"/>
+          <p:nvPr/>
+        </p:nvSpPr>
+        <p:spPr>
+          <a:xfrm>
+            <a:off x="3123035" y="4111506"/>
+            <a:ext cx="476518" cy="369332"/>
+          </a:xfrm>
+          <a:prstGeom prst="rect">
+            <a:avLst/>
+          </a:prstGeom>
+          <a:noFill/>
+        </p:spPr>
+        <p:txBody>
+          <a:bodyPr wrap="square" rtlCol="0">
+            <a:spAutoFit/>
+          </a:bodyPr>
+          <a:lstStyle/>
+          <a:p>
+            <a:r>
+              <a:rPr lang="en-US" dirty="0"/>
+              <a:t>l</a:t>
+            </a:r>
+            <a:endParaRPr lang="en-US" dirty="0"/>
+          </a:p>
+        </p:txBody>
+      </p:sp>
+      <p:sp>
+        <p:nvSpPr>
+          <p:cNvPr id="62" name="TextBox 61"/>
+          <p:cNvSpPr txBox="1"/>
+          <p:nvPr/>
+        </p:nvSpPr>
+        <p:spPr>
+          <a:xfrm>
+            <a:off x="6904415" y="5424631"/>
+            <a:ext cx="476518" cy="369332"/>
+          </a:xfrm>
+          <a:prstGeom prst="rect">
+            <a:avLst/>
+          </a:prstGeom>
+          <a:noFill/>
+        </p:spPr>
+        <p:txBody>
+          <a:bodyPr wrap="square" rtlCol="0">
+            <a:spAutoFit/>
+          </a:bodyPr>
+          <a:lstStyle/>
+          <a:p>
+            <a:r>
+              <a:rPr lang="en-US" dirty="0"/>
+              <a:t>l</a:t>
+            </a:r>
+            <a:endParaRPr lang="en-US" dirty="0"/>
+          </a:p>
+        </p:txBody>
+      </p:sp>
+      <p:sp>
+        <p:nvSpPr>
+          <p:cNvPr id="63" name="TextBox 62"/>
+          <p:cNvSpPr txBox="1"/>
+          <p:nvPr/>
+        </p:nvSpPr>
+        <p:spPr>
+          <a:xfrm>
+            <a:off x="5438235" y="4707247"/>
+            <a:ext cx="476518" cy="369332"/>
+          </a:xfrm>
+          <a:prstGeom prst="rect">
+            <a:avLst/>
+          </a:prstGeom>
+          <a:noFill/>
+        </p:spPr>
+        <p:txBody>
+          <a:bodyPr wrap="square" rtlCol="0">
+            <a:spAutoFit/>
+          </a:bodyPr>
+          <a:lstStyle/>
+          <a:p>
+            <a:r>
+              <a:rPr lang="en-US" dirty="0"/>
+              <a:t>l</a:t>
+            </a:r>
+            <a:endParaRPr lang="en-US" dirty="0"/>
+          </a:p>
+        </p:txBody>
+      </p:sp>
+      <p:sp>
+        <p:nvSpPr>
+          <p:cNvPr id="64" name="TextBox 63"/>
+          <p:cNvSpPr txBox="1"/>
+          <p:nvPr/>
+        </p:nvSpPr>
+        <p:spPr>
+          <a:xfrm>
+            <a:off x="6904415" y="6411689"/>
+            <a:ext cx="476518" cy="369332"/>
+          </a:xfrm>
+          <a:prstGeom prst="rect">
+            <a:avLst/>
+          </a:prstGeom>
+          <a:noFill/>
+        </p:spPr>
+        <p:txBody>
+          <a:bodyPr wrap="square" rtlCol="0">
+            <a:spAutoFit/>
+          </a:bodyPr>
+          <a:lstStyle/>
+          <a:p>
+            <a:r>
+              <a:rPr lang="en-US" dirty="0"/>
+              <a:t>r</a:t>
+            </a:r>
+            <a:endParaRPr lang="en-US" dirty="0"/>
+          </a:p>
+        </p:txBody>
+      </p:sp>
+      <p:sp>
+        <p:nvSpPr>
+          <p:cNvPr id="65" name="TextBox 64"/>
+          <p:cNvSpPr txBox="1"/>
+          <p:nvPr/>
+        </p:nvSpPr>
+        <p:spPr>
+          <a:xfrm>
+            <a:off x="6362538" y="4076531"/>
+            <a:ext cx="1410140" cy="923330"/>
+          </a:xfrm>
+          <a:prstGeom prst="rect">
+            <a:avLst/>
+          </a:prstGeom>
+          <a:noFill/>
+        </p:spPr>
+        <p:txBody>
+          <a:bodyPr wrap="square" rtlCol="0">
+            <a:spAutoFit/>
+          </a:bodyPr>
+          <a:lstStyle/>
+          <a:p>
+            <a:r>
+              <a:rPr lang="en-US" dirty="0" smtClean="0"/>
+              <a:t>All inputs of (s) will move to this state</a:t>
+            </a:r>
+            <a:endParaRPr lang="en-US" dirty="0"/>
+          </a:p>
+        </p:txBody>
+      </p:sp>
+    </p:spTree>
+    <p:extLst>
+      <p:ext uri="{BB962C8B-B14F-4D97-AF65-F5344CB8AC3E}">
+        <p14:creationId xmlns:p14="http://schemas.microsoft.com/office/powerpoint/2010/main" val="3634806739"/>
+      </p:ext>
+    </p:extLst>
+  </p:cSld>
+  <p:clrMapOvr>
+    <a:masterClrMapping/>
+  </p:clrMapOvr>
+  <p:timing>
+    <p:tnLst>
+      <p:par>
+        <p:cTn id="1" dur="indefinite" restart="never" nodeType="tmRoot"/>
+      </p:par>
+    </p:tnLst>
+  </p:timing>
+</p:sld>
+</file>
+
+<file path=ppt/slides/slide12.xml><?xml version="1.0" encoding="utf-8"?>
+<p:sld xmlns:a="http://schemas.openxmlformats.org/drawingml/2006/main" xmlns:r="http://schemas.openxmlformats.org/officeDocument/2006/relationships" xmlns:p="http://schemas.openxmlformats.org/presentationml/2006/main">
+  <p:cSld>
+    <p:spTree>
+      <p:nvGrpSpPr>
+        <p:cNvPr id="1" name=""/>
+        <p:cNvGrpSpPr/>
+        <p:nvPr/>
+      </p:nvGrpSpPr>
+      <p:grpSpPr>
+        <a:xfrm>
+          <a:off x="0" y="0"/>
+          <a:ext cx="0" cy="0"/>
+          <a:chOff x="0" y="0"/>
+          <a:chExt cx="0" cy="0"/>
+        </a:xfrm>
+      </p:grpSpPr>
+      <p:sp>
+        <p:nvSpPr>
+          <p:cNvPr id="2" name="Title 1"/>
+          <p:cNvSpPr>
+            <a:spLocks noGrp="1"/>
+          </p:cNvSpPr>
+          <p:nvPr>
+            <p:ph type="title"/>
+          </p:nvPr>
+        </p:nvSpPr>
+        <p:spPr/>
+        <p:txBody>
+          <a:bodyPr/>
+          <a:lstStyle/>
+          <a:p>
+            <a:r>
+              <a:rPr lang="en-US" dirty="0" smtClean="0"/>
+              <a:t>ARM state diagram</a:t>
+            </a:r>
+            <a:endParaRPr lang="en-US" dirty="0"/>
+          </a:p>
+        </p:txBody>
+      </p:sp>
+      <p:sp>
+        <p:nvSpPr>
+          <p:cNvPr id="4" name="Oval 3"/>
+          <p:cNvSpPr/>
+          <p:nvPr/>
+        </p:nvSpPr>
+        <p:spPr>
+          <a:xfrm>
+            <a:off x="3657599" y="5136525"/>
+            <a:ext cx="1609859" cy="1493949"/>
+          </a:xfrm>
+          <a:prstGeom prst="ellipse">
+            <a:avLst/>
+          </a:prstGeom>
+        </p:spPr>
+        <p:style>
+          <a:lnRef idx="2">
+            <a:schemeClr val="accent1">
+              <a:shade val="50000"/>
+            </a:schemeClr>
+          </a:lnRef>
+          <a:fillRef idx="1">
+            <a:schemeClr val="accent1"/>
+          </a:fillRef>
+          <a:effectRef idx="0">
+            <a:schemeClr val="accent1"/>
+          </a:effectRef>
+          <a:fontRef idx="minor">
+            <a:schemeClr val="lt1"/>
+          </a:fontRef>
+        </p:style>
+        <p:txBody>
+          <a:bodyPr rtlCol="0" anchor="ctr"/>
+          <a:lstStyle/>
+          <a:p>
+            <a:pPr algn="ctr"/>
+            <a:endParaRPr lang="en-US"/>
+          </a:p>
+        </p:txBody>
+      </p:sp>
+      <p:sp>
+        <p:nvSpPr>
+          <p:cNvPr id="5" name="Oval 4"/>
+          <p:cNvSpPr/>
+          <p:nvPr/>
+        </p:nvSpPr>
+        <p:spPr>
+          <a:xfrm>
+            <a:off x="8668039" y="5136525"/>
+            <a:ext cx="1609859" cy="1493949"/>
+          </a:xfrm>
+          <a:prstGeom prst="ellipse">
+            <a:avLst/>
+          </a:prstGeom>
+        </p:spPr>
+        <p:style>
+          <a:lnRef idx="2">
+            <a:schemeClr val="accent1">
+              <a:shade val="50000"/>
+            </a:schemeClr>
+          </a:lnRef>
+          <a:fillRef idx="1">
+            <a:schemeClr val="accent1"/>
+          </a:fillRef>
+          <a:effectRef idx="0">
+            <a:schemeClr val="accent1"/>
+          </a:effectRef>
+          <a:fontRef idx="minor">
+            <a:schemeClr val="lt1"/>
+          </a:fontRef>
+        </p:style>
+        <p:txBody>
+          <a:bodyPr rtlCol="0" anchor="ctr"/>
+          <a:lstStyle/>
+          <a:p>
+            <a:pPr algn="ctr"/>
+            <a:endParaRPr lang="en-US"/>
+          </a:p>
+        </p:txBody>
+      </p:sp>
+      <p:sp>
+        <p:nvSpPr>
+          <p:cNvPr id="6" name="Oval 5"/>
+          <p:cNvSpPr/>
+          <p:nvPr/>
+        </p:nvSpPr>
+        <p:spPr>
+          <a:xfrm>
+            <a:off x="3657599" y="1961871"/>
+            <a:ext cx="1609859" cy="1493949"/>
+          </a:xfrm>
+          <a:prstGeom prst="ellipse">
+            <a:avLst/>
+          </a:prstGeom>
+        </p:spPr>
+        <p:style>
+          <a:lnRef idx="2">
+            <a:schemeClr val="accent1">
+              <a:shade val="50000"/>
+            </a:schemeClr>
+          </a:lnRef>
+          <a:fillRef idx="1">
+            <a:schemeClr val="accent1"/>
+          </a:fillRef>
+          <a:effectRef idx="0">
+            <a:schemeClr val="accent1"/>
+          </a:effectRef>
+          <a:fontRef idx="minor">
+            <a:schemeClr val="lt1"/>
+          </a:fontRef>
+        </p:style>
+        <p:txBody>
+          <a:bodyPr rtlCol="0" anchor="ctr"/>
+          <a:lstStyle/>
+          <a:p>
+            <a:pPr algn="ctr"/>
+            <a:endParaRPr lang="en-US"/>
+          </a:p>
+        </p:txBody>
+      </p:sp>
+      <p:sp>
+        <p:nvSpPr>
+          <p:cNvPr id="7" name="Oval 6"/>
+          <p:cNvSpPr/>
+          <p:nvPr/>
+        </p:nvSpPr>
+        <p:spPr>
+          <a:xfrm>
+            <a:off x="8668038" y="1961870"/>
+            <a:ext cx="1609859" cy="1493949"/>
+          </a:xfrm>
+          <a:prstGeom prst="ellipse">
+            <a:avLst/>
+          </a:prstGeom>
+        </p:spPr>
+        <p:style>
+          <a:lnRef idx="2">
+            <a:schemeClr val="accent1">
+              <a:shade val="50000"/>
+            </a:schemeClr>
+          </a:lnRef>
+          <a:fillRef idx="1">
+            <a:schemeClr val="accent1"/>
+          </a:fillRef>
+          <a:effectRef idx="0">
+            <a:schemeClr val="accent1"/>
+          </a:effectRef>
+          <a:fontRef idx="minor">
+            <a:schemeClr val="lt1"/>
+          </a:fontRef>
+        </p:style>
+        <p:txBody>
+          <a:bodyPr rtlCol="0" anchor="ctr"/>
+          <a:lstStyle/>
+          <a:p>
+            <a:pPr algn="ctr"/>
+            <a:endParaRPr lang="en-US"/>
+          </a:p>
+        </p:txBody>
+      </p:sp>
+      <p:sp>
+        <p:nvSpPr>
+          <p:cNvPr id="8" name="Oval 7"/>
+          <p:cNvSpPr/>
+          <p:nvPr/>
+        </p:nvSpPr>
+        <p:spPr>
+          <a:xfrm>
+            <a:off x="6162819" y="3642576"/>
+            <a:ext cx="1609859" cy="1493949"/>
+          </a:xfrm>
+          <a:prstGeom prst="ellipse">
+            <a:avLst/>
+          </a:prstGeom>
+        </p:spPr>
+        <p:style>
+          <a:lnRef idx="2">
+            <a:schemeClr val="accent1">
+              <a:shade val="50000"/>
+            </a:schemeClr>
+          </a:lnRef>
+          <a:fillRef idx="1">
+            <a:schemeClr val="accent1"/>
+          </a:fillRef>
+          <a:effectRef idx="0">
+            <a:schemeClr val="accent1"/>
+          </a:effectRef>
+          <a:fontRef idx="minor">
+            <a:schemeClr val="lt1"/>
+          </a:fontRef>
+        </p:style>
+        <p:txBody>
+          <a:bodyPr rtlCol="0" anchor="ctr"/>
+          <a:lstStyle/>
+          <a:p>
+            <a:pPr algn="ctr"/>
+            <a:endParaRPr lang="en-US"/>
+          </a:p>
+        </p:txBody>
+      </p:sp>
+      <p:sp>
+        <p:nvSpPr>
+          <p:cNvPr id="10" name="TextBox 9"/>
+          <p:cNvSpPr txBox="1"/>
+          <p:nvPr/>
+        </p:nvSpPr>
+        <p:spPr>
+          <a:xfrm>
+            <a:off x="6456147" y="4204884"/>
+            <a:ext cx="1023202" cy="369332"/>
+          </a:xfrm>
+          <a:prstGeom prst="rect">
+            <a:avLst/>
+          </a:prstGeom>
+          <a:noFill/>
+        </p:spPr>
+        <p:txBody>
+          <a:bodyPr wrap="square" rtlCol="0">
+            <a:spAutoFit/>
+          </a:bodyPr>
+          <a:lstStyle/>
+          <a:p>
+            <a:pPr algn="ctr"/>
+            <a:r>
+              <a:rPr lang="en-US" dirty="0" smtClean="0"/>
+              <a:t>IDLE</a:t>
+            </a:r>
+            <a:endParaRPr lang="en-US" dirty="0"/>
+          </a:p>
+        </p:txBody>
+      </p:sp>
+      <p:sp>
+        <p:nvSpPr>
+          <p:cNvPr id="11" name="TextBox 10"/>
+          <p:cNvSpPr txBox="1"/>
+          <p:nvPr/>
+        </p:nvSpPr>
+        <p:spPr>
+          <a:xfrm>
+            <a:off x="3786389" y="2524178"/>
+            <a:ext cx="1258011" cy="646331"/>
+          </a:xfrm>
+          <a:prstGeom prst="rect">
+            <a:avLst/>
+          </a:prstGeom>
+          <a:noFill/>
+        </p:spPr>
+        <p:txBody>
+          <a:bodyPr wrap="square" rtlCol="0">
+            <a:spAutoFit/>
+          </a:bodyPr>
+          <a:lstStyle/>
+          <a:p>
+            <a:pPr algn="ctr"/>
+            <a:r>
+              <a:rPr lang="en-US" dirty="0" smtClean="0"/>
+              <a:t>SHOULDER UP</a:t>
+            </a:r>
+            <a:endParaRPr lang="en-US" dirty="0"/>
+          </a:p>
+        </p:txBody>
+      </p:sp>
+      <p:sp>
+        <p:nvSpPr>
+          <p:cNvPr id="12" name="TextBox 11"/>
+          <p:cNvSpPr txBox="1"/>
+          <p:nvPr/>
+        </p:nvSpPr>
+        <p:spPr>
+          <a:xfrm>
+            <a:off x="8796270" y="2376049"/>
+            <a:ext cx="1365537" cy="646331"/>
+          </a:xfrm>
+          <a:prstGeom prst="rect">
+            <a:avLst/>
+          </a:prstGeom>
+          <a:noFill/>
+        </p:spPr>
+        <p:txBody>
+          <a:bodyPr wrap="square" rtlCol="0">
+            <a:spAutoFit/>
+          </a:bodyPr>
+          <a:lstStyle/>
+          <a:p>
+            <a:pPr algn="ctr"/>
+            <a:r>
+              <a:rPr lang="en-US" dirty="0" smtClean="0"/>
+              <a:t>SHOULDER DOWN</a:t>
+            </a:r>
+            <a:endParaRPr lang="en-US" dirty="0"/>
+          </a:p>
+        </p:txBody>
+      </p:sp>
+      <p:sp>
+        <p:nvSpPr>
+          <p:cNvPr id="13" name="TextBox 12"/>
+          <p:cNvSpPr txBox="1"/>
+          <p:nvPr/>
+        </p:nvSpPr>
+        <p:spPr>
+          <a:xfrm>
+            <a:off x="3839873" y="5698833"/>
+            <a:ext cx="1258011" cy="369332"/>
+          </a:xfrm>
+          <a:prstGeom prst="rect">
+            <a:avLst/>
+          </a:prstGeom>
+          <a:noFill/>
+        </p:spPr>
+        <p:txBody>
+          <a:bodyPr wrap="square" rtlCol="0">
+            <a:spAutoFit/>
+          </a:bodyPr>
+          <a:lstStyle/>
+          <a:p>
+            <a:pPr algn="ctr"/>
+            <a:r>
+              <a:rPr lang="en-US" dirty="0" smtClean="0"/>
+              <a:t>ELBOW UP</a:t>
+            </a:r>
+            <a:endParaRPr lang="en-US" dirty="0"/>
+          </a:p>
+        </p:txBody>
+      </p:sp>
+      <p:sp>
+        <p:nvSpPr>
+          <p:cNvPr id="14" name="TextBox 13"/>
+          <p:cNvSpPr txBox="1"/>
+          <p:nvPr/>
+        </p:nvSpPr>
+        <p:spPr>
+          <a:xfrm>
+            <a:off x="8903796" y="5557107"/>
+            <a:ext cx="1258011" cy="646331"/>
+          </a:xfrm>
+          <a:prstGeom prst="rect">
+            <a:avLst/>
+          </a:prstGeom>
+          <a:noFill/>
+        </p:spPr>
+        <p:txBody>
+          <a:bodyPr wrap="square" rtlCol="0">
+            <a:spAutoFit/>
+          </a:bodyPr>
+          <a:lstStyle/>
+          <a:p>
+            <a:pPr algn="ctr"/>
+            <a:r>
+              <a:rPr lang="en-US" dirty="0" smtClean="0"/>
+              <a:t>ELBOW DOWN</a:t>
+            </a:r>
+            <a:endParaRPr lang="en-US" dirty="0"/>
+          </a:p>
+        </p:txBody>
+      </p:sp>
+      <p:cxnSp>
+        <p:nvCxnSpPr>
+          <p:cNvPr id="38" name="Curved Connector 37"/>
+          <p:cNvCxnSpPr>
+            <a:stCxn id="8" idx="1"/>
+            <a:endCxn id="6" idx="6"/>
+          </p:cNvCxnSpPr>
+          <p:nvPr/>
+        </p:nvCxnSpPr>
+        <p:spPr>
+          <a:xfrm rot="16200000" flipV="1">
+            <a:off x="5256761" y="2719543"/>
+            <a:ext cx="1152514" cy="1131119"/>
+          </a:xfrm>
+          <a:prstGeom prst="curvedConnector2">
+            <a:avLst/>
+          </a:prstGeom>
+          <a:ln>
+            <a:tailEnd type="triangle"/>
+          </a:ln>
+        </p:spPr>
+        <p:style>
+          <a:lnRef idx="1">
+            <a:schemeClr val="accent1"/>
+          </a:lnRef>
+          <a:fillRef idx="0">
+            <a:schemeClr val="accent1"/>
+          </a:fillRef>
+          <a:effectRef idx="0">
+            <a:schemeClr val="accent1"/>
+          </a:effectRef>
+          <a:fontRef idx="minor">
+            <a:schemeClr val="tx1"/>
+          </a:fontRef>
+        </p:style>
+      </p:cxnSp>
+      <p:cxnSp>
+        <p:nvCxnSpPr>
+          <p:cNvPr id="40" name="Curved Connector 39"/>
+          <p:cNvCxnSpPr>
+            <a:stCxn id="6" idx="5"/>
+            <a:endCxn id="8" idx="2"/>
+          </p:cNvCxnSpPr>
+          <p:nvPr/>
+        </p:nvCxnSpPr>
+        <p:spPr>
+          <a:xfrm rot="16200000" flipH="1">
+            <a:off x="5021002" y="3247733"/>
+            <a:ext cx="1152515" cy="1131119"/>
+          </a:xfrm>
+          <a:prstGeom prst="curvedConnector2">
+            <a:avLst/>
+          </a:prstGeom>
+          <a:ln>
+            <a:tailEnd type="triangle"/>
+          </a:ln>
+        </p:spPr>
+        <p:style>
+          <a:lnRef idx="1">
+            <a:schemeClr val="accent1"/>
+          </a:lnRef>
+          <a:fillRef idx="0">
+            <a:schemeClr val="accent1"/>
+          </a:fillRef>
+          <a:effectRef idx="0">
+            <a:schemeClr val="accent1"/>
+          </a:effectRef>
+          <a:fontRef idx="minor">
+            <a:schemeClr val="tx1"/>
+          </a:fontRef>
+        </p:style>
+      </p:cxnSp>
+      <p:cxnSp>
+        <p:nvCxnSpPr>
+          <p:cNvPr id="44" name="Curved Connector 43"/>
+          <p:cNvCxnSpPr>
+            <a:stCxn id="4" idx="6"/>
+            <a:endCxn id="8" idx="3"/>
+          </p:cNvCxnSpPr>
+          <p:nvPr/>
+        </p:nvCxnSpPr>
+        <p:spPr>
+          <a:xfrm flipV="1">
+            <a:off x="5267458" y="4917741"/>
+            <a:ext cx="1131119" cy="965759"/>
+          </a:xfrm>
+          <a:prstGeom prst="curvedConnector2">
+            <a:avLst/>
+          </a:prstGeom>
+          <a:ln>
+            <a:tailEnd type="triangle"/>
+          </a:ln>
+        </p:spPr>
+        <p:style>
+          <a:lnRef idx="1">
+            <a:schemeClr val="accent1"/>
+          </a:lnRef>
+          <a:fillRef idx="0">
+            <a:schemeClr val="accent1"/>
+          </a:fillRef>
+          <a:effectRef idx="0">
+            <a:schemeClr val="accent1"/>
+          </a:effectRef>
+          <a:fontRef idx="minor">
+            <a:schemeClr val="tx1"/>
+          </a:fontRef>
+        </p:style>
+      </p:cxnSp>
+      <p:cxnSp>
+        <p:nvCxnSpPr>
+          <p:cNvPr id="46" name="Curved Connector 45"/>
+          <p:cNvCxnSpPr>
+            <a:stCxn id="8" idx="2"/>
+            <a:endCxn id="4" idx="7"/>
+          </p:cNvCxnSpPr>
+          <p:nvPr/>
+        </p:nvCxnSpPr>
+        <p:spPr>
+          <a:xfrm rot="10800000" flipV="1">
+            <a:off x="5031701" y="4389551"/>
+            <a:ext cx="1131119" cy="965758"/>
+          </a:xfrm>
+          <a:prstGeom prst="curvedConnector2">
+            <a:avLst/>
+          </a:prstGeom>
+          <a:ln>
+            <a:tailEnd type="triangle"/>
+          </a:ln>
+        </p:spPr>
+        <p:style>
+          <a:lnRef idx="1">
+            <a:schemeClr val="accent1"/>
+          </a:lnRef>
+          <a:fillRef idx="0">
+            <a:schemeClr val="accent1"/>
+          </a:fillRef>
+          <a:effectRef idx="0">
+            <a:schemeClr val="accent1"/>
+          </a:effectRef>
+          <a:fontRef idx="minor">
+            <a:schemeClr val="tx1"/>
+          </a:fontRef>
+        </p:style>
+      </p:cxnSp>
+      <p:cxnSp>
+        <p:nvCxnSpPr>
+          <p:cNvPr id="48" name="Curved Connector 47"/>
+          <p:cNvCxnSpPr>
+            <a:stCxn id="8" idx="7"/>
+            <a:endCxn id="7" idx="2"/>
+          </p:cNvCxnSpPr>
+          <p:nvPr/>
+        </p:nvCxnSpPr>
+        <p:spPr>
+          <a:xfrm rot="5400000" flipH="1" flipV="1">
+            <a:off x="7526222" y="2719544"/>
+            <a:ext cx="1152515" cy="1131118"/>
+          </a:xfrm>
+          <a:prstGeom prst="curvedConnector2">
+            <a:avLst/>
+          </a:prstGeom>
+          <a:ln>
+            <a:tailEnd type="triangle"/>
+          </a:ln>
+        </p:spPr>
+        <p:style>
+          <a:lnRef idx="1">
+            <a:schemeClr val="accent1"/>
+          </a:lnRef>
+          <a:fillRef idx="0">
+            <a:schemeClr val="accent1"/>
+          </a:fillRef>
+          <a:effectRef idx="0">
+            <a:schemeClr val="accent1"/>
+          </a:effectRef>
+          <a:fontRef idx="minor">
+            <a:schemeClr val="tx1"/>
+          </a:fontRef>
+        </p:style>
+      </p:cxnSp>
+      <p:cxnSp>
+        <p:nvCxnSpPr>
+          <p:cNvPr id="50" name="Curved Connector 49"/>
+          <p:cNvCxnSpPr>
+            <a:stCxn id="7" idx="3"/>
+            <a:endCxn id="8" idx="6"/>
+          </p:cNvCxnSpPr>
+          <p:nvPr/>
+        </p:nvCxnSpPr>
+        <p:spPr>
+          <a:xfrm rot="5400000">
+            <a:off x="7761979" y="3247734"/>
+            <a:ext cx="1152516" cy="1131118"/>
+          </a:xfrm>
+          <a:prstGeom prst="curvedConnector2">
+            <a:avLst/>
+          </a:prstGeom>
+          <a:ln>
+            <a:tailEnd type="triangle"/>
+          </a:ln>
+        </p:spPr>
+        <p:style>
+          <a:lnRef idx="1">
+            <a:schemeClr val="accent1"/>
+          </a:lnRef>
+          <a:fillRef idx="0">
+            <a:schemeClr val="accent1"/>
+          </a:fillRef>
+          <a:effectRef idx="0">
+            <a:schemeClr val="accent1"/>
+          </a:effectRef>
+          <a:fontRef idx="minor">
+            <a:schemeClr val="tx1"/>
+          </a:fontRef>
+        </p:style>
+      </p:cxnSp>
+      <p:cxnSp>
+        <p:nvCxnSpPr>
+          <p:cNvPr id="52" name="Curved Connector 51"/>
+          <p:cNvCxnSpPr>
+            <a:stCxn id="8" idx="6"/>
+            <a:endCxn id="5" idx="1"/>
+          </p:cNvCxnSpPr>
+          <p:nvPr/>
+        </p:nvCxnSpPr>
+        <p:spPr>
+          <a:xfrm>
+            <a:off x="7772678" y="4389551"/>
+            <a:ext cx="1131119" cy="965758"/>
+          </a:xfrm>
+          <a:prstGeom prst="curvedConnector2">
+            <a:avLst/>
+          </a:prstGeom>
+          <a:ln>
+            <a:tailEnd type="triangle"/>
+          </a:ln>
+        </p:spPr>
+        <p:style>
+          <a:lnRef idx="1">
+            <a:schemeClr val="accent1"/>
+          </a:lnRef>
+          <a:fillRef idx="0">
+            <a:schemeClr val="accent1"/>
+          </a:fillRef>
+          <a:effectRef idx="0">
+            <a:schemeClr val="accent1"/>
+          </a:effectRef>
+          <a:fontRef idx="minor">
+            <a:schemeClr val="tx1"/>
+          </a:fontRef>
+        </p:style>
+      </p:cxnSp>
+      <p:cxnSp>
+        <p:nvCxnSpPr>
+          <p:cNvPr id="54" name="Curved Connector 53"/>
+          <p:cNvCxnSpPr>
+            <a:stCxn id="5" idx="2"/>
+            <a:endCxn id="8" idx="5"/>
+          </p:cNvCxnSpPr>
+          <p:nvPr/>
+        </p:nvCxnSpPr>
+        <p:spPr>
+          <a:xfrm rot="10800000">
+            <a:off x="7536921" y="4917742"/>
+            <a:ext cx="1131119" cy="965759"/>
+          </a:xfrm>
+          <a:prstGeom prst="curvedConnector2">
+            <a:avLst/>
+          </a:prstGeom>
+          <a:ln>
+            <a:tailEnd type="triangle"/>
+          </a:ln>
+        </p:spPr>
+        <p:style>
+          <a:lnRef idx="1">
+            <a:schemeClr val="accent1"/>
+          </a:lnRef>
+          <a:fillRef idx="0">
+            <a:schemeClr val="accent1"/>
+          </a:fillRef>
+          <a:effectRef idx="0">
+            <a:schemeClr val="accent1"/>
+          </a:effectRef>
+          <a:fontRef idx="minor">
+            <a:schemeClr val="tx1"/>
+          </a:fontRef>
+        </p:style>
+      </p:cxnSp>
+    </p:spTree>
+    <p:extLst>
+      <p:ext uri="{BB962C8B-B14F-4D97-AF65-F5344CB8AC3E}">
+        <p14:creationId xmlns:p14="http://schemas.microsoft.com/office/powerpoint/2010/main" val="3128977168"/>
+      </p:ext>
+    </p:extLst>
+  </p:cSld>
+  <p:clrMapOvr>
+    <a:masterClrMapping/>
+  </p:clrMapOvr>
+  <p:timing>
+    <p:tnLst>
+      <p:par>
+        <p:cTn id="1" dur="indefinite" restart="never" nodeType="tmRoot"/>
+      </p:par>
+    </p:tnLst>
+  </p:timing>
+</p:sld>
+</file>
+
+<file path=ppt/slides/slide13.xml><?xml version="1.0" encoding="utf-8"?>
+<p:sld xmlns:a="http://schemas.openxmlformats.org/drawingml/2006/main" xmlns:r="http://schemas.openxmlformats.org/officeDocument/2006/relationships" xmlns:p="http://schemas.openxmlformats.org/presentationml/2006/main">
+  <p:cSld>
+    <p:spTree>
+      <p:nvGrpSpPr>
+        <p:cNvPr id="1" name=""/>
+        <p:cNvGrpSpPr/>
+        <p:nvPr/>
+      </p:nvGrpSpPr>
+      <p:grpSpPr>
+        <a:xfrm>
+          <a:off x="0" y="0"/>
+          <a:ext cx="0" cy="0"/>
+          <a:chOff x="0" y="0"/>
+          <a:chExt cx="0" cy="0"/>
+        </a:xfrm>
+      </p:grpSpPr>
+      <p:sp>
+        <p:nvSpPr>
+          <p:cNvPr id="2" name="Title 1"/>
+          <p:cNvSpPr>
+            <a:spLocks noGrp="1"/>
+          </p:cNvSpPr>
+          <p:nvPr>
+            <p:ph type="title"/>
+          </p:nvPr>
+        </p:nvSpPr>
+        <p:spPr/>
+        <p:txBody>
+          <a:bodyPr/>
+          <a:lstStyle/>
+          <a:p>
+            <a:r>
+              <a:rPr lang="en-US" dirty="0" smtClean="0"/>
+              <a:t>Hand state diagram</a:t>
+            </a:r>
+            <a:endParaRPr lang="en-US" dirty="0"/>
+          </a:p>
+        </p:txBody>
+      </p:sp>
+      <p:sp>
+        <p:nvSpPr>
+          <p:cNvPr id="4" name="Oval 3"/>
+          <p:cNvSpPr/>
+          <p:nvPr/>
+        </p:nvSpPr>
+        <p:spPr>
+          <a:xfrm>
+            <a:off x="4047234" y="4140337"/>
+            <a:ext cx="1609859" cy="1493949"/>
+          </a:xfrm>
+          <a:prstGeom prst="ellipse">
+            <a:avLst/>
+          </a:prstGeom>
+        </p:spPr>
+        <p:style>
+          <a:lnRef idx="2">
+            <a:schemeClr val="accent1">
+              <a:shade val="50000"/>
+            </a:schemeClr>
+          </a:lnRef>
+          <a:fillRef idx="1">
+            <a:schemeClr val="accent1"/>
+          </a:fillRef>
+          <a:effectRef idx="0">
+            <a:schemeClr val="accent1"/>
+          </a:effectRef>
+          <a:fontRef idx="minor">
+            <a:schemeClr val="lt1"/>
+          </a:fontRef>
+        </p:style>
+        <p:txBody>
+          <a:bodyPr rtlCol="0" anchor="ctr"/>
+          <a:lstStyle/>
+          <a:p>
+            <a:pPr algn="ctr"/>
+            <a:endParaRPr lang="en-US"/>
+          </a:p>
+        </p:txBody>
+      </p:sp>
+      <p:sp>
+        <p:nvSpPr>
+          <p:cNvPr id="5" name="Oval 4"/>
+          <p:cNvSpPr/>
+          <p:nvPr/>
+        </p:nvSpPr>
+        <p:spPr>
+          <a:xfrm>
+            <a:off x="6617238" y="5142894"/>
+            <a:ext cx="1609859" cy="1493949"/>
+          </a:xfrm>
+          <a:prstGeom prst="ellipse">
+            <a:avLst/>
+          </a:prstGeom>
+        </p:spPr>
+        <p:style>
+          <a:lnRef idx="2">
+            <a:schemeClr val="accent1">
+              <a:shade val="50000"/>
+            </a:schemeClr>
+          </a:lnRef>
+          <a:fillRef idx="1">
+            <a:schemeClr val="accent1"/>
+          </a:fillRef>
+          <a:effectRef idx="0">
+            <a:schemeClr val="accent1"/>
+          </a:effectRef>
+          <a:fontRef idx="minor">
+            <a:schemeClr val="lt1"/>
+          </a:fontRef>
+        </p:style>
+        <p:txBody>
+          <a:bodyPr rtlCol="0" anchor="ctr"/>
+          <a:lstStyle/>
+          <a:p>
+            <a:pPr algn="ctr"/>
+            <a:endParaRPr lang="en-US"/>
+          </a:p>
+        </p:txBody>
+      </p:sp>
+      <p:sp>
+        <p:nvSpPr>
+          <p:cNvPr id="6" name="Oval 5"/>
+          <p:cNvSpPr/>
+          <p:nvPr/>
+        </p:nvSpPr>
+        <p:spPr>
+          <a:xfrm>
+            <a:off x="4047234" y="1637988"/>
+            <a:ext cx="1609859" cy="1493949"/>
+          </a:xfrm>
+          <a:prstGeom prst="ellipse">
+            <a:avLst/>
+          </a:prstGeom>
+        </p:spPr>
+        <p:style>
+          <a:lnRef idx="2">
+            <a:schemeClr val="accent1">
+              <a:shade val="50000"/>
+            </a:schemeClr>
+          </a:lnRef>
+          <a:fillRef idx="1">
+            <a:schemeClr val="accent1"/>
+          </a:fillRef>
+          <a:effectRef idx="0">
+            <a:schemeClr val="accent1"/>
+          </a:effectRef>
+          <a:fontRef idx="minor">
+            <a:schemeClr val="lt1"/>
+          </a:fontRef>
+        </p:style>
+        <p:txBody>
+          <a:bodyPr rtlCol="0" anchor="ctr"/>
+          <a:lstStyle/>
+          <a:p>
+            <a:pPr algn="ctr"/>
+            <a:endParaRPr lang="en-US"/>
+          </a:p>
+        </p:txBody>
+      </p:sp>
+      <p:sp>
+        <p:nvSpPr>
+          <p:cNvPr id="7" name="Oval 6"/>
+          <p:cNvSpPr/>
+          <p:nvPr/>
+        </p:nvSpPr>
+        <p:spPr>
+          <a:xfrm>
+            <a:off x="9187241" y="4140337"/>
+            <a:ext cx="1609859" cy="1493949"/>
+          </a:xfrm>
+          <a:prstGeom prst="ellipse">
+            <a:avLst/>
+          </a:prstGeom>
+        </p:spPr>
+        <p:style>
+          <a:lnRef idx="2">
+            <a:schemeClr val="accent1">
+              <a:shade val="50000"/>
+            </a:schemeClr>
+          </a:lnRef>
+          <a:fillRef idx="1">
+            <a:schemeClr val="accent1"/>
+          </a:fillRef>
+          <a:effectRef idx="0">
+            <a:schemeClr val="accent1"/>
+          </a:effectRef>
+          <a:fontRef idx="minor">
+            <a:schemeClr val="lt1"/>
+          </a:fontRef>
+        </p:style>
+        <p:txBody>
+          <a:bodyPr rtlCol="0" anchor="ctr"/>
+          <a:lstStyle/>
+          <a:p>
+            <a:pPr algn="ctr"/>
+            <a:endParaRPr lang="en-US"/>
+          </a:p>
+        </p:txBody>
+      </p:sp>
+      <p:sp>
+        <p:nvSpPr>
+          <p:cNvPr id="8" name="Oval 7"/>
+          <p:cNvSpPr/>
+          <p:nvPr/>
+        </p:nvSpPr>
+        <p:spPr>
+          <a:xfrm>
+            <a:off x="6617238" y="2895600"/>
+            <a:ext cx="1609859" cy="1493949"/>
+          </a:xfrm>
+          <a:prstGeom prst="ellipse">
+            <a:avLst/>
+          </a:prstGeom>
+        </p:spPr>
+        <p:style>
+          <a:lnRef idx="2">
+            <a:schemeClr val="accent1">
+              <a:shade val="50000"/>
+            </a:schemeClr>
+          </a:lnRef>
+          <a:fillRef idx="1">
+            <a:schemeClr val="accent1"/>
+          </a:fillRef>
+          <a:effectRef idx="0">
+            <a:schemeClr val="accent1"/>
+          </a:effectRef>
+          <a:fontRef idx="minor">
+            <a:schemeClr val="lt1"/>
+          </a:fontRef>
+        </p:style>
+        <p:txBody>
+          <a:bodyPr rtlCol="0" anchor="ctr"/>
+          <a:lstStyle/>
+          <a:p>
+            <a:pPr algn="ctr"/>
+            <a:endParaRPr lang="en-US"/>
+          </a:p>
+        </p:txBody>
+      </p:sp>
+      <p:sp>
+        <p:nvSpPr>
+          <p:cNvPr id="9" name="TextBox 8"/>
+          <p:cNvSpPr txBox="1"/>
+          <p:nvPr/>
+        </p:nvSpPr>
+        <p:spPr>
+          <a:xfrm>
+            <a:off x="6910566" y="3457908"/>
+            <a:ext cx="1023202" cy="369332"/>
+          </a:xfrm>
+          <a:prstGeom prst="rect">
+            <a:avLst/>
+          </a:prstGeom>
+          <a:noFill/>
+        </p:spPr>
+        <p:txBody>
+          <a:bodyPr wrap="square" rtlCol="0">
+            <a:spAutoFit/>
+          </a:bodyPr>
+          <a:lstStyle/>
+          <a:p>
+            <a:pPr algn="ctr"/>
+            <a:r>
+              <a:rPr lang="en-US" dirty="0" smtClean="0"/>
+              <a:t>IDLE</a:t>
+            </a:r>
+            <a:endParaRPr lang="en-US" dirty="0"/>
+          </a:p>
+        </p:txBody>
+      </p:sp>
+      <p:sp>
+        <p:nvSpPr>
+          <p:cNvPr id="10" name="TextBox 9"/>
+          <p:cNvSpPr txBox="1"/>
+          <p:nvPr/>
+        </p:nvSpPr>
+        <p:spPr>
+          <a:xfrm>
+            <a:off x="4209078" y="2071760"/>
+            <a:ext cx="1258011" cy="646331"/>
+          </a:xfrm>
+          <a:prstGeom prst="rect">
+            <a:avLst/>
+          </a:prstGeom>
+          <a:noFill/>
+        </p:spPr>
+        <p:txBody>
+          <a:bodyPr wrap="square" rtlCol="0">
+            <a:spAutoFit/>
+          </a:bodyPr>
+          <a:lstStyle/>
+          <a:p>
+            <a:pPr algn="ctr"/>
+            <a:r>
+              <a:rPr lang="en-US" dirty="0" smtClean="0"/>
+              <a:t>HAND OPEN</a:t>
+            </a:r>
+            <a:endParaRPr lang="en-US" dirty="0"/>
+          </a:p>
+        </p:txBody>
+      </p:sp>
+      <p:sp>
+        <p:nvSpPr>
+          <p:cNvPr id="11" name="TextBox 10"/>
+          <p:cNvSpPr txBox="1"/>
+          <p:nvPr/>
+        </p:nvSpPr>
+        <p:spPr>
+          <a:xfrm>
+            <a:off x="9315473" y="4564145"/>
+            <a:ext cx="1365537" cy="646331"/>
+          </a:xfrm>
+          <a:prstGeom prst="rect">
+            <a:avLst/>
+          </a:prstGeom>
+          <a:noFill/>
+        </p:spPr>
+        <p:txBody>
+          <a:bodyPr wrap="square" rtlCol="0">
+            <a:spAutoFit/>
+          </a:bodyPr>
+          <a:lstStyle/>
+          <a:p>
+            <a:pPr algn="ctr"/>
+            <a:r>
+              <a:rPr lang="en-US" dirty="0" smtClean="0"/>
+              <a:t>WRIST RIGHT</a:t>
+            </a:r>
+            <a:endParaRPr lang="en-US" dirty="0"/>
+          </a:p>
+        </p:txBody>
+      </p:sp>
+      <p:sp>
+        <p:nvSpPr>
+          <p:cNvPr id="12" name="TextBox 11"/>
+          <p:cNvSpPr txBox="1"/>
+          <p:nvPr/>
+        </p:nvSpPr>
+        <p:spPr>
+          <a:xfrm>
+            <a:off x="4233814" y="4564144"/>
+            <a:ext cx="1258011" cy="646331"/>
+          </a:xfrm>
+          <a:prstGeom prst="rect">
+            <a:avLst/>
+          </a:prstGeom>
+          <a:noFill/>
+        </p:spPr>
+        <p:txBody>
+          <a:bodyPr wrap="square" rtlCol="0">
+            <a:spAutoFit/>
+          </a:bodyPr>
+          <a:lstStyle/>
+          <a:p>
+            <a:pPr algn="ctr"/>
+            <a:r>
+              <a:rPr lang="en-US" dirty="0" smtClean="0"/>
+              <a:t>HAND CLOSE</a:t>
+            </a:r>
+            <a:endParaRPr lang="en-US" dirty="0"/>
+          </a:p>
+        </p:txBody>
+      </p:sp>
+      <p:sp>
+        <p:nvSpPr>
+          <p:cNvPr id="13" name="TextBox 12"/>
+          <p:cNvSpPr txBox="1"/>
+          <p:nvPr/>
+        </p:nvSpPr>
+        <p:spPr>
+          <a:xfrm>
+            <a:off x="6793159" y="5566703"/>
+            <a:ext cx="1258011" cy="646331"/>
+          </a:xfrm>
+          <a:prstGeom prst="rect">
+            <a:avLst/>
+          </a:prstGeom>
+          <a:noFill/>
+        </p:spPr>
+        <p:txBody>
+          <a:bodyPr wrap="square" rtlCol="0">
+            <a:spAutoFit/>
+          </a:bodyPr>
+          <a:lstStyle/>
+          <a:p>
+            <a:pPr algn="ctr"/>
+            <a:r>
+              <a:rPr lang="en-US" dirty="0" smtClean="0"/>
+              <a:t>WRIST DOWN</a:t>
+            </a:r>
+            <a:endParaRPr lang="en-US" dirty="0"/>
+          </a:p>
+        </p:txBody>
+      </p:sp>
+      <p:cxnSp>
+        <p:nvCxnSpPr>
+          <p:cNvPr id="14" name="Curved Connector 13"/>
+          <p:cNvCxnSpPr>
+            <a:stCxn id="8" idx="1"/>
+            <a:endCxn id="6" idx="6"/>
+          </p:cNvCxnSpPr>
+          <p:nvPr/>
+        </p:nvCxnSpPr>
+        <p:spPr>
+          <a:xfrm rot="16200000" flipV="1">
+            <a:off x="5890335" y="2151722"/>
+            <a:ext cx="729421" cy="1195903"/>
+          </a:xfrm>
+          <a:prstGeom prst="curvedConnector2">
+            <a:avLst/>
+          </a:prstGeom>
+          <a:ln>
+            <a:tailEnd type="triangle"/>
+          </a:ln>
+        </p:spPr>
+        <p:style>
+          <a:lnRef idx="1">
+            <a:schemeClr val="accent1"/>
+          </a:lnRef>
+          <a:fillRef idx="0">
+            <a:schemeClr val="accent1"/>
+          </a:fillRef>
+          <a:effectRef idx="0">
+            <a:schemeClr val="accent1"/>
+          </a:effectRef>
+          <a:fontRef idx="minor">
+            <a:schemeClr val="tx1"/>
+          </a:fontRef>
+        </p:style>
+      </p:cxnSp>
+      <p:cxnSp>
+        <p:nvCxnSpPr>
+          <p:cNvPr id="15" name="Curved Connector 14"/>
+          <p:cNvCxnSpPr>
+            <a:stCxn id="6" idx="5"/>
+            <a:endCxn id="8" idx="2"/>
+          </p:cNvCxnSpPr>
+          <p:nvPr/>
+        </p:nvCxnSpPr>
+        <p:spPr>
+          <a:xfrm rot="16200000" flipH="1">
+            <a:off x="5654575" y="2679912"/>
+            <a:ext cx="729422" cy="1195903"/>
+          </a:xfrm>
+          <a:prstGeom prst="curvedConnector2">
+            <a:avLst/>
+          </a:prstGeom>
+          <a:ln>
+            <a:tailEnd type="triangle"/>
+          </a:ln>
+        </p:spPr>
+        <p:style>
+          <a:lnRef idx="1">
+            <a:schemeClr val="accent1"/>
+          </a:lnRef>
+          <a:fillRef idx="0">
+            <a:schemeClr val="accent1"/>
+          </a:fillRef>
+          <a:effectRef idx="0">
+            <a:schemeClr val="accent1"/>
+          </a:effectRef>
+          <a:fontRef idx="minor">
+            <a:schemeClr val="tx1"/>
+          </a:fontRef>
+        </p:style>
+      </p:cxnSp>
+      <p:cxnSp>
+        <p:nvCxnSpPr>
+          <p:cNvPr id="16" name="Curved Connector 15"/>
+          <p:cNvCxnSpPr>
+            <a:stCxn id="4" idx="6"/>
+            <a:endCxn id="8" idx="3"/>
+          </p:cNvCxnSpPr>
+          <p:nvPr/>
+        </p:nvCxnSpPr>
+        <p:spPr>
+          <a:xfrm flipV="1">
+            <a:off x="5657093" y="4170765"/>
+            <a:ext cx="1195903" cy="716547"/>
+          </a:xfrm>
+          <a:prstGeom prst="curvedConnector2">
+            <a:avLst/>
+          </a:prstGeom>
+          <a:ln>
+            <a:tailEnd type="triangle"/>
+          </a:ln>
+        </p:spPr>
+        <p:style>
+          <a:lnRef idx="1">
+            <a:schemeClr val="accent1"/>
+          </a:lnRef>
+          <a:fillRef idx="0">
+            <a:schemeClr val="accent1"/>
+          </a:fillRef>
+          <a:effectRef idx="0">
+            <a:schemeClr val="accent1"/>
+          </a:effectRef>
+          <a:fontRef idx="minor">
+            <a:schemeClr val="tx1"/>
+          </a:fontRef>
+        </p:style>
+      </p:cxnSp>
+      <p:cxnSp>
+        <p:nvCxnSpPr>
+          <p:cNvPr id="17" name="Curved Connector 16"/>
+          <p:cNvCxnSpPr>
+            <a:stCxn id="8" idx="2"/>
+            <a:endCxn id="4" idx="7"/>
+          </p:cNvCxnSpPr>
+          <p:nvPr/>
+        </p:nvCxnSpPr>
+        <p:spPr>
+          <a:xfrm rot="10800000" flipV="1">
+            <a:off x="5421336" y="3642575"/>
+            <a:ext cx="1195903" cy="716546"/>
+          </a:xfrm>
+          <a:prstGeom prst="curvedConnector2">
+            <a:avLst/>
+          </a:prstGeom>
+          <a:ln>
+            <a:tailEnd type="triangle"/>
+          </a:ln>
+        </p:spPr>
+        <p:style>
+          <a:lnRef idx="1">
+            <a:schemeClr val="accent1"/>
+          </a:lnRef>
+          <a:fillRef idx="0">
+            <a:schemeClr val="accent1"/>
+          </a:fillRef>
+          <a:effectRef idx="0">
+            <a:schemeClr val="accent1"/>
+          </a:effectRef>
+          <a:fontRef idx="minor">
+            <a:schemeClr val="tx1"/>
+          </a:fontRef>
+        </p:style>
+      </p:cxnSp>
+      <p:sp>
+        <p:nvSpPr>
+          <p:cNvPr id="28" name="Oval 27"/>
+          <p:cNvSpPr/>
+          <p:nvPr/>
+        </p:nvSpPr>
+        <p:spPr>
+          <a:xfrm>
+            <a:off x="6617238" y="603139"/>
+            <a:ext cx="1609859" cy="1493949"/>
+          </a:xfrm>
+          <a:prstGeom prst="ellipse">
+            <a:avLst/>
+          </a:prstGeom>
+        </p:spPr>
+        <p:style>
+          <a:lnRef idx="2">
+            <a:schemeClr val="accent1">
+              <a:shade val="50000"/>
+            </a:schemeClr>
+          </a:lnRef>
+          <a:fillRef idx="1">
+            <a:schemeClr val="accent1"/>
+          </a:fillRef>
+          <a:effectRef idx="0">
+            <a:schemeClr val="accent1"/>
+          </a:effectRef>
+          <a:fontRef idx="minor">
+            <a:schemeClr val="lt1"/>
+          </a:fontRef>
+        </p:style>
+        <p:txBody>
+          <a:bodyPr rtlCol="0" anchor="ctr"/>
+          <a:lstStyle/>
+          <a:p>
+            <a:pPr algn="ctr"/>
+            <a:endParaRPr lang="en-US"/>
+          </a:p>
+        </p:txBody>
+      </p:sp>
+      <p:sp>
+        <p:nvSpPr>
+          <p:cNvPr id="29" name="TextBox 28"/>
+          <p:cNvSpPr txBox="1"/>
+          <p:nvPr/>
+        </p:nvSpPr>
+        <p:spPr>
+          <a:xfrm>
+            <a:off x="6745470" y="1165447"/>
+            <a:ext cx="1365537" cy="369332"/>
+          </a:xfrm>
+          <a:prstGeom prst="rect">
+            <a:avLst/>
+          </a:prstGeom>
+          <a:noFill/>
+        </p:spPr>
+        <p:txBody>
+          <a:bodyPr wrap="square" rtlCol="0">
+            <a:spAutoFit/>
+          </a:bodyPr>
+          <a:lstStyle/>
+          <a:p>
+            <a:pPr algn="ctr"/>
+            <a:r>
+              <a:rPr lang="en-US" dirty="0" smtClean="0"/>
+              <a:t>WRIST UP</a:t>
+            </a:r>
+            <a:endParaRPr lang="en-US" dirty="0"/>
+          </a:p>
+        </p:txBody>
+      </p:sp>
+      <p:sp>
+        <p:nvSpPr>
+          <p:cNvPr id="30" name="Oval 29"/>
+          <p:cNvSpPr/>
+          <p:nvPr/>
+        </p:nvSpPr>
+        <p:spPr>
+          <a:xfrm>
+            <a:off x="9187241" y="1618260"/>
+            <a:ext cx="1609859" cy="1493949"/>
+          </a:xfrm>
+          <a:prstGeom prst="ellipse">
+            <a:avLst/>
+          </a:prstGeom>
+        </p:spPr>
+        <p:style>
+          <a:lnRef idx="2">
+            <a:schemeClr val="accent1">
+              <a:shade val="50000"/>
+            </a:schemeClr>
+          </a:lnRef>
+          <a:fillRef idx="1">
+            <a:schemeClr val="accent1"/>
+          </a:fillRef>
+          <a:effectRef idx="0">
+            <a:schemeClr val="accent1"/>
+          </a:effectRef>
+          <a:fontRef idx="minor">
+            <a:schemeClr val="lt1"/>
+          </a:fontRef>
+        </p:style>
+        <p:txBody>
+          <a:bodyPr rtlCol="0" anchor="ctr"/>
+          <a:lstStyle/>
+          <a:p>
+            <a:pPr algn="ctr"/>
+            <a:endParaRPr lang="en-US"/>
+          </a:p>
+        </p:txBody>
+      </p:sp>
+      <p:sp>
+        <p:nvSpPr>
+          <p:cNvPr id="31" name="TextBox 30"/>
+          <p:cNvSpPr txBox="1"/>
+          <p:nvPr/>
+        </p:nvSpPr>
+        <p:spPr>
+          <a:xfrm>
+            <a:off x="9315473" y="2180568"/>
+            <a:ext cx="1365537" cy="369332"/>
+          </a:xfrm>
+          <a:prstGeom prst="rect">
+            <a:avLst/>
+          </a:prstGeom>
+          <a:noFill/>
+        </p:spPr>
+        <p:txBody>
+          <a:bodyPr wrap="square" rtlCol="0">
+            <a:spAutoFit/>
+          </a:bodyPr>
+          <a:lstStyle/>
+          <a:p>
+            <a:pPr algn="ctr"/>
+            <a:r>
+              <a:rPr lang="en-US" dirty="0" smtClean="0"/>
+              <a:t>WRIST LEFT</a:t>
+            </a:r>
+            <a:endParaRPr lang="en-US" dirty="0"/>
+          </a:p>
+        </p:txBody>
+      </p:sp>
+      <p:cxnSp>
+        <p:nvCxnSpPr>
+          <p:cNvPr id="57" name="Curved Connector 56"/>
+          <p:cNvCxnSpPr>
+            <a:stCxn id="8" idx="7"/>
+            <a:endCxn id="30" idx="2"/>
+          </p:cNvCxnSpPr>
+          <p:nvPr/>
+        </p:nvCxnSpPr>
+        <p:spPr>
+          <a:xfrm rot="5400000" flipH="1" flipV="1">
+            <a:off x="8214716" y="2141859"/>
+            <a:ext cx="749149" cy="1195902"/>
+          </a:xfrm>
+          <a:prstGeom prst="curvedConnector2">
+            <a:avLst/>
+          </a:prstGeom>
+          <a:ln>
+            <a:tailEnd type="triangle"/>
+          </a:ln>
+        </p:spPr>
+        <p:style>
+          <a:lnRef idx="1">
+            <a:schemeClr val="accent1"/>
+          </a:lnRef>
+          <a:fillRef idx="0">
+            <a:schemeClr val="accent1"/>
+          </a:fillRef>
+          <a:effectRef idx="0">
+            <a:schemeClr val="accent1"/>
+          </a:effectRef>
+          <a:fontRef idx="minor">
+            <a:schemeClr val="tx1"/>
+          </a:fontRef>
+        </p:style>
+      </p:cxnSp>
+      <p:cxnSp>
+        <p:nvCxnSpPr>
+          <p:cNvPr id="59" name="Curved Connector 58"/>
+          <p:cNvCxnSpPr>
+            <a:stCxn id="30" idx="3"/>
+            <a:endCxn id="8" idx="6"/>
+          </p:cNvCxnSpPr>
+          <p:nvPr/>
+        </p:nvCxnSpPr>
+        <p:spPr>
+          <a:xfrm rot="5400000">
+            <a:off x="8450473" y="2670049"/>
+            <a:ext cx="749150" cy="1195902"/>
+          </a:xfrm>
+          <a:prstGeom prst="curvedConnector2">
+            <a:avLst/>
+          </a:prstGeom>
+          <a:ln>
+            <a:tailEnd type="triangle"/>
+          </a:ln>
+        </p:spPr>
+        <p:style>
+          <a:lnRef idx="1">
+            <a:schemeClr val="accent1"/>
+          </a:lnRef>
+          <a:fillRef idx="0">
+            <a:schemeClr val="accent1"/>
+          </a:fillRef>
+          <a:effectRef idx="0">
+            <a:schemeClr val="accent1"/>
+          </a:effectRef>
+          <a:fontRef idx="minor">
+            <a:schemeClr val="tx1"/>
+          </a:fontRef>
+        </p:style>
+      </p:cxnSp>
+      <p:cxnSp>
+        <p:nvCxnSpPr>
+          <p:cNvPr id="61" name="Curved Connector 60"/>
+          <p:cNvCxnSpPr>
+            <a:stCxn id="8" idx="6"/>
+            <a:endCxn id="7" idx="1"/>
+          </p:cNvCxnSpPr>
+          <p:nvPr/>
+        </p:nvCxnSpPr>
+        <p:spPr>
+          <a:xfrm>
+            <a:off x="8227097" y="3642575"/>
+            <a:ext cx="1195902" cy="716546"/>
+          </a:xfrm>
+          <a:prstGeom prst="curvedConnector2">
+            <a:avLst/>
+          </a:prstGeom>
+          <a:ln>
+            <a:tailEnd type="triangle"/>
+          </a:ln>
+        </p:spPr>
+        <p:style>
+          <a:lnRef idx="1">
+            <a:schemeClr val="accent1"/>
+          </a:lnRef>
+          <a:fillRef idx="0">
+            <a:schemeClr val="accent1"/>
+          </a:fillRef>
+          <a:effectRef idx="0">
+            <a:schemeClr val="accent1"/>
+          </a:effectRef>
+          <a:fontRef idx="minor">
+            <a:schemeClr val="tx1"/>
+          </a:fontRef>
+        </p:style>
+      </p:cxnSp>
+      <p:cxnSp>
+        <p:nvCxnSpPr>
+          <p:cNvPr id="63" name="Curved Connector 62"/>
+          <p:cNvCxnSpPr>
+            <a:stCxn id="7" idx="2"/>
+            <a:endCxn id="8" idx="5"/>
+          </p:cNvCxnSpPr>
+          <p:nvPr/>
+        </p:nvCxnSpPr>
+        <p:spPr>
+          <a:xfrm rot="10800000">
+            <a:off x="7991339" y="4170766"/>
+            <a:ext cx="1195902" cy="716547"/>
+          </a:xfrm>
+          <a:prstGeom prst="curvedConnector2">
+            <a:avLst/>
+          </a:prstGeom>
+          <a:ln>
+            <a:tailEnd type="triangle"/>
+          </a:ln>
+        </p:spPr>
+        <p:style>
+          <a:lnRef idx="1">
+            <a:schemeClr val="accent1"/>
+          </a:lnRef>
+          <a:fillRef idx="0">
+            <a:schemeClr val="accent1"/>
+          </a:fillRef>
+          <a:effectRef idx="0">
+            <a:schemeClr val="accent1"/>
+          </a:effectRef>
+          <a:fontRef idx="minor">
+            <a:schemeClr val="tx1"/>
+          </a:fontRef>
+        </p:style>
+      </p:cxnSp>
+      <p:cxnSp>
+        <p:nvCxnSpPr>
+          <p:cNvPr id="69" name="Straight Arrow Connector 68"/>
+          <p:cNvCxnSpPr>
+            <a:stCxn id="28" idx="4"/>
+            <a:endCxn id="8" idx="0"/>
+          </p:cNvCxnSpPr>
+          <p:nvPr/>
+        </p:nvCxnSpPr>
+        <p:spPr>
+          <a:xfrm>
+            <a:off x="7422168" y="2097088"/>
+            <a:ext cx="0" cy="798512"/>
+          </a:xfrm>
+          <a:prstGeom prst="straightConnector1">
+            <a:avLst/>
+          </a:prstGeom>
+          <a:ln>
+            <a:headEnd type="triangle"/>
+            <a:tailEnd type="triangle"/>
+          </a:ln>
+        </p:spPr>
+        <p:style>
+          <a:lnRef idx="1">
+            <a:schemeClr val="accent1"/>
+          </a:lnRef>
+          <a:fillRef idx="0">
+            <a:schemeClr val="accent1"/>
+          </a:fillRef>
+          <a:effectRef idx="0">
+            <a:schemeClr val="accent1"/>
+          </a:effectRef>
+          <a:fontRef idx="minor">
+            <a:schemeClr val="tx1"/>
+          </a:fontRef>
+        </p:style>
+      </p:cxnSp>
+      <p:cxnSp>
+        <p:nvCxnSpPr>
+          <p:cNvPr id="72" name="Straight Arrow Connector 71"/>
+          <p:cNvCxnSpPr>
+            <a:stCxn id="8" idx="4"/>
+            <a:endCxn id="5" idx="0"/>
+          </p:cNvCxnSpPr>
+          <p:nvPr/>
+        </p:nvCxnSpPr>
+        <p:spPr>
+          <a:xfrm>
+            <a:off x="7422168" y="4389549"/>
+            <a:ext cx="0" cy="753345"/>
+          </a:xfrm>
+          <a:prstGeom prst="straightConnector1">
+            <a:avLst/>
+          </a:prstGeom>
+          <a:ln>
+            <a:headEnd type="triangle"/>
+            <a:tailEnd type="triangle"/>
+          </a:ln>
+        </p:spPr>
+        <p:style>
+          <a:lnRef idx="1">
+            <a:schemeClr val="accent1"/>
+          </a:lnRef>
+          <a:fillRef idx="0">
+            <a:schemeClr val="accent1"/>
+          </a:fillRef>
+          <a:effectRef idx="0">
+            <a:schemeClr val="accent1"/>
+          </a:effectRef>
+          <a:fontRef idx="minor">
+            <a:schemeClr val="tx1"/>
+          </a:fontRef>
+        </p:style>
+      </p:cxnSp>
+    </p:spTree>
+    <p:extLst>
+      <p:ext uri="{BB962C8B-B14F-4D97-AF65-F5344CB8AC3E}">
+        <p14:creationId xmlns:p14="http://schemas.microsoft.com/office/powerpoint/2010/main" val="1118340391"/>
+      </p:ext>
+    </p:extLst>
+  </p:cSld>
+  <p:clrMapOvr>
+    <a:masterClrMapping/>
+  </p:clrMapOvr>
+  <p:timing>
+    <p:tnLst>
+      <p:par>
+        <p:cTn id="1" dur="indefinite" restart="never" nodeType="tmRoot"/>
+      </p:par>
+    </p:tnLst>
+  </p:timing>
+</p:sld>
+</file>
+
+<file path=ppt/slides/slide14.xml><?xml version="1.0" encoding="utf-8"?>
+<p:sld xmlns:a="http://schemas.openxmlformats.org/drawingml/2006/main" xmlns:r="http://schemas.openxmlformats.org/officeDocument/2006/relationships" xmlns:p="http://schemas.openxmlformats.org/presentationml/2006/main">
+  <p:cSld>
+    <p:spTree>
+      <p:nvGrpSpPr>
+        <p:cNvPr id="1" name=""/>
+        <p:cNvGrpSpPr/>
+        <p:nvPr/>
+      </p:nvGrpSpPr>
+      <p:grpSpPr>
+        <a:xfrm>
+          <a:off x="0" y="0"/>
+          <a:ext cx="0" cy="0"/>
+          <a:chOff x="0" y="0"/>
+          <a:chExt cx="0" cy="0"/>
+        </a:xfrm>
+      </p:grpSpPr>
+      <p:sp>
+        <p:nvSpPr>
+          <p:cNvPr id="2" name="Title 1"/>
+          <p:cNvSpPr>
+            <a:spLocks noGrp="1"/>
+          </p:cNvSpPr>
+          <p:nvPr>
+            <p:ph type="title"/>
+          </p:nvPr>
+        </p:nvSpPr>
+        <p:spPr/>
+        <p:txBody>
+          <a:bodyPr/>
+          <a:lstStyle/>
+          <a:p>
+            <a:r>
+              <a:rPr lang="en-US" dirty="0" smtClean="0"/>
+              <a:t>results</a:t>
+            </a:r>
+            <a:endParaRPr lang="en-US" dirty="0"/>
+          </a:p>
+        </p:txBody>
+      </p:sp>
+      <p:sp>
+        <p:nvSpPr>
+          <p:cNvPr id="3" name="Content Placeholder 2"/>
+          <p:cNvSpPr>
+            <a:spLocks noGrp="1"/>
+          </p:cNvSpPr>
+          <p:nvPr>
+            <p:ph idx="1"/>
+          </p:nvPr>
+        </p:nvSpPr>
+        <p:spPr/>
+        <p:txBody>
+          <a:bodyPr/>
+          <a:lstStyle/>
+          <a:p>
+            <a:r>
+              <a:rPr lang="en-US" dirty="0" smtClean="0"/>
+              <a:t>Complete mobility control of robot</a:t>
+            </a:r>
+          </a:p>
+          <a:p>
+            <a:r>
+              <a:rPr lang="en-US" dirty="0" smtClean="0"/>
+              <a:t>Complete control of arm with 6 degrees of freedom</a:t>
+            </a:r>
+          </a:p>
+          <a:p>
+            <a:r>
+              <a:rPr lang="en-US" dirty="0" smtClean="0"/>
+              <a:t>Ability to switch between arm mode and drive mode</a:t>
+            </a:r>
+            <a:endParaRPr lang="en-US" dirty="0"/>
+          </a:p>
+        </p:txBody>
+      </p:sp>
+    </p:spTree>
+    <p:extLst>
+      <p:ext uri="{BB962C8B-B14F-4D97-AF65-F5344CB8AC3E}">
+        <p14:creationId xmlns:p14="http://schemas.microsoft.com/office/powerpoint/2010/main" val="2794627429"/>
+      </p:ext>
+    </p:extLst>
+  </p:cSld>
+  <p:clrMapOvr>
+    <a:masterClrMapping/>
+  </p:clrMapOvr>
+  <p:timing>
+    <p:tnLst>
+      <p:par>
+        <p:cTn id="1" dur="indefinite" restart="never" nodeType="tmRoot"/>
+      </p:par>
+    </p:tnLst>
+  </p:timing>
+</p:sld>
+</file>
+
+<file path=ppt/slides/slide15.xml><?xml version="1.0" encoding="utf-8"?>
+<p:sld xmlns:a="http://schemas.openxmlformats.org/drawingml/2006/main" xmlns:r="http://schemas.openxmlformats.org/officeDocument/2006/relationships" xmlns:p="http://schemas.openxmlformats.org/presentationml/2006/main">
+  <p:cSld>
+    <p:spTree>
+      <p:nvGrpSpPr>
+        <p:cNvPr id="1" name=""/>
+        <p:cNvGrpSpPr/>
+        <p:nvPr/>
+      </p:nvGrpSpPr>
+      <p:grpSpPr>
+        <a:xfrm>
+          <a:off x="0" y="0"/>
+          <a:ext cx="0" cy="0"/>
+          <a:chOff x="0" y="0"/>
+          <a:chExt cx="0" cy="0"/>
+        </a:xfrm>
+      </p:grpSpPr>
+      <p:sp>
+        <p:nvSpPr>
+          <p:cNvPr id="2" name="Title 1"/>
+          <p:cNvSpPr>
+            <a:spLocks noGrp="1"/>
+          </p:cNvSpPr>
+          <p:nvPr>
+            <p:ph type="title"/>
+          </p:nvPr>
+        </p:nvSpPr>
+        <p:spPr/>
+        <p:txBody>
+          <a:bodyPr/>
+          <a:lstStyle/>
+          <a:p>
+            <a:r>
+              <a:rPr lang="en-US" dirty="0" smtClean="0"/>
+              <a:t>Technical problems</a:t>
+            </a:r>
+            <a:endParaRPr lang="en-US" dirty="0"/>
+          </a:p>
+        </p:txBody>
+      </p:sp>
+      <p:sp>
+        <p:nvSpPr>
+          <p:cNvPr id="3" name="Content Placeholder 2"/>
+          <p:cNvSpPr>
+            <a:spLocks noGrp="1"/>
+          </p:cNvSpPr>
+          <p:nvPr>
+            <p:ph idx="1"/>
+          </p:nvPr>
+        </p:nvSpPr>
+        <p:spPr/>
+        <p:txBody>
+          <a:bodyPr/>
+          <a:lstStyle/>
+          <a:p>
+            <a:r>
+              <a:rPr lang="en-US" dirty="0" smtClean="0"/>
+              <a:t>Original plan involved Kinect and laptop mounted on robot</a:t>
+            </a:r>
+          </a:p>
+          <a:p>
+            <a:pPr lvl="1"/>
+            <a:r>
+              <a:rPr lang="en-US" dirty="0" smtClean="0"/>
+              <a:t>Kinect requires 120VAC</a:t>
+            </a:r>
+          </a:p>
+          <a:p>
+            <a:pPr lvl="1"/>
+            <a:r>
+              <a:rPr lang="en-US" dirty="0" smtClean="0"/>
+              <a:t>Extension cords??? No thanks…</a:t>
+            </a:r>
+          </a:p>
+          <a:p>
+            <a:r>
+              <a:rPr lang="en-US" dirty="0" smtClean="0"/>
+              <a:t>Too much weight for 12VDC motors</a:t>
+            </a:r>
+          </a:p>
+          <a:p>
+            <a:r>
+              <a:rPr lang="en-US" dirty="0" smtClean="0"/>
+              <a:t>Continuous rotation servos</a:t>
+            </a:r>
+          </a:p>
+          <a:p>
+            <a:r>
+              <a:rPr lang="en-US" dirty="0" smtClean="0"/>
+              <a:t>Bad left/right shoulder servo</a:t>
+            </a:r>
+          </a:p>
+          <a:p>
+            <a:endParaRPr lang="en-US" dirty="0" smtClean="0"/>
+          </a:p>
+          <a:p>
+            <a:endParaRPr lang="en-US" dirty="0"/>
+          </a:p>
+        </p:txBody>
+      </p:sp>
+    </p:spTree>
+    <p:extLst>
+      <p:ext uri="{BB962C8B-B14F-4D97-AF65-F5344CB8AC3E}">
+        <p14:creationId xmlns:p14="http://schemas.microsoft.com/office/powerpoint/2010/main" val="2614756988"/>
+      </p:ext>
+    </p:extLst>
+  </p:cSld>
+  <p:clrMapOvr>
+    <a:masterClrMapping/>
+  </p:clrMapOvr>
+  <p:timing>
+    <p:tnLst>
+      <p:par>
+        <p:cTn id="1" dur="indefinite" restart="never" nodeType="tmRoot"/>
+      </p:par>
+    </p:tnLst>
+  </p:timing>
+</p:sld>
+</file>
+
+<file path=ppt/slides/slide16.xml><?xml version="1.0" encoding="utf-8"?>
+<p:sld xmlns:a="http://schemas.openxmlformats.org/drawingml/2006/main" xmlns:r="http://schemas.openxmlformats.org/officeDocument/2006/relationships" xmlns:p="http://schemas.openxmlformats.org/presentationml/2006/main">
+  <p:cSld>
+    <p:spTree>
+      <p:nvGrpSpPr>
+        <p:cNvPr id="1" name=""/>
+        <p:cNvGrpSpPr/>
+        <p:nvPr/>
+      </p:nvGrpSpPr>
+      <p:grpSpPr>
+        <a:xfrm>
+          <a:off x="0" y="0"/>
+          <a:ext cx="0" cy="0"/>
+          <a:chOff x="0" y="0"/>
+          <a:chExt cx="0" cy="0"/>
+        </a:xfrm>
+      </p:grpSpPr>
+      <p:sp>
+        <p:nvSpPr>
+          <p:cNvPr id="2" name="Title 1"/>
+          <p:cNvSpPr>
+            <a:spLocks noGrp="1"/>
+          </p:cNvSpPr>
+          <p:nvPr>
+            <p:ph type="title"/>
+          </p:nvPr>
+        </p:nvSpPr>
+        <p:spPr/>
+        <p:txBody>
+          <a:bodyPr/>
+          <a:lstStyle/>
+          <a:p>
+            <a:r>
+              <a:rPr lang="en-US" dirty="0" smtClean="0"/>
               <a:t>Future plans</a:t>
             </a:r>
             <a:endParaRPr lang="en-US" dirty="0"/>
@@ -12555,7 +16175,7 @@
 </p:sld>
 </file>
 
-<file path=ppt/slides/slide11.xml><?xml version="1.0" encoding="utf-8"?>
+<file path=ppt/slides/slide17.xml><?xml version="1.0" encoding="utf-8"?>
 <p:sld xmlns:a="http://schemas.openxmlformats.org/drawingml/2006/main" xmlns:r="http://schemas.openxmlformats.org/officeDocument/2006/relationships" xmlns:p="http://schemas.openxmlformats.org/presentationml/2006/main">
   <p:cSld>
     <p:spTree>
@@ -13863,7 +17483,7 @@
           <a:p>
             <a:r>
               <a:rPr lang="en-US" dirty="0" smtClean="0"/>
-              <a:t>results</a:t>
+              <a:t>Visual Basic </a:t>
             </a:r>
             <a:endParaRPr lang="en-US" dirty="0"/>
           </a:p>
@@ -13884,22 +17504,6 @@
           <a:bodyPr/>
           <a:lstStyle/>
           <a:p>
-            <a:r>
-              <a:rPr lang="en-US" dirty="0" smtClean="0"/>
-              <a:t>Complete mobility control of robot</a:t>
-            </a:r>
-          </a:p>
-          <a:p>
-            <a:r>
-              <a:rPr lang="en-US" dirty="0" smtClean="0"/>
-              <a:t>Complete control of arm with 6 degrees of freedom</a:t>
-            </a:r>
-          </a:p>
-          <a:p>
-            <a:r>
-              <a:rPr lang="en-US" dirty="0" smtClean="0"/>
-              <a:t>Ability to switch between arm mode and drive mode</a:t>
-            </a:r>
             <a:endParaRPr lang="en-US" dirty="0"/>
           </a:p>
         </p:txBody>
@@ -13907,7 +17511,7 @@
     </p:spTree>
     <p:extLst>
       <p:ext uri="{BB962C8B-B14F-4D97-AF65-F5344CB8AC3E}">
-        <p14:creationId xmlns:p14="http://schemas.microsoft.com/office/powerpoint/2010/main" val="2794627429"/>
+        <p14:creationId xmlns:p14="http://schemas.microsoft.com/office/powerpoint/2010/main" val="2306304062"/>
       </p:ext>
     </p:extLst>
   </p:cSld>
@@ -13958,7 +17562,7 @@
           <a:p>
             <a:r>
               <a:rPr lang="en-US" dirty="0" smtClean="0"/>
-              <a:t>Technical problems</a:t>
+              <a:t>Bluetooth mailbox</a:t>
             </a:r>
             <a:endParaRPr lang="en-US" dirty="0"/>
           </a:p>
@@ -13979,56 +17583,14 @@
           <a:bodyPr/>
           <a:lstStyle/>
           <a:p>
-            <a:r>
-              <a:rPr lang="en-US" dirty="0" smtClean="0"/>
-              <a:t>Original plan involved Kinect and laptop mounted on robot</a:t>
-            </a:r>
-          </a:p>
-          <a:p>
-            <a:pPr lvl="1"/>
-            <a:r>
-              <a:rPr lang="en-US" dirty="0" smtClean="0"/>
-              <a:t>Kinect requires 120VAC</a:t>
-            </a:r>
-          </a:p>
-          <a:p>
-            <a:pPr lvl="1"/>
-            <a:r>
-              <a:rPr lang="en-US" dirty="0" smtClean="0"/>
-              <a:t>Extension cords??? No thanks…</a:t>
-            </a:r>
-            <a:endParaRPr lang="en-US" dirty="0" smtClean="0"/>
-          </a:p>
-          <a:p>
-            <a:r>
-              <a:rPr lang="en-US" dirty="0" smtClean="0"/>
-              <a:t>Too much weight for 12VDC motors</a:t>
-            </a:r>
-          </a:p>
-          <a:p>
-            <a:r>
-              <a:rPr lang="en-US" dirty="0" smtClean="0"/>
-              <a:t>Continuous rotation servos</a:t>
-            </a:r>
-          </a:p>
-          <a:p>
-            <a:r>
-              <a:rPr lang="en-US" dirty="0" smtClean="0"/>
-              <a:t>Bad left/right shoulder servo</a:t>
-            </a:r>
-          </a:p>
-          <a:p>
-            <a:endParaRPr lang="en-US" dirty="0" smtClean="0"/>
-          </a:p>
-          <a:p>
-            <a:endParaRPr lang="en-US" dirty="0"/>
+            <a:endParaRPr lang="en-US"/>
           </a:p>
         </p:txBody>
       </p:sp>
     </p:spTree>
     <p:extLst>
       <p:ext uri="{BB962C8B-B14F-4D97-AF65-F5344CB8AC3E}">
-        <p14:creationId xmlns:p14="http://schemas.microsoft.com/office/powerpoint/2010/main" val="2614756988"/>
+        <p14:creationId xmlns:p14="http://schemas.microsoft.com/office/powerpoint/2010/main" val="3577238974"/>
       </p:ext>
     </p:extLst>
   </p:cSld>
